--- a/Presentation_Slides.pptx
+++ b/Presentation_Slides.pptx
@@ -4,16 +4,20 @@
   <p:sldMasterIdLst>
     <p:sldMasterId id="2147483744" r:id="rId1"/>
   </p:sldMasterIdLst>
+  <p:notesMasterIdLst>
+    <p:notesMasterId r:id="rId12"/>
+  </p:notesMasterIdLst>
   <p:sldIdLst>
-    <p:sldId id="256" r:id="rId2"/>
-    <p:sldId id="257" r:id="rId3"/>
-    <p:sldId id="258" r:id="rId4"/>
-    <p:sldId id="259" r:id="rId5"/>
-    <p:sldId id="260" r:id="rId6"/>
-    <p:sldId id="261" r:id="rId7"/>
-    <p:sldId id="262" r:id="rId8"/>
-    <p:sldId id="263" r:id="rId9"/>
-    <p:sldId id="264" r:id="rId10"/>
+    <p:sldId id="268" r:id="rId2"/>
+    <p:sldId id="256" r:id="rId3"/>
+    <p:sldId id="257" r:id="rId4"/>
+    <p:sldId id="269" r:id="rId5"/>
+    <p:sldId id="270" r:id="rId6"/>
+    <p:sldId id="271" r:id="rId7"/>
+    <p:sldId id="272" r:id="rId8"/>
+    <p:sldId id="273" r:id="rId9"/>
+    <p:sldId id="274" r:id="rId10"/>
+    <p:sldId id="275" r:id="rId11"/>
   </p:sldIdLst>
   <p:sldSz cx="12192000" cy="6858000"/>
   <p:notesSz cx="6858000" cy="9144000"/>
@@ -112,7 +116,361 @@
       </a:defRPr>
     </a:lvl9pPr>
   </p:defaultTextStyle>
+  <p:extLst>
+    <p:ext uri="{EFAFB233-063F-42B5-8137-9DF3F51BA10A}">
+      <p15:sldGuideLst xmlns:p15="http://schemas.microsoft.com/office/powerpoint/2012/main"/>
+    </p:ext>
+  </p:extLst>
 </p:presentation>
+</file>
+
+<file path=ppt/notesMasters/notesMaster1.xml><?xml version="1.0" encoding="utf-8"?>
+<p:notesMaster xmlns:a="http://schemas.openxmlformats.org/drawingml/2006/main" xmlns:r="http://schemas.openxmlformats.org/officeDocument/2006/relationships" xmlns:p="http://schemas.openxmlformats.org/presentationml/2006/main">
+  <p:cSld>
+    <p:bg>
+      <p:bgRef idx="1001">
+        <a:schemeClr val="bg1"/>
+      </p:bgRef>
+    </p:bg>
+    <p:spTree>
+      <p:nvGrpSpPr>
+        <p:cNvPr id="1" name=""/>
+        <p:cNvGrpSpPr/>
+        <p:nvPr/>
+      </p:nvGrpSpPr>
+      <p:grpSpPr>
+        <a:xfrm>
+          <a:off x="0" y="0"/>
+          <a:ext cx="0" cy="0"/>
+          <a:chOff x="0" y="0"/>
+          <a:chExt cx="0" cy="0"/>
+        </a:xfrm>
+      </p:grpSpPr>
+      <p:sp>
+        <p:nvSpPr>
+          <p:cNvPr id="2" name="Header Placeholder 1"/>
+          <p:cNvSpPr>
+            <a:spLocks noGrp="1"/>
+          </p:cNvSpPr>
+          <p:nvPr>
+            <p:ph type="hdr" sz="quarter"/>
+          </p:nvPr>
+        </p:nvSpPr>
+        <p:spPr>
+          <a:xfrm>
+            <a:off x="0" y="0"/>
+            <a:ext cx="2971800" cy="458788"/>
+          </a:xfrm>
+          <a:prstGeom prst="rect">
+            <a:avLst/>
+          </a:prstGeom>
+        </p:spPr>
+        <p:txBody>
+          <a:bodyPr vert="horz" lIns="91440" tIns="45720" rIns="91440" bIns="45720" rtlCol="0"/>
+          <a:lstStyle>
+            <a:lvl1pPr algn="l">
+              <a:defRPr sz="1200"/>
+            </a:lvl1pPr>
+          </a:lstStyle>
+          <a:p>
+            <a:endParaRPr lang="en-US"/>
+          </a:p>
+        </p:txBody>
+      </p:sp>
+      <p:sp>
+        <p:nvSpPr>
+          <p:cNvPr id="3" name="Date Placeholder 2"/>
+          <p:cNvSpPr>
+            <a:spLocks noGrp="1"/>
+          </p:cNvSpPr>
+          <p:nvPr>
+            <p:ph type="dt" idx="1"/>
+          </p:nvPr>
+        </p:nvSpPr>
+        <p:spPr>
+          <a:xfrm>
+            <a:off x="3884613" y="0"/>
+            <a:ext cx="2971800" cy="458788"/>
+          </a:xfrm>
+          <a:prstGeom prst="rect">
+            <a:avLst/>
+          </a:prstGeom>
+        </p:spPr>
+        <p:txBody>
+          <a:bodyPr vert="horz" lIns="91440" tIns="45720" rIns="91440" bIns="45720" rtlCol="0"/>
+          <a:lstStyle>
+            <a:lvl1pPr algn="r">
+              <a:defRPr sz="1200"/>
+            </a:lvl1pPr>
+          </a:lstStyle>
+          <a:p>
+            <a:fld id="{277151B7-E865-BC45-B0E9-143E33B157DC}" type="datetimeFigureOut">
+              <a:rPr lang="en-US" smtClean="0"/>
+              <a:t>7/30/20</a:t>
+            </a:fld>
+            <a:endParaRPr lang="en-US"/>
+          </a:p>
+        </p:txBody>
+      </p:sp>
+      <p:sp>
+        <p:nvSpPr>
+          <p:cNvPr id="4" name="Slide Image Placeholder 3"/>
+          <p:cNvSpPr>
+            <a:spLocks noGrp="1" noRot="1" noChangeAspect="1"/>
+          </p:cNvSpPr>
+          <p:nvPr>
+            <p:ph type="sldImg" idx="2"/>
+          </p:nvPr>
+        </p:nvSpPr>
+        <p:spPr>
+          <a:xfrm>
+            <a:off x="685800" y="1143000"/>
+            <a:ext cx="5486400" cy="3086100"/>
+          </a:xfrm>
+          <a:prstGeom prst="rect">
+            <a:avLst/>
+          </a:prstGeom>
+          <a:noFill/>
+          <a:ln w="12700">
+            <a:solidFill>
+              <a:prstClr val="black"/>
+            </a:solidFill>
+          </a:ln>
+        </p:spPr>
+        <p:txBody>
+          <a:bodyPr vert="horz" lIns="91440" tIns="45720" rIns="91440" bIns="45720" rtlCol="0" anchor="ctr"/>
+          <a:lstStyle/>
+          <a:p>
+            <a:endParaRPr lang="en-US"/>
+          </a:p>
+        </p:txBody>
+      </p:sp>
+      <p:sp>
+        <p:nvSpPr>
+          <p:cNvPr id="5" name="Notes Placeholder 4"/>
+          <p:cNvSpPr>
+            <a:spLocks noGrp="1"/>
+          </p:cNvSpPr>
+          <p:nvPr>
+            <p:ph type="body" sz="quarter" idx="3"/>
+          </p:nvPr>
+        </p:nvSpPr>
+        <p:spPr>
+          <a:xfrm>
+            <a:off x="685800" y="4400550"/>
+            <a:ext cx="5486400" cy="3600450"/>
+          </a:xfrm>
+          <a:prstGeom prst="rect">
+            <a:avLst/>
+          </a:prstGeom>
+        </p:spPr>
+        <p:txBody>
+          <a:bodyPr vert="horz" lIns="91440" tIns="45720" rIns="91440" bIns="45720" rtlCol="0"/>
+          <a:lstStyle/>
+          <a:p>
+            <a:pPr lvl="0"/>
+            <a:r>
+              <a:rPr lang="en-US"/>
+              <a:t>Click to edit Master text styles</a:t>
+            </a:r>
+          </a:p>
+          <a:p>
+            <a:pPr lvl="1"/>
+            <a:r>
+              <a:rPr lang="en-US"/>
+              <a:t>Second level</a:t>
+            </a:r>
+          </a:p>
+          <a:p>
+            <a:pPr lvl="2"/>
+            <a:r>
+              <a:rPr lang="en-US"/>
+              <a:t>Third level</a:t>
+            </a:r>
+          </a:p>
+          <a:p>
+            <a:pPr lvl="3"/>
+            <a:r>
+              <a:rPr lang="en-US"/>
+              <a:t>Fourth level</a:t>
+            </a:r>
+          </a:p>
+          <a:p>
+            <a:pPr lvl="4"/>
+            <a:r>
+              <a:rPr lang="en-US"/>
+              <a:t>Fifth level</a:t>
+            </a:r>
+          </a:p>
+        </p:txBody>
+      </p:sp>
+      <p:sp>
+        <p:nvSpPr>
+          <p:cNvPr id="6" name="Footer Placeholder 5"/>
+          <p:cNvSpPr>
+            <a:spLocks noGrp="1"/>
+          </p:cNvSpPr>
+          <p:nvPr>
+            <p:ph type="ftr" sz="quarter" idx="4"/>
+          </p:nvPr>
+        </p:nvSpPr>
+        <p:spPr>
+          <a:xfrm>
+            <a:off x="0" y="8685213"/>
+            <a:ext cx="2971800" cy="458787"/>
+          </a:xfrm>
+          <a:prstGeom prst="rect">
+            <a:avLst/>
+          </a:prstGeom>
+        </p:spPr>
+        <p:txBody>
+          <a:bodyPr vert="horz" lIns="91440" tIns="45720" rIns="91440" bIns="45720" rtlCol="0" anchor="b"/>
+          <a:lstStyle>
+            <a:lvl1pPr algn="l">
+              <a:defRPr sz="1200"/>
+            </a:lvl1pPr>
+          </a:lstStyle>
+          <a:p>
+            <a:endParaRPr lang="en-US"/>
+          </a:p>
+        </p:txBody>
+      </p:sp>
+      <p:sp>
+        <p:nvSpPr>
+          <p:cNvPr id="7" name="Slide Number Placeholder 6"/>
+          <p:cNvSpPr>
+            <a:spLocks noGrp="1"/>
+          </p:cNvSpPr>
+          <p:nvPr>
+            <p:ph type="sldNum" sz="quarter" idx="5"/>
+          </p:nvPr>
+        </p:nvSpPr>
+        <p:spPr>
+          <a:xfrm>
+            <a:off x="3884613" y="8685213"/>
+            <a:ext cx="2971800" cy="458787"/>
+          </a:xfrm>
+          <a:prstGeom prst="rect">
+            <a:avLst/>
+          </a:prstGeom>
+        </p:spPr>
+        <p:txBody>
+          <a:bodyPr vert="horz" lIns="91440" tIns="45720" rIns="91440" bIns="45720" rtlCol="0" anchor="b"/>
+          <a:lstStyle>
+            <a:lvl1pPr algn="r">
+              <a:defRPr sz="1200"/>
+            </a:lvl1pPr>
+          </a:lstStyle>
+          <a:p>
+            <a:fld id="{43E12232-CFC1-354F-858F-30FE1BF7D089}" type="slidenum">
+              <a:rPr lang="en-US" smtClean="0"/>
+              <a:t>‹#›</a:t>
+            </a:fld>
+            <a:endParaRPr lang="en-US"/>
+          </a:p>
+        </p:txBody>
+      </p:sp>
+    </p:spTree>
+    <p:extLst>
+      <p:ext uri="{BB962C8B-B14F-4D97-AF65-F5344CB8AC3E}">
+        <p14:creationId xmlns:p14="http://schemas.microsoft.com/office/powerpoint/2010/main" val="3328936012"/>
+      </p:ext>
+    </p:extLst>
+  </p:cSld>
+  <p:clrMap bg1="lt1" tx1="dk1" bg2="lt2" tx2="dk2" accent1="accent1" accent2="accent2" accent3="accent3" accent4="accent4" accent5="accent5" accent6="accent6" hlink="hlink" folHlink="folHlink"/>
+  <p:notesStyle>
+    <a:lvl1pPr marL="0" algn="l" defTabSz="914400" rtl="0" eaLnBrk="1" latinLnBrk="0" hangingPunct="1">
+      <a:defRPr sz="1200" kern="1200">
+        <a:solidFill>
+          <a:schemeClr val="tx1"/>
+        </a:solidFill>
+        <a:latin typeface="+mn-lt"/>
+        <a:ea typeface="+mn-ea"/>
+        <a:cs typeface="+mn-cs"/>
+      </a:defRPr>
+    </a:lvl1pPr>
+    <a:lvl2pPr marL="457200" algn="l" defTabSz="914400" rtl="0" eaLnBrk="1" latinLnBrk="0" hangingPunct="1">
+      <a:defRPr sz="1200" kern="1200">
+        <a:solidFill>
+          <a:schemeClr val="tx1"/>
+        </a:solidFill>
+        <a:latin typeface="+mn-lt"/>
+        <a:ea typeface="+mn-ea"/>
+        <a:cs typeface="+mn-cs"/>
+      </a:defRPr>
+    </a:lvl2pPr>
+    <a:lvl3pPr marL="914400" algn="l" defTabSz="914400" rtl="0" eaLnBrk="1" latinLnBrk="0" hangingPunct="1">
+      <a:defRPr sz="1200" kern="1200">
+        <a:solidFill>
+          <a:schemeClr val="tx1"/>
+        </a:solidFill>
+        <a:latin typeface="+mn-lt"/>
+        <a:ea typeface="+mn-ea"/>
+        <a:cs typeface="+mn-cs"/>
+      </a:defRPr>
+    </a:lvl3pPr>
+    <a:lvl4pPr marL="1371600" algn="l" defTabSz="914400" rtl="0" eaLnBrk="1" latinLnBrk="0" hangingPunct="1">
+      <a:defRPr sz="1200" kern="1200">
+        <a:solidFill>
+          <a:schemeClr val="tx1"/>
+        </a:solidFill>
+        <a:latin typeface="+mn-lt"/>
+        <a:ea typeface="+mn-ea"/>
+        <a:cs typeface="+mn-cs"/>
+      </a:defRPr>
+    </a:lvl4pPr>
+    <a:lvl5pPr marL="1828800" algn="l" defTabSz="914400" rtl="0" eaLnBrk="1" latinLnBrk="0" hangingPunct="1">
+      <a:defRPr sz="1200" kern="1200">
+        <a:solidFill>
+          <a:schemeClr val="tx1"/>
+        </a:solidFill>
+        <a:latin typeface="+mn-lt"/>
+        <a:ea typeface="+mn-ea"/>
+        <a:cs typeface="+mn-cs"/>
+      </a:defRPr>
+    </a:lvl5pPr>
+    <a:lvl6pPr marL="2286000" algn="l" defTabSz="914400" rtl="0" eaLnBrk="1" latinLnBrk="0" hangingPunct="1">
+      <a:defRPr sz="1200" kern="1200">
+        <a:solidFill>
+          <a:schemeClr val="tx1"/>
+        </a:solidFill>
+        <a:latin typeface="+mn-lt"/>
+        <a:ea typeface="+mn-ea"/>
+        <a:cs typeface="+mn-cs"/>
+      </a:defRPr>
+    </a:lvl6pPr>
+    <a:lvl7pPr marL="2743200" algn="l" defTabSz="914400" rtl="0" eaLnBrk="1" latinLnBrk="0" hangingPunct="1">
+      <a:defRPr sz="1200" kern="1200">
+        <a:solidFill>
+          <a:schemeClr val="tx1"/>
+        </a:solidFill>
+        <a:latin typeface="+mn-lt"/>
+        <a:ea typeface="+mn-ea"/>
+        <a:cs typeface="+mn-cs"/>
+      </a:defRPr>
+    </a:lvl7pPr>
+    <a:lvl8pPr marL="3200400" algn="l" defTabSz="914400" rtl="0" eaLnBrk="1" latinLnBrk="0" hangingPunct="1">
+      <a:defRPr sz="1200" kern="1200">
+        <a:solidFill>
+          <a:schemeClr val="tx1"/>
+        </a:solidFill>
+        <a:latin typeface="+mn-lt"/>
+        <a:ea typeface="+mn-ea"/>
+        <a:cs typeface="+mn-cs"/>
+      </a:defRPr>
+    </a:lvl8pPr>
+    <a:lvl9pPr marL="3657600" algn="l" defTabSz="914400" rtl="0" eaLnBrk="1" latinLnBrk="0" hangingPunct="1">
+      <a:defRPr sz="1200" kern="1200">
+        <a:solidFill>
+          <a:schemeClr val="tx1"/>
+        </a:solidFill>
+        <a:latin typeface="+mn-lt"/>
+        <a:ea typeface="+mn-ea"/>
+        <a:cs typeface="+mn-cs"/>
+      </a:defRPr>
+    </a:lvl9pPr>
+  </p:notesStyle>
+</p:notesMaster>
 </file>
 
 <file path=ppt/slideLayouts/slideLayout1.xml><?xml version="1.0" encoding="utf-8"?>
@@ -264,7 +622,7 @@
           <a:p>
             <a:fld id="{F4D57BDD-E64A-4D27-8978-82FFCA18A12C}" type="datetimeFigureOut">
               <a:rPr lang="en-US" smtClean="0"/>
-              <a:t>7/28/20</a:t>
+              <a:t>7/30/20</a:t>
             </a:fld>
             <a:endParaRPr lang="en-US"/>
           </a:p>
@@ -473,7 +831,7 @@
           <a:p>
             <a:fld id="{F4D57BDD-E64A-4D27-8978-82FFCA18A12C}" type="datetimeFigureOut">
               <a:rPr lang="en-US" smtClean="0"/>
-              <a:t>7/28/20</a:t>
+              <a:t>7/30/20</a:t>
             </a:fld>
             <a:endParaRPr lang="en-US"/>
           </a:p>
@@ -681,7 +1039,7 @@
           <a:p>
             <a:fld id="{F4D57BDD-E64A-4D27-8978-82FFCA18A12C}" type="datetimeFigureOut">
               <a:rPr lang="en-US" smtClean="0"/>
-              <a:t>7/28/20</a:t>
+              <a:t>7/30/20</a:t>
             </a:fld>
             <a:endParaRPr lang="en-US"/>
           </a:p>
@@ -879,7 +1237,7 @@
           <a:p>
             <a:fld id="{F4D57BDD-E64A-4D27-8978-82FFCA18A12C}" type="datetimeFigureOut">
               <a:rPr lang="en-US" smtClean="0"/>
-              <a:t>7/28/20</a:t>
+              <a:t>7/30/20</a:t>
             </a:fld>
             <a:endParaRPr lang="en-US"/>
           </a:p>
@@ -1155,7 +1513,7 @@
           <a:p>
             <a:fld id="{F4D57BDD-E64A-4D27-8978-82FFCA18A12C}" type="datetimeFigureOut">
               <a:rPr lang="en-US" smtClean="0"/>
-              <a:t>7/28/20</a:t>
+              <a:t>7/30/20</a:t>
             </a:fld>
             <a:endParaRPr lang="en-US"/>
           </a:p>
@@ -1427,7 +1785,7 @@
           <a:p>
             <a:fld id="{F4D57BDD-E64A-4D27-8978-82FFCA18A12C}" type="datetimeFigureOut">
               <a:rPr lang="en-US" smtClean="0"/>
-              <a:t>7/28/20</a:t>
+              <a:t>7/30/20</a:t>
             </a:fld>
             <a:endParaRPr lang="en-US"/>
           </a:p>
@@ -1841,7 +2199,7 @@
           <a:p>
             <a:fld id="{F4D57BDD-E64A-4D27-8978-82FFCA18A12C}" type="datetimeFigureOut">
               <a:rPr lang="en-US" smtClean="0"/>
-              <a:t>7/28/20</a:t>
+              <a:t>7/30/20</a:t>
             </a:fld>
             <a:endParaRPr lang="en-US"/>
           </a:p>
@@ -1988,7 +2346,7 @@
           <a:p>
             <a:fld id="{F4D57BDD-E64A-4D27-8978-82FFCA18A12C}" type="datetimeFigureOut">
               <a:rPr lang="en-US" smtClean="0"/>
-              <a:t>7/28/20</a:t>
+              <a:t>7/30/20</a:t>
             </a:fld>
             <a:endParaRPr lang="en-US"/>
           </a:p>
@@ -2101,7 +2459,7 @@
           <a:p>
             <a:fld id="{F4D57BDD-E64A-4D27-8978-82FFCA18A12C}" type="datetimeFigureOut">
               <a:rPr lang="en-US" smtClean="0"/>
-              <a:t>7/28/20</a:t>
+              <a:t>7/30/20</a:t>
             </a:fld>
             <a:endParaRPr lang="en-US"/>
           </a:p>
@@ -2413,7 +2771,7 @@
           <a:p>
             <a:fld id="{F4D57BDD-E64A-4D27-8978-82FFCA18A12C}" type="datetimeFigureOut">
               <a:rPr lang="en-US" smtClean="0"/>
-              <a:t>7/28/20</a:t>
+              <a:t>7/30/20</a:t>
             </a:fld>
             <a:endParaRPr lang="en-US"/>
           </a:p>
@@ -2704,7 +3062,7 @@
           <a:p>
             <a:fld id="{F4D57BDD-E64A-4D27-8978-82FFCA18A12C}" type="datetimeFigureOut">
               <a:rPr lang="en-US" smtClean="0"/>
-              <a:t>7/28/20</a:t>
+              <a:t>7/30/20</a:t>
             </a:fld>
             <a:endParaRPr lang="en-US"/>
           </a:p>
@@ -2781,9 +3139,16 @@
 <p:sldMaster xmlns:a="http://schemas.openxmlformats.org/drawingml/2006/main" xmlns:r="http://schemas.openxmlformats.org/officeDocument/2006/relationships" xmlns:p="http://schemas.openxmlformats.org/presentationml/2006/main">
   <p:cSld>
     <p:bg>
-      <p:bgRef idx="1001">
-        <a:schemeClr val="bg1"/>
-      </p:bgRef>
+      <p:bgPr>
+        <a:blipFill dpi="0" rotWithShape="1">
+          <a:blip r:embed="rId13"/>
+          <a:srcRect/>
+          <a:stretch>
+            <a:fillRect/>
+          </a:stretch>
+        </a:blipFill>
+        <a:effectLst/>
+      </p:bgPr>
     </p:bg>
     <p:spTree>
       <p:nvGrpSpPr>
@@ -2946,7 +3311,7 @@
             <a:fld id="{F4D57BDD-E64A-4D27-8978-82FFCA18A12C}" type="datetimeFigureOut">
               <a:rPr lang="en-US" smtClean="0"/>
               <a:pPr/>
-              <a:t>7/28/20</a:t>
+              <a:t>7/30/20</a:t>
             </a:fld>
             <a:endParaRPr lang="en-US" dirty="0"/>
           </a:p>
@@ -3347,14 +3712,320 @@
 <file path=ppt/slides/slide1.xml><?xml version="1.0" encoding="utf-8"?>
 <p:sld xmlns:a="http://schemas.openxmlformats.org/drawingml/2006/main" xmlns:r="http://schemas.openxmlformats.org/officeDocument/2006/relationships" xmlns:p="http://schemas.openxmlformats.org/presentationml/2006/main">
   <p:cSld>
-    <p:bg>
-      <p:bgPr>
-        <a:solidFill>
-          <a:schemeClr val="bg1"/>
-        </a:solidFill>
-        <a:effectLst/>
-      </p:bgPr>
-    </p:bg>
+    <p:spTree>
+      <p:nvGrpSpPr>
+        <p:cNvPr id="1" name=""/>
+        <p:cNvGrpSpPr/>
+        <p:nvPr/>
+      </p:nvGrpSpPr>
+      <p:grpSpPr>
+        <a:xfrm>
+          <a:off x="0" y="0"/>
+          <a:ext cx="0" cy="0"/>
+          <a:chOff x="0" y="0"/>
+          <a:chExt cx="0" cy="0"/>
+        </a:xfrm>
+      </p:grpSpPr>
+      <p:sp>
+        <p:nvSpPr>
+          <p:cNvPr id="3" name="Subtitle 2">
+            <a:extLst>
+              <a:ext uri="{FF2B5EF4-FFF2-40B4-BE49-F238E27FC236}">
+                <a16:creationId xmlns:a16="http://schemas.microsoft.com/office/drawing/2014/main" id="{0A843972-56FF-FC4B-926A-25206813715F}"/>
+              </a:ext>
+            </a:extLst>
+          </p:cNvPr>
+          <p:cNvSpPr txBox="1">
+            <a:spLocks/>
+          </p:cNvSpPr>
+          <p:nvPr/>
+        </p:nvSpPr>
+        <p:spPr>
+          <a:xfrm>
+            <a:off x="321733" y="4806009"/>
+            <a:ext cx="5334000" cy="762000"/>
+          </a:xfrm>
+          <a:prstGeom prst="rect">
+            <a:avLst/>
+          </a:prstGeom>
+        </p:spPr>
+        <p:txBody>
+          <a:bodyPr anchor="t">
+            <a:normAutofit/>
+          </a:bodyPr>
+          <a:lstStyle>
+            <a:lvl1pPr marL="228600" indent="-228600" algn="l" defTabSz="914400" rtl="0" eaLnBrk="1" latinLnBrk="0" hangingPunct="1">
+              <a:lnSpc>
+                <a:spcPct val="90000"/>
+              </a:lnSpc>
+              <a:spcBef>
+                <a:spcPts val="1000"/>
+              </a:spcBef>
+              <a:buFont typeface="Arial" panose="020B0604020202020204" pitchFamily="34" charset="0"/>
+              <a:buChar char="•"/>
+              <a:defRPr sz="2800" kern="1200">
+                <a:solidFill>
+                  <a:schemeClr val="tx1"/>
+                </a:solidFill>
+                <a:latin typeface="+mn-lt"/>
+                <a:ea typeface="+mn-ea"/>
+                <a:cs typeface="+mn-cs"/>
+              </a:defRPr>
+            </a:lvl1pPr>
+            <a:lvl2pPr marL="685800" indent="-228600" algn="l" defTabSz="914400" rtl="0" eaLnBrk="1" latinLnBrk="0" hangingPunct="1">
+              <a:lnSpc>
+                <a:spcPct val="90000"/>
+              </a:lnSpc>
+              <a:spcBef>
+                <a:spcPts val="500"/>
+              </a:spcBef>
+              <a:buFont typeface="Arial" panose="020B0604020202020204" pitchFamily="34" charset="0"/>
+              <a:buChar char="•"/>
+              <a:defRPr sz="2400" kern="1200">
+                <a:solidFill>
+                  <a:schemeClr val="tx1"/>
+                </a:solidFill>
+                <a:latin typeface="+mn-lt"/>
+                <a:ea typeface="+mn-ea"/>
+                <a:cs typeface="+mn-cs"/>
+              </a:defRPr>
+            </a:lvl2pPr>
+            <a:lvl3pPr marL="1143000" indent="-228600" algn="l" defTabSz="914400" rtl="0" eaLnBrk="1" latinLnBrk="0" hangingPunct="1">
+              <a:lnSpc>
+                <a:spcPct val="90000"/>
+              </a:lnSpc>
+              <a:spcBef>
+                <a:spcPts val="500"/>
+              </a:spcBef>
+              <a:buFont typeface="Arial" panose="020B0604020202020204" pitchFamily="34" charset="0"/>
+              <a:buChar char="•"/>
+              <a:defRPr sz="2000" kern="1200">
+                <a:solidFill>
+                  <a:schemeClr val="tx1"/>
+                </a:solidFill>
+                <a:latin typeface="+mn-lt"/>
+                <a:ea typeface="+mn-ea"/>
+                <a:cs typeface="+mn-cs"/>
+              </a:defRPr>
+            </a:lvl3pPr>
+            <a:lvl4pPr marL="1600200" indent="-228600" algn="l" defTabSz="914400" rtl="0" eaLnBrk="1" latinLnBrk="0" hangingPunct="1">
+              <a:lnSpc>
+                <a:spcPct val="90000"/>
+              </a:lnSpc>
+              <a:spcBef>
+                <a:spcPts val="500"/>
+              </a:spcBef>
+              <a:buFont typeface="Arial" panose="020B0604020202020204" pitchFamily="34" charset="0"/>
+              <a:buChar char="•"/>
+              <a:defRPr sz="1800" kern="1200">
+                <a:solidFill>
+                  <a:schemeClr val="tx1"/>
+                </a:solidFill>
+                <a:latin typeface="+mn-lt"/>
+                <a:ea typeface="+mn-ea"/>
+                <a:cs typeface="+mn-cs"/>
+              </a:defRPr>
+            </a:lvl4pPr>
+            <a:lvl5pPr marL="2057400" indent="-228600" algn="l" defTabSz="914400" rtl="0" eaLnBrk="1" latinLnBrk="0" hangingPunct="1">
+              <a:lnSpc>
+                <a:spcPct val="90000"/>
+              </a:lnSpc>
+              <a:spcBef>
+                <a:spcPts val="500"/>
+              </a:spcBef>
+              <a:buFont typeface="Arial" panose="020B0604020202020204" pitchFamily="34" charset="0"/>
+              <a:buChar char="•"/>
+              <a:defRPr sz="1800" kern="1200">
+                <a:solidFill>
+                  <a:schemeClr val="tx1"/>
+                </a:solidFill>
+                <a:latin typeface="+mn-lt"/>
+                <a:ea typeface="+mn-ea"/>
+                <a:cs typeface="+mn-cs"/>
+              </a:defRPr>
+            </a:lvl5pPr>
+            <a:lvl6pPr marL="2514600" indent="-228600" algn="l" defTabSz="914400" rtl="0" eaLnBrk="1" latinLnBrk="0" hangingPunct="1">
+              <a:lnSpc>
+                <a:spcPct val="90000"/>
+              </a:lnSpc>
+              <a:spcBef>
+                <a:spcPts val="500"/>
+              </a:spcBef>
+              <a:buFont typeface="Arial" panose="020B0604020202020204" pitchFamily="34" charset="0"/>
+              <a:buChar char="•"/>
+              <a:defRPr sz="1800" kern="1200">
+                <a:solidFill>
+                  <a:schemeClr val="tx1"/>
+                </a:solidFill>
+                <a:latin typeface="+mn-lt"/>
+                <a:ea typeface="+mn-ea"/>
+                <a:cs typeface="+mn-cs"/>
+              </a:defRPr>
+            </a:lvl6pPr>
+            <a:lvl7pPr marL="2971800" indent="-228600" algn="l" defTabSz="914400" rtl="0" eaLnBrk="1" latinLnBrk="0" hangingPunct="1">
+              <a:lnSpc>
+                <a:spcPct val="90000"/>
+              </a:lnSpc>
+              <a:spcBef>
+                <a:spcPts val="500"/>
+              </a:spcBef>
+              <a:buFont typeface="Arial" panose="020B0604020202020204" pitchFamily="34" charset="0"/>
+              <a:buChar char="•"/>
+              <a:defRPr sz="1800" kern="1200">
+                <a:solidFill>
+                  <a:schemeClr val="tx1"/>
+                </a:solidFill>
+                <a:latin typeface="+mn-lt"/>
+                <a:ea typeface="+mn-ea"/>
+                <a:cs typeface="+mn-cs"/>
+              </a:defRPr>
+            </a:lvl7pPr>
+            <a:lvl8pPr marL="3429000" indent="-228600" algn="l" defTabSz="914400" rtl="0" eaLnBrk="1" latinLnBrk="0" hangingPunct="1">
+              <a:lnSpc>
+                <a:spcPct val="90000"/>
+              </a:lnSpc>
+              <a:spcBef>
+                <a:spcPts val="500"/>
+              </a:spcBef>
+              <a:buFont typeface="Arial" panose="020B0604020202020204" pitchFamily="34" charset="0"/>
+              <a:buChar char="•"/>
+              <a:defRPr sz="1800" kern="1200">
+                <a:solidFill>
+                  <a:schemeClr val="tx1"/>
+                </a:solidFill>
+                <a:latin typeface="+mn-lt"/>
+                <a:ea typeface="+mn-ea"/>
+                <a:cs typeface="+mn-cs"/>
+              </a:defRPr>
+            </a:lvl8pPr>
+            <a:lvl9pPr marL="3886200" indent="-228600" algn="l" defTabSz="914400" rtl="0" eaLnBrk="1" latinLnBrk="0" hangingPunct="1">
+              <a:lnSpc>
+                <a:spcPct val="90000"/>
+              </a:lnSpc>
+              <a:spcBef>
+                <a:spcPts val="500"/>
+              </a:spcBef>
+              <a:buFont typeface="Arial" panose="020B0604020202020204" pitchFamily="34" charset="0"/>
+              <a:buChar char="•"/>
+              <a:defRPr sz="1800" kern="1200">
+                <a:solidFill>
+                  <a:schemeClr val="tx1"/>
+                </a:solidFill>
+                <a:latin typeface="+mn-lt"/>
+                <a:ea typeface="+mn-ea"/>
+                <a:cs typeface="+mn-cs"/>
+              </a:defRPr>
+            </a:lvl9pPr>
+          </a:lstStyle>
+          <a:p>
+            <a:pPr marL="0" indent="0">
+              <a:buNone/>
+            </a:pPr>
+            <a:r>
+              <a:rPr lang="en-US" sz="3200" dirty="0">
+                <a:solidFill>
+                  <a:srgbClr val="48607D"/>
+                </a:solidFill>
+              </a:rPr>
+              <a:t>Team Zebra</a:t>
+            </a:r>
+          </a:p>
+        </p:txBody>
+      </p:sp>
+      <p:sp>
+        <p:nvSpPr>
+          <p:cNvPr id="5" name="TextBox 4">
+            <a:extLst>
+              <a:ext uri="{FF2B5EF4-FFF2-40B4-BE49-F238E27FC236}">
+                <a16:creationId xmlns:a16="http://schemas.microsoft.com/office/drawing/2014/main" id="{6E680AA6-248A-6848-B00E-077F13C4EE39}"/>
+              </a:ext>
+            </a:extLst>
+          </p:cNvPr>
+          <p:cNvSpPr txBox="1"/>
+          <p:nvPr/>
+        </p:nvSpPr>
+        <p:spPr>
+          <a:xfrm>
+            <a:off x="321733" y="2598003"/>
+            <a:ext cx="3335867" cy="830997"/>
+          </a:xfrm>
+          <a:prstGeom prst="rect">
+            <a:avLst/>
+          </a:prstGeom>
+          <a:noFill/>
+        </p:spPr>
+        <p:txBody>
+          <a:bodyPr wrap="square" rtlCol="0">
+            <a:spAutoFit/>
+          </a:bodyPr>
+          <a:lstStyle/>
+          <a:p>
+            <a:r>
+              <a:rPr lang="en-US" sz="4800" dirty="0">
+                <a:solidFill>
+                  <a:schemeClr val="bg1"/>
+                </a:solidFill>
+              </a:rPr>
+              <a:t>COVID-19 &amp;</a:t>
+            </a:r>
+          </a:p>
+        </p:txBody>
+      </p:sp>
+      <p:sp>
+        <p:nvSpPr>
+          <p:cNvPr id="6" name="TextBox 5">
+            <a:extLst>
+              <a:ext uri="{FF2B5EF4-FFF2-40B4-BE49-F238E27FC236}">
+                <a16:creationId xmlns:a16="http://schemas.microsoft.com/office/drawing/2014/main" id="{6465D187-9DBC-544B-9ED5-24A21E9238D7}"/>
+              </a:ext>
+            </a:extLst>
+          </p:cNvPr>
+          <p:cNvSpPr txBox="1"/>
+          <p:nvPr/>
+        </p:nvSpPr>
+        <p:spPr>
+          <a:xfrm>
+            <a:off x="321733" y="3236349"/>
+            <a:ext cx="3996267" cy="1569660"/>
+          </a:xfrm>
+          <a:prstGeom prst="rect">
+            <a:avLst/>
+          </a:prstGeom>
+          <a:noFill/>
+        </p:spPr>
+        <p:txBody>
+          <a:bodyPr wrap="square" rtlCol="0">
+            <a:spAutoFit/>
+          </a:bodyPr>
+          <a:lstStyle/>
+          <a:p>
+            <a:r>
+              <a:rPr lang="en-US" sz="4800" dirty="0">
+                <a:solidFill>
+                  <a:schemeClr val="bg1"/>
+                </a:solidFill>
+              </a:rPr>
+              <a:t>AFFECTS ON AIR QUALITY </a:t>
+            </a:r>
+          </a:p>
+        </p:txBody>
+      </p:sp>
+    </p:spTree>
+    <p:extLst>
+      <p:ext uri="{BB962C8B-B14F-4D97-AF65-F5344CB8AC3E}">
+        <p14:creationId xmlns:p14="http://schemas.microsoft.com/office/powerpoint/2010/main" val="1199558243"/>
+      </p:ext>
+    </p:extLst>
+  </p:cSld>
+  <p:clrMapOvr>
+    <a:masterClrMapping/>
+  </p:clrMapOvr>
+</p:sld>
+</file>
+
+<file path=ppt/slides/slide10.xml><?xml version="1.0" encoding="utf-8"?>
+<p:sld xmlns:a="http://schemas.openxmlformats.org/drawingml/2006/main" xmlns:r="http://schemas.openxmlformats.org/officeDocument/2006/relationships" xmlns:p="http://schemas.openxmlformats.org/presentationml/2006/main">
+  <p:cSld>
     <p:spTree>
       <p:nvGrpSpPr>
         <p:cNvPr id="1" name=""/>
@@ -3432,35 +4103,6 @@
           </a:p>
         </p:txBody>
       </p:sp>
-      <p:pic>
-        <p:nvPicPr>
-          <p:cNvPr id="14" name="Picture 3">
-            <a:extLst>
-              <a:ext uri="{FF2B5EF4-FFF2-40B4-BE49-F238E27FC236}">
-                <a16:creationId xmlns:a16="http://schemas.microsoft.com/office/drawing/2014/main" id="{B329C2E3-D8E1-4559-BBDB-071A8286EAB9}"/>
-              </a:ext>
-            </a:extLst>
-          </p:cNvPr>
-          <p:cNvPicPr>
-            <a:picLocks noChangeAspect="1"/>
-          </p:cNvPicPr>
-          <p:nvPr/>
-        </p:nvPicPr>
-        <p:blipFill rotWithShape="1">
-          <a:blip r:embed="rId2"/>
-          <a:srcRect t="12010" r="1" b="3718"/>
-          <a:stretch/>
-        </p:blipFill>
-        <p:spPr>
-          <a:xfrm>
-            <a:off x="0" y="294300"/>
-            <a:ext cx="12191435" cy="6857989"/>
-          </a:xfrm>
-          <a:prstGeom prst="rect">
-            <a:avLst/>
-          </a:prstGeom>
-        </p:spPr>
-      </p:pic>
       <p:sp>
         <p:nvSpPr>
           <p:cNvPr id="15" name="Rectangle 10">
@@ -3549,130 +4191,78 @@
       </p:sp>
       <p:sp>
         <p:nvSpPr>
-          <p:cNvPr id="2" name="Title 1">
-            <a:extLst>
-              <a:ext uri="{FF2B5EF4-FFF2-40B4-BE49-F238E27FC236}">
-                <a16:creationId xmlns:a16="http://schemas.microsoft.com/office/drawing/2014/main" id="{AF70E9E7-21EB-EB49-9601-95242362EB7E}"/>
-              </a:ext>
-            </a:extLst>
-          </p:cNvPr>
-          <p:cNvSpPr>
-            <a:spLocks noGrp="1"/>
-          </p:cNvSpPr>
-          <p:nvPr>
-            <p:ph type="ctrTitle"/>
-          </p:nvPr>
-        </p:nvSpPr>
-        <p:spPr>
-          <a:xfrm>
-            <a:off x="762000" y="1523999"/>
-            <a:ext cx="5334000" cy="3535018"/>
-          </a:xfrm>
-        </p:spPr>
-        <p:txBody>
-          <a:bodyPr anchor="ctr">
-            <a:normAutofit/>
+          <p:cNvPr id="10" name="TextBox 9">
+            <a:extLst>
+              <a:ext uri="{FF2B5EF4-FFF2-40B4-BE49-F238E27FC236}">
+                <a16:creationId xmlns:a16="http://schemas.microsoft.com/office/drawing/2014/main" id="{6FAF9FA8-F5E0-8344-BABF-6B028732143A}"/>
+              </a:ext>
+            </a:extLst>
+          </p:cNvPr>
+          <p:cNvSpPr txBox="1"/>
+          <p:nvPr/>
+        </p:nvSpPr>
+        <p:spPr>
+          <a:xfrm>
+            <a:off x="524933" y="854242"/>
+            <a:ext cx="11142133" cy="1015663"/>
+          </a:xfrm>
+          <a:prstGeom prst="rect">
+            <a:avLst/>
+          </a:prstGeom>
+          <a:noFill/>
+        </p:spPr>
+        <p:txBody>
+          <a:bodyPr wrap="square" rtlCol="0">
+            <a:spAutoFit/>
           </a:bodyPr>
           <a:lstStyle/>
           <a:p>
-            <a:pPr algn="l"/>
-            <a:r>
-              <a:rPr lang="en-US" dirty="0">
+            <a:r>
+              <a:rPr lang="en-US" sz="6000" dirty="0">
                 <a:solidFill>
-                  <a:srgbClr val="FFFFFF"/>
+                  <a:srgbClr val="48607D"/>
                 </a:solidFill>
               </a:rPr>
-              <a:t>Covid-19</a:t>
-            </a:r>
-            <a:r>
-              <a:rPr lang="en-US" sz="8000" dirty="0">
-                <a:solidFill>
-                  <a:srgbClr val="FFFFFF"/>
-                </a:solidFill>
-              </a:rPr>
-              <a:t> </a:t>
-            </a:r>
-            <a:br>
-              <a:rPr lang="en-US" sz="8000" dirty="0">
-                <a:solidFill>
-                  <a:srgbClr val="FFFFFF"/>
-                </a:solidFill>
-              </a:rPr>
-            </a:br>
-            <a:r>
-              <a:rPr lang="en-US" sz="3200" dirty="0">
-                <a:solidFill>
-                  <a:srgbClr val="FFFFFF"/>
-                </a:solidFill>
-              </a:rPr>
-              <a:t>&amp; </a:t>
-            </a:r>
-            <a:r>
-              <a:rPr lang="en-US" dirty="0">
-                <a:solidFill>
-                  <a:srgbClr val="FFFFFF"/>
-                </a:solidFill>
-              </a:rPr>
-              <a:t>Affects on Air</a:t>
-            </a:r>
-            <a:r>
-              <a:rPr lang="en-US" sz="8000" dirty="0">
-                <a:solidFill>
-                  <a:srgbClr val="FFFFFF"/>
-                </a:solidFill>
-              </a:rPr>
-              <a:t> </a:t>
-            </a:r>
-            <a:r>
-              <a:rPr lang="en-US" dirty="0">
-                <a:solidFill>
-                  <a:srgbClr val="FFFFFF"/>
-                </a:solidFill>
-              </a:rPr>
-              <a:t>Quality</a:t>
-            </a:r>
-          </a:p>
-        </p:txBody>
-      </p:sp>
-      <p:sp>
-        <p:nvSpPr>
-          <p:cNvPr id="3" name="Subtitle 2">
-            <a:extLst>
-              <a:ext uri="{FF2B5EF4-FFF2-40B4-BE49-F238E27FC236}">
-                <a16:creationId xmlns:a16="http://schemas.microsoft.com/office/drawing/2014/main" id="{614CCE13-965E-634B-9CFD-32DC2AA80A57}"/>
-              </a:ext>
-            </a:extLst>
-          </p:cNvPr>
-          <p:cNvSpPr>
-            <a:spLocks noGrp="1"/>
-          </p:cNvSpPr>
-          <p:nvPr>
-            <p:ph type="subTitle" idx="1"/>
-          </p:nvPr>
-        </p:nvSpPr>
-        <p:spPr>
-          <a:xfrm>
-            <a:off x="762000" y="5333998"/>
-            <a:ext cx="5334000" cy="762000"/>
-          </a:xfrm>
-        </p:spPr>
-        <p:txBody>
-          <a:bodyPr anchor="t">
-            <a:normAutofit/>
+              <a:t>QUESTIONS</a:t>
+            </a:r>
+          </a:p>
+        </p:txBody>
+      </p:sp>
+      <p:sp>
+        <p:nvSpPr>
+          <p:cNvPr id="7" name="Rectangle 6">
+            <a:extLst>
+              <a:ext uri="{FF2B5EF4-FFF2-40B4-BE49-F238E27FC236}">
+                <a16:creationId xmlns:a16="http://schemas.microsoft.com/office/drawing/2014/main" id="{8C88652C-06BF-8D4B-BF0F-7EDAEA97ABAF}"/>
+              </a:ext>
+            </a:extLst>
+          </p:cNvPr>
+          <p:cNvSpPr/>
+          <p:nvPr/>
+        </p:nvSpPr>
+        <p:spPr>
+          <a:xfrm>
+            <a:off x="524932" y="2114521"/>
+            <a:ext cx="10905067" cy="584775"/>
+          </a:xfrm>
+          <a:prstGeom prst="rect">
+            <a:avLst/>
+          </a:prstGeom>
+          <a:solidFill>
+            <a:srgbClr val="575757">
+              <a:alpha val="50000"/>
+            </a:srgbClr>
+          </a:solidFill>
+        </p:spPr>
+        <p:txBody>
+          <a:bodyPr wrap="square">
+            <a:spAutoFit/>
           </a:bodyPr>
           <a:lstStyle/>
           <a:p>
-            <a:pPr algn="l"/>
-            <a:r>
-              <a:rPr lang="en-US" sz="4000" dirty="0">
-                <a:solidFill>
-                  <a:schemeClr val="bg1">
-                    <a:lumMod val="50000"/>
-                    <a:lumOff val="50000"/>
-                  </a:schemeClr>
-                </a:solidFill>
-              </a:rPr>
-              <a:t>Team Zebra</a:t>
+            <a:r>
+              <a:rPr lang="en-US" sz="3200" dirty="0"/>
+              <a:t>DOES ANYONE HAVE ANY QUESTIONS FOR US THIS EVENING?</a:t>
             </a:r>
           </a:p>
         </p:txBody>
@@ -3680,7 +4270,7 @@
     </p:spTree>
     <p:extLst>
       <p:ext uri="{BB962C8B-B14F-4D97-AF65-F5344CB8AC3E}">
-        <p14:creationId xmlns:p14="http://schemas.microsoft.com/office/powerpoint/2010/main" val="1148271400"/>
+        <p14:creationId xmlns:p14="http://schemas.microsoft.com/office/powerpoint/2010/main" val="320314992"/>
       </p:ext>
     </p:extLst>
   </p:cSld>
@@ -3693,14 +4283,6 @@
 <file path=ppt/slides/slide2.xml><?xml version="1.0" encoding="utf-8"?>
 <p:sld xmlns:a="http://schemas.openxmlformats.org/drawingml/2006/main" xmlns:r="http://schemas.openxmlformats.org/officeDocument/2006/relationships" xmlns:p="http://schemas.openxmlformats.org/presentationml/2006/main">
   <p:cSld>
-    <p:bg>
-      <p:bgPr>
-        <a:solidFill>
-          <a:schemeClr val="bg1"/>
-        </a:solidFill>
-        <a:effectLst/>
-      </p:bgPr>
-    </p:bg>
     <p:spTree>
       <p:nvGrpSpPr>
         <p:cNvPr id="1" name=""/>
@@ -3778,35 +4360,6 @@
           </a:p>
         </p:txBody>
       </p:sp>
-      <p:pic>
-        <p:nvPicPr>
-          <p:cNvPr id="14" name="Picture 3">
-            <a:extLst>
-              <a:ext uri="{FF2B5EF4-FFF2-40B4-BE49-F238E27FC236}">
-                <a16:creationId xmlns:a16="http://schemas.microsoft.com/office/drawing/2014/main" id="{B329C2E3-D8E1-4559-BBDB-071A8286EAB9}"/>
-              </a:ext>
-            </a:extLst>
-          </p:cNvPr>
-          <p:cNvPicPr>
-            <a:picLocks noChangeAspect="1"/>
-          </p:cNvPicPr>
-          <p:nvPr/>
-        </p:nvPicPr>
-        <p:blipFill rotWithShape="1">
-          <a:blip r:embed="rId2"/>
-          <a:srcRect t="12010" r="1" b="3718"/>
-          <a:stretch/>
-        </p:blipFill>
-        <p:spPr>
-          <a:xfrm>
-            <a:off x="-2" y="0"/>
-            <a:ext cx="12191435" cy="7053841"/>
-          </a:xfrm>
-          <a:prstGeom prst="rect">
-            <a:avLst/>
-          </a:prstGeom>
-        </p:spPr>
-      </p:pic>
       <p:sp>
         <p:nvSpPr>
           <p:cNvPr id="15" name="Rectangle 10">
@@ -3893,55 +4446,12 @@
           </a:p>
         </p:txBody>
       </p:sp>
-      <p:sp>
-        <p:nvSpPr>
-          <p:cNvPr id="3" name="Subtitle 2">
-            <a:extLst>
-              <a:ext uri="{FF2B5EF4-FFF2-40B4-BE49-F238E27FC236}">
-                <a16:creationId xmlns:a16="http://schemas.microsoft.com/office/drawing/2014/main" id="{614CCE13-965E-634B-9CFD-32DC2AA80A57}"/>
-              </a:ext>
-            </a:extLst>
-          </p:cNvPr>
-          <p:cNvSpPr>
-            <a:spLocks noGrp="1"/>
-          </p:cNvSpPr>
-          <p:nvPr>
-            <p:ph type="subTitle" idx="1"/>
-          </p:nvPr>
-        </p:nvSpPr>
-        <p:spPr>
-          <a:xfrm>
-            <a:off x="761999" y="5333998"/>
-            <a:ext cx="2637693" cy="762000"/>
-          </a:xfrm>
-        </p:spPr>
-        <p:txBody>
-          <a:bodyPr anchor="t">
-            <a:normAutofit/>
-          </a:bodyPr>
-          <a:lstStyle/>
-          <a:p>
-            <a:pPr algn="l"/>
-            <a:r>
-              <a:rPr lang="en-US" sz="4000" dirty="0">
-                <a:solidFill>
-                  <a:schemeClr val="bg1">
-                    <a:lumMod val="50000"/>
-                    <a:lumOff val="50000"/>
-                  </a:schemeClr>
-                </a:solidFill>
-              </a:rPr>
-              <a:t>Team Zebra:</a:t>
-            </a:r>
-          </a:p>
-        </p:txBody>
-      </p:sp>
       <p:pic>
         <p:nvPicPr>
-          <p:cNvPr id="5" name="Picture 4" descr="A group of people posing for the camera&#10;&#10;Description automatically generated">
-            <a:extLst>
-              <a:ext uri="{FF2B5EF4-FFF2-40B4-BE49-F238E27FC236}">
-                <a16:creationId xmlns:a16="http://schemas.microsoft.com/office/drawing/2014/main" id="{E2AD13B0-5FCA-7E4D-9C76-BC2EC78BCE7D}"/>
+          <p:cNvPr id="12" name="Picture 11" descr="A group of people posing for the camera&#10;&#10;Description automatically generated">
+            <a:extLst>
+              <a:ext uri="{FF2B5EF4-FFF2-40B4-BE49-F238E27FC236}">
+                <a16:creationId xmlns:a16="http://schemas.microsoft.com/office/drawing/2014/main" id="{FF73C9AD-1FF0-D845-8421-CF030AFC2E2B}"/>
               </a:ext>
             </a:extLst>
           </p:cNvPr>
@@ -3951,15 +4461,15 @@
           <p:nvPr/>
         </p:nvPicPr>
         <p:blipFill>
-          <a:blip r:embed="rId3"/>
+          <a:blip r:embed="rId2"/>
           <a:stretch>
             <a:fillRect/>
           </a:stretch>
         </p:blipFill>
         <p:spPr>
           <a:xfrm>
-            <a:off x="2250780" y="795924"/>
-            <a:ext cx="7689873" cy="4393481"/>
+            <a:off x="2807041" y="1601725"/>
+            <a:ext cx="6577918" cy="3758184"/>
           </a:xfrm>
           <a:prstGeom prst="rect">
             <a:avLst/>
@@ -3968,48 +4478,79 @@
       </p:pic>
       <p:sp>
         <p:nvSpPr>
-          <p:cNvPr id="6" name="TextBox 5">
-            <a:extLst>
-              <a:ext uri="{FF2B5EF4-FFF2-40B4-BE49-F238E27FC236}">
-                <a16:creationId xmlns:a16="http://schemas.microsoft.com/office/drawing/2014/main" id="{5413DF15-BCE5-6949-A542-DE6F39A98E05}"/>
-              </a:ext>
-            </a:extLst>
-          </p:cNvPr>
-          <p:cNvSpPr txBox="1"/>
+          <p:cNvPr id="16" name="Subtitle 2">
+            <a:extLst>
+              <a:ext uri="{FF2B5EF4-FFF2-40B4-BE49-F238E27FC236}">
+                <a16:creationId xmlns:a16="http://schemas.microsoft.com/office/drawing/2014/main" id="{0EFB71A2-678F-C54F-9A57-21CA9DEB031D}"/>
+              </a:ext>
+            </a:extLst>
+          </p:cNvPr>
+          <p:cNvSpPr>
+            <a:spLocks noGrp="1"/>
+          </p:cNvSpPr>
+          <p:nvPr>
+            <p:ph type="subTitle" idx="1"/>
+          </p:nvPr>
+        </p:nvSpPr>
+        <p:spPr>
+          <a:xfrm>
+            <a:off x="1986465" y="600074"/>
+            <a:ext cx="2637693" cy="762000"/>
+          </a:xfrm>
+        </p:spPr>
+        <p:txBody>
+          <a:bodyPr anchor="t">
+            <a:normAutofit/>
+          </a:bodyPr>
+          <a:lstStyle/>
+          <a:p>
+            <a:pPr algn="l"/>
+            <a:r>
+              <a:rPr lang="en-US" sz="3600" dirty="0">
+                <a:solidFill>
+                  <a:srgbClr val="48607D"/>
+                </a:solidFill>
+              </a:rPr>
+              <a:t>Team Zebra:</a:t>
+            </a:r>
+          </a:p>
+        </p:txBody>
+      </p:sp>
+      <p:sp>
+        <p:nvSpPr>
+          <p:cNvPr id="9" name="Rectangle 8">
+            <a:extLst>
+              <a:ext uri="{FF2B5EF4-FFF2-40B4-BE49-F238E27FC236}">
+                <a16:creationId xmlns:a16="http://schemas.microsoft.com/office/drawing/2014/main" id="{8F237105-8160-7445-B5F3-D93B7ED15BD6}"/>
+              </a:ext>
+            </a:extLst>
+          </p:cNvPr>
+          <p:cNvSpPr/>
           <p:nvPr/>
         </p:nvSpPr>
         <p:spPr>
           <a:xfrm>
-            <a:off x="3399692" y="5495926"/>
-            <a:ext cx="7689873" cy="1323439"/>
+            <a:off x="4624159" y="600072"/>
+            <a:ext cx="6096000" cy="707886"/>
           </a:xfrm>
           <a:prstGeom prst="rect">
             <a:avLst/>
           </a:prstGeom>
-          <a:noFill/>
-        </p:spPr>
-        <p:txBody>
-          <a:bodyPr wrap="square" rtlCol="0">
+        </p:spPr>
+        <p:txBody>
+          <a:bodyPr>
             <a:spAutoFit/>
           </a:bodyPr>
           <a:lstStyle/>
           <a:p>
             <a:r>
-              <a:rPr lang="en-US" sz="4000" dirty="0">
-                <a:solidFill>
-                  <a:schemeClr val="bg1"/>
-                </a:solidFill>
-              </a:rPr>
-              <a:t>Kathryn Rigsby, Alvaro McRae, </a:t>
-            </a:r>
-          </a:p>
-          <a:p>
-            <a:r>
-              <a:rPr lang="en-US" sz="4000" dirty="0">
-                <a:solidFill>
-                  <a:schemeClr val="bg1"/>
-                </a:solidFill>
-              </a:rPr>
+              <a:rPr lang="en-US" sz="2000" b="1" dirty="0"/>
+              <a:t>Kathryn Rigsby, Alvaro McRae,</a:t>
+            </a:r>
+          </a:p>
+          <a:p>
+            <a:r>
+              <a:rPr lang="en-US" sz="2000" b="1" dirty="0"/>
               <a:t>Gage Thompson, Aaron Ecker</a:t>
             </a:r>
           </a:p>
@@ -4018,7 +4559,7 @@
     </p:spTree>
     <p:extLst>
       <p:ext uri="{BB962C8B-B14F-4D97-AF65-F5344CB8AC3E}">
-        <p14:creationId xmlns:p14="http://schemas.microsoft.com/office/powerpoint/2010/main" val="1839433049"/>
+        <p14:creationId xmlns:p14="http://schemas.microsoft.com/office/powerpoint/2010/main" val="1148271400"/>
       </p:ext>
     </p:extLst>
   </p:cSld>
@@ -4031,14 +4572,6 @@
 <file path=ppt/slides/slide3.xml><?xml version="1.0" encoding="utf-8"?>
 <p:sld xmlns:a="http://schemas.openxmlformats.org/drawingml/2006/main" xmlns:r="http://schemas.openxmlformats.org/officeDocument/2006/relationships" xmlns:p="http://schemas.openxmlformats.org/presentationml/2006/main">
   <p:cSld>
-    <p:bg>
-      <p:bgPr>
-        <a:solidFill>
-          <a:schemeClr val="bg1"/>
-        </a:solidFill>
-        <a:effectLst/>
-      </p:bgPr>
-    </p:bg>
     <p:spTree>
       <p:nvGrpSpPr>
         <p:cNvPr id="1" name=""/>
@@ -4116,35 +4649,6 @@
           </a:p>
         </p:txBody>
       </p:sp>
-      <p:pic>
-        <p:nvPicPr>
-          <p:cNvPr id="14" name="Picture 3">
-            <a:extLst>
-              <a:ext uri="{FF2B5EF4-FFF2-40B4-BE49-F238E27FC236}">
-                <a16:creationId xmlns:a16="http://schemas.microsoft.com/office/drawing/2014/main" id="{B329C2E3-D8E1-4559-BBDB-071A8286EAB9}"/>
-              </a:ext>
-            </a:extLst>
-          </p:cNvPr>
-          <p:cNvPicPr>
-            <a:picLocks noChangeAspect="1"/>
-          </p:cNvPicPr>
-          <p:nvPr/>
-        </p:nvPicPr>
-        <p:blipFill rotWithShape="1">
-          <a:blip r:embed="rId2"/>
-          <a:srcRect t="12010" r="1" b="3718"/>
-          <a:stretch/>
-        </p:blipFill>
-        <p:spPr>
-          <a:xfrm>
-            <a:off x="-2" y="0"/>
-            <a:ext cx="12191435" cy="7053841"/>
-          </a:xfrm>
-          <a:prstGeom prst="rect">
-            <a:avLst/>
-          </a:prstGeom>
-        </p:spPr>
-      </p:pic>
       <p:sp>
         <p:nvSpPr>
           <p:cNvPr id="15" name="Rectangle 10">
@@ -4233,104 +4737,79 @@
       </p:sp>
       <p:sp>
         <p:nvSpPr>
-          <p:cNvPr id="4" name="Subtitle 3">
-            <a:extLst>
-              <a:ext uri="{FF2B5EF4-FFF2-40B4-BE49-F238E27FC236}">
-                <a16:creationId xmlns:a16="http://schemas.microsoft.com/office/drawing/2014/main" id="{708C2F1E-047C-1E40-83C2-2FF18AB26AE6}"/>
-              </a:ext>
-            </a:extLst>
-          </p:cNvPr>
-          <p:cNvSpPr>
-            <a:spLocks noGrp="1"/>
-          </p:cNvSpPr>
-          <p:nvPr>
-            <p:ph type="subTitle" idx="1"/>
-          </p:nvPr>
-        </p:nvSpPr>
-        <p:spPr>
-          <a:xfrm>
-            <a:off x="761716" y="600072"/>
-            <a:ext cx="10667998" cy="4733924"/>
-          </a:xfrm>
-        </p:spPr>
-        <p:txBody>
-          <a:bodyPr>
-            <a:normAutofit fontScale="47500" lnSpcReduction="20000"/>
+          <p:cNvPr id="10" name="TextBox 9">
+            <a:extLst>
+              <a:ext uri="{FF2B5EF4-FFF2-40B4-BE49-F238E27FC236}">
+                <a16:creationId xmlns:a16="http://schemas.microsoft.com/office/drawing/2014/main" id="{6FAF9FA8-F5E0-8344-BABF-6B028732143A}"/>
+              </a:ext>
+            </a:extLst>
+          </p:cNvPr>
+          <p:cNvSpPr txBox="1"/>
+          <p:nvPr/>
+        </p:nvSpPr>
+        <p:spPr>
+          <a:xfrm>
+            <a:off x="524933" y="854242"/>
+            <a:ext cx="11142133" cy="1015663"/>
+          </a:xfrm>
+          <a:prstGeom prst="rect">
+            <a:avLst/>
+          </a:prstGeom>
+          <a:noFill/>
+        </p:spPr>
+        <p:txBody>
+          <a:bodyPr wrap="square" rtlCol="0">
+            <a:spAutoFit/>
           </a:bodyPr>
           <a:lstStyle/>
           <a:p>
             <a:r>
-              <a:rPr lang="en-US" sz="13100" dirty="0">
+              <a:rPr lang="en-US" sz="6000" dirty="0">
                 <a:solidFill>
-                  <a:schemeClr val="bg1"/>
+                  <a:srgbClr val="48607D"/>
                 </a:solidFill>
+                <a:latin typeface="Avenir Next Condensed" panose="020B0506020202020204" pitchFamily="34" charset="0"/>
               </a:rPr>
-              <a:t>MOTIVATION &amp; SUMMARY SLIDE</a:t>
-            </a:r>
-          </a:p>
-          <a:p>
-            <a:endParaRPr lang="en-US" sz="5700" dirty="0">
-              <a:solidFill>
-                <a:schemeClr val="bg1"/>
-              </a:solidFill>
-            </a:endParaRPr>
-          </a:p>
-          <a:p>
-            <a:pPr marL="457200" indent="-457200" algn="l">
-              <a:buFont typeface="Arial" panose="020B0604020202020204" pitchFamily="34" charset="0"/>
-              <a:buChar char="•"/>
-            </a:pPr>
-            <a:r>
-              <a:rPr lang="en-US" sz="7300" dirty="0">
-                <a:solidFill>
-                  <a:schemeClr val="bg1"/>
-                </a:solidFill>
-              </a:rPr>
-              <a:t>Define the core message or hypothesis of your project. </a:t>
-            </a:r>
-          </a:p>
-          <a:p>
-            <a:pPr marL="457200" indent="-457200" algn="l">
-              <a:buFont typeface="Arial" panose="020B0604020202020204" pitchFamily="34" charset="0"/>
-              <a:buChar char="•"/>
-            </a:pPr>
-            <a:r>
-              <a:rPr lang="en-US" sz="7300" dirty="0">
-                <a:solidFill>
-                  <a:schemeClr val="bg1"/>
-                </a:solidFill>
-              </a:rPr>
-              <a:t>Describe the questions you asked, and </a:t>
-            </a:r>
-            <a:r>
-              <a:rPr lang="en-US" sz="7300" i="1" dirty="0">
-                <a:solidFill>
-                  <a:schemeClr val="bg1"/>
-                </a:solidFill>
-              </a:rPr>
-              <a:t>why</a:t>
-            </a:r>
-            <a:r>
-              <a:rPr lang="en-US" sz="7300" dirty="0">
-                <a:solidFill>
-                  <a:schemeClr val="bg1"/>
-                </a:solidFill>
-              </a:rPr>
-              <a:t> you asked them </a:t>
-            </a:r>
-          </a:p>
-          <a:p>
-            <a:pPr marL="457200" indent="-457200" algn="l">
-              <a:buFont typeface="Arial" panose="020B0604020202020204" pitchFamily="34" charset="0"/>
-              <a:buChar char="•"/>
-            </a:pPr>
-            <a:r>
-              <a:rPr lang="en-US" sz="7300" dirty="0">
-                <a:solidFill>
-                  <a:schemeClr val="bg1"/>
-                </a:solidFill>
-              </a:rPr>
-              <a:t>Describe whether you were able to answer these questions to your satisfaction, and briefly summarize your findings</a:t>
+              <a:t>HYPOTHESIS</a:t>
+            </a:r>
+          </a:p>
+        </p:txBody>
+      </p:sp>
+      <p:sp>
+        <p:nvSpPr>
+          <p:cNvPr id="7" name="Rectangle 6">
+            <a:extLst>
+              <a:ext uri="{FF2B5EF4-FFF2-40B4-BE49-F238E27FC236}">
+                <a16:creationId xmlns:a16="http://schemas.microsoft.com/office/drawing/2014/main" id="{8C88652C-06BF-8D4B-BF0F-7EDAEA97ABAF}"/>
+              </a:ext>
+            </a:extLst>
+          </p:cNvPr>
+          <p:cNvSpPr/>
+          <p:nvPr/>
+        </p:nvSpPr>
+        <p:spPr>
+          <a:xfrm>
+            <a:off x="524932" y="2114521"/>
+            <a:ext cx="10905067" cy="4401205"/>
+          </a:xfrm>
+          <a:prstGeom prst="rect">
+            <a:avLst/>
+          </a:prstGeom>
+          <a:solidFill>
+            <a:srgbClr val="575757">
+              <a:alpha val="50000"/>
+            </a:srgbClr>
+          </a:solidFill>
+        </p:spPr>
+        <p:txBody>
+          <a:bodyPr wrap="square">
+            <a:spAutoFit/>
+          </a:bodyPr>
+          <a:lstStyle/>
+          <a:p>
+            <a:r>
+              <a:rPr lang="en-US" sz="2800" dirty="0"/>
+              <a:t>We believe that overall air quality, measured by Air Quality Index (AQI), has improved worldwide during the COVID-19 crisis and will explore this theme by researching data on air quality indexes before COVID-19 and throughout the crisis. In regions where the public health response has been strict, enacting policies such as travel bans and lockdowns, we expect to see improved levels of air quality. Conversely, regions that enacted less strict responses, we believe that air quality indexes will have improved at a lower rate. We also want to explore how air quality impacts the rate of infection, expecting to see a strong positive correlation of rates of infection(deaths) in regions with poorer air quality.</a:t>
             </a:r>
           </a:p>
         </p:txBody>
@@ -4338,7 +4817,7 @@
     </p:spTree>
     <p:extLst>
       <p:ext uri="{BB962C8B-B14F-4D97-AF65-F5344CB8AC3E}">
-        <p14:creationId xmlns:p14="http://schemas.microsoft.com/office/powerpoint/2010/main" val="3950402130"/>
+        <p14:creationId xmlns:p14="http://schemas.microsoft.com/office/powerpoint/2010/main" val="1839433049"/>
       </p:ext>
     </p:extLst>
   </p:cSld>
@@ -4351,14 +4830,6 @@
 <file path=ppt/slides/slide4.xml><?xml version="1.0" encoding="utf-8"?>
 <p:sld xmlns:a="http://schemas.openxmlformats.org/drawingml/2006/main" xmlns:r="http://schemas.openxmlformats.org/officeDocument/2006/relationships" xmlns:p="http://schemas.openxmlformats.org/presentationml/2006/main">
   <p:cSld>
-    <p:bg>
-      <p:bgPr>
-        <a:solidFill>
-          <a:schemeClr val="bg1"/>
-        </a:solidFill>
-        <a:effectLst/>
-      </p:bgPr>
-    </p:bg>
     <p:spTree>
       <p:nvGrpSpPr>
         <p:cNvPr id="1" name=""/>
@@ -4436,35 +4907,6 @@
           </a:p>
         </p:txBody>
       </p:sp>
-      <p:pic>
-        <p:nvPicPr>
-          <p:cNvPr id="14" name="Picture 3">
-            <a:extLst>
-              <a:ext uri="{FF2B5EF4-FFF2-40B4-BE49-F238E27FC236}">
-                <a16:creationId xmlns:a16="http://schemas.microsoft.com/office/drawing/2014/main" id="{B329C2E3-D8E1-4559-BBDB-071A8286EAB9}"/>
-              </a:ext>
-            </a:extLst>
-          </p:cNvPr>
-          <p:cNvPicPr>
-            <a:picLocks noChangeAspect="1"/>
-          </p:cNvPicPr>
-          <p:nvPr/>
-        </p:nvPicPr>
-        <p:blipFill rotWithShape="1">
-          <a:blip r:embed="rId2"/>
-          <a:srcRect t="12010" r="1" b="3718"/>
-          <a:stretch/>
-        </p:blipFill>
-        <p:spPr>
-          <a:xfrm>
-            <a:off x="-2" y="0"/>
-            <a:ext cx="12191435" cy="7053841"/>
-          </a:xfrm>
-          <a:prstGeom prst="rect">
-            <a:avLst/>
-          </a:prstGeom>
-        </p:spPr>
-      </p:pic>
       <p:sp>
         <p:nvSpPr>
           <p:cNvPr id="15" name="Rectangle 10">
@@ -4553,60 +4995,110 @@
       </p:sp>
       <p:sp>
         <p:nvSpPr>
-          <p:cNvPr id="4" name="Subtitle 3">
-            <a:extLst>
-              <a:ext uri="{FF2B5EF4-FFF2-40B4-BE49-F238E27FC236}">
-                <a16:creationId xmlns:a16="http://schemas.microsoft.com/office/drawing/2014/main" id="{708C2F1E-047C-1E40-83C2-2FF18AB26AE6}"/>
-              </a:ext>
-            </a:extLst>
-          </p:cNvPr>
-          <p:cNvSpPr>
-            <a:spLocks noGrp="1"/>
-          </p:cNvSpPr>
-          <p:nvPr>
-            <p:ph type="subTitle" idx="1"/>
-          </p:nvPr>
-        </p:nvSpPr>
-        <p:spPr>
-          <a:xfrm>
-            <a:off x="761716" y="600072"/>
-            <a:ext cx="10667998" cy="3986918"/>
-          </a:xfrm>
-        </p:spPr>
-        <p:txBody>
-          <a:bodyPr>
-            <a:normAutofit/>
+          <p:cNvPr id="10" name="TextBox 9">
+            <a:extLst>
+              <a:ext uri="{FF2B5EF4-FFF2-40B4-BE49-F238E27FC236}">
+                <a16:creationId xmlns:a16="http://schemas.microsoft.com/office/drawing/2014/main" id="{6FAF9FA8-F5E0-8344-BABF-6B028732143A}"/>
+              </a:ext>
+            </a:extLst>
+          </p:cNvPr>
+          <p:cNvSpPr txBox="1"/>
+          <p:nvPr/>
+        </p:nvSpPr>
+        <p:spPr>
+          <a:xfrm>
+            <a:off x="524933" y="854242"/>
+            <a:ext cx="11142133" cy="1015663"/>
+          </a:xfrm>
+          <a:prstGeom prst="rect">
+            <a:avLst/>
+          </a:prstGeom>
+          <a:noFill/>
+        </p:spPr>
+        <p:txBody>
+          <a:bodyPr wrap="square" rtlCol="0">
+            <a:spAutoFit/>
           </a:bodyPr>
           <a:lstStyle/>
           <a:p>
             <a:r>
-              <a:rPr lang="en-US" sz="6200" dirty="0">
+              <a:rPr lang="en-US" sz="6000" dirty="0">
                 <a:solidFill>
-                  <a:schemeClr val="bg1"/>
+                  <a:srgbClr val="48607D"/>
                 </a:solidFill>
               </a:rPr>
-              <a:t>Questions &amp; Data</a:t>
-            </a:r>
-          </a:p>
-          <a:p>
-            <a:endParaRPr lang="en-US" sz="5700" dirty="0">
-              <a:solidFill>
-                <a:schemeClr val="bg1"/>
-              </a:solidFill>
-            </a:endParaRPr>
-          </a:p>
-          <a:p>
-            <a:pPr marL="457200" indent="-457200" algn="l">
+              <a:t>MOTIVATION &amp; SUMMARY SLIDE</a:t>
+            </a:r>
+          </a:p>
+        </p:txBody>
+      </p:sp>
+      <p:sp>
+        <p:nvSpPr>
+          <p:cNvPr id="7" name="Rectangle 6">
+            <a:extLst>
+              <a:ext uri="{FF2B5EF4-FFF2-40B4-BE49-F238E27FC236}">
+                <a16:creationId xmlns:a16="http://schemas.microsoft.com/office/drawing/2014/main" id="{8C88652C-06BF-8D4B-BF0F-7EDAEA97ABAF}"/>
+              </a:ext>
+            </a:extLst>
+          </p:cNvPr>
+          <p:cNvSpPr/>
+          <p:nvPr/>
+        </p:nvSpPr>
+        <p:spPr>
+          <a:xfrm>
+            <a:off x="524932" y="2114521"/>
+            <a:ext cx="10905067" cy="1815882"/>
+          </a:xfrm>
+          <a:prstGeom prst="rect">
+            <a:avLst/>
+          </a:prstGeom>
+          <a:solidFill>
+            <a:srgbClr val="575757">
+              <a:alpha val="50000"/>
+            </a:srgbClr>
+          </a:solidFill>
+        </p:spPr>
+        <p:txBody>
+          <a:bodyPr wrap="square">
+            <a:spAutoFit/>
+          </a:bodyPr>
+          <a:lstStyle/>
+          <a:p>
+            <a:pPr marL="457200" indent="-457200">
               <a:buFont typeface="Arial" panose="020B0604020202020204" pitchFamily="34" charset="0"/>
               <a:buChar char="•"/>
             </a:pPr>
             <a:r>
-              <a:rPr lang="en-US" sz="2900" dirty="0">
-                <a:solidFill>
-                  <a:schemeClr val="bg1"/>
-                </a:solidFill>
-              </a:rPr>
-              <a:t>Elaborate on the questions you asked, describing what kinds of data you needed to answer them, and where you found it</a:t>
+              <a:rPr lang="en-US" sz="2800" dirty="0"/>
+              <a:t>Define the core message or hypothesis of your project. </a:t>
+            </a:r>
+          </a:p>
+          <a:p>
+            <a:pPr marL="457200" indent="-457200">
+              <a:buFont typeface="Arial" panose="020B0604020202020204" pitchFamily="34" charset="0"/>
+              <a:buChar char="•"/>
+            </a:pPr>
+            <a:r>
+              <a:rPr lang="en-US" sz="2800" dirty="0"/>
+              <a:t>Describe the questions you asked, and </a:t>
+            </a:r>
+            <a:r>
+              <a:rPr lang="en-US" sz="2800" i="1" dirty="0"/>
+              <a:t>why</a:t>
+            </a:r>
+            <a:r>
+              <a:rPr lang="en-US" sz="2800" dirty="0"/>
+              <a:t> you asked them </a:t>
+            </a:r>
+          </a:p>
+          <a:p>
+            <a:pPr marL="457200" indent="-457200">
+              <a:buFont typeface="Arial" panose="020B0604020202020204" pitchFamily="34" charset="0"/>
+              <a:buChar char="•"/>
+            </a:pPr>
+            <a:r>
+              <a:rPr lang="en-US" sz="2800" dirty="0"/>
+              <a:t>Describe whether you were able to answer these questions to your satisfaction, and briefly summarize your findings</a:t>
             </a:r>
           </a:p>
         </p:txBody>
@@ -4614,7 +5106,7 @@
     </p:spTree>
     <p:extLst>
       <p:ext uri="{BB962C8B-B14F-4D97-AF65-F5344CB8AC3E}">
-        <p14:creationId xmlns:p14="http://schemas.microsoft.com/office/powerpoint/2010/main" val="2963525017"/>
+        <p14:creationId xmlns:p14="http://schemas.microsoft.com/office/powerpoint/2010/main" val="354989871"/>
       </p:ext>
     </p:extLst>
   </p:cSld>
@@ -4627,14 +5119,6 @@
 <file path=ppt/slides/slide5.xml><?xml version="1.0" encoding="utf-8"?>
 <p:sld xmlns:a="http://schemas.openxmlformats.org/drawingml/2006/main" xmlns:r="http://schemas.openxmlformats.org/officeDocument/2006/relationships" xmlns:p="http://schemas.openxmlformats.org/presentationml/2006/main">
   <p:cSld>
-    <p:bg>
-      <p:bgPr>
-        <a:solidFill>
-          <a:schemeClr val="bg1"/>
-        </a:solidFill>
-        <a:effectLst/>
-      </p:bgPr>
-    </p:bg>
     <p:spTree>
       <p:nvGrpSpPr>
         <p:cNvPr id="1" name=""/>
@@ -4712,35 +5196,6 @@
           </a:p>
         </p:txBody>
       </p:sp>
-      <p:pic>
-        <p:nvPicPr>
-          <p:cNvPr id="14" name="Picture 3">
-            <a:extLst>
-              <a:ext uri="{FF2B5EF4-FFF2-40B4-BE49-F238E27FC236}">
-                <a16:creationId xmlns:a16="http://schemas.microsoft.com/office/drawing/2014/main" id="{B329C2E3-D8E1-4559-BBDB-071A8286EAB9}"/>
-              </a:ext>
-            </a:extLst>
-          </p:cNvPr>
-          <p:cNvPicPr>
-            <a:picLocks noChangeAspect="1"/>
-          </p:cNvPicPr>
-          <p:nvPr/>
-        </p:nvPicPr>
-        <p:blipFill rotWithShape="1">
-          <a:blip r:embed="rId2"/>
-          <a:srcRect t="12010" r="1" b="3718"/>
-          <a:stretch/>
-        </p:blipFill>
-        <p:spPr>
-          <a:xfrm>
-            <a:off x="-2" y="0"/>
-            <a:ext cx="12191435" cy="7053841"/>
-          </a:xfrm>
-          <a:prstGeom prst="rect">
-            <a:avLst/>
-          </a:prstGeom>
-        </p:spPr>
-      </p:pic>
       <p:sp>
         <p:nvSpPr>
           <p:cNvPr id="15" name="Rectangle 10">
@@ -4829,124 +5284,90 @@
       </p:sp>
       <p:sp>
         <p:nvSpPr>
-          <p:cNvPr id="4" name="Subtitle 3">
-            <a:extLst>
-              <a:ext uri="{FF2B5EF4-FFF2-40B4-BE49-F238E27FC236}">
-                <a16:creationId xmlns:a16="http://schemas.microsoft.com/office/drawing/2014/main" id="{708C2F1E-047C-1E40-83C2-2FF18AB26AE6}"/>
-              </a:ext>
-            </a:extLst>
-          </p:cNvPr>
-          <p:cNvSpPr>
-            <a:spLocks noGrp="1"/>
-          </p:cNvSpPr>
-          <p:nvPr>
-            <p:ph type="subTitle" idx="1"/>
-          </p:nvPr>
-        </p:nvSpPr>
-        <p:spPr>
-          <a:xfrm>
-            <a:off x="761716" y="600071"/>
-            <a:ext cx="10667998" cy="5935639"/>
-          </a:xfrm>
-        </p:spPr>
-        <p:txBody>
-          <a:bodyPr>
-            <a:normAutofit/>
+          <p:cNvPr id="10" name="TextBox 9">
+            <a:extLst>
+              <a:ext uri="{FF2B5EF4-FFF2-40B4-BE49-F238E27FC236}">
+                <a16:creationId xmlns:a16="http://schemas.microsoft.com/office/drawing/2014/main" id="{6FAF9FA8-F5E0-8344-BABF-6B028732143A}"/>
+              </a:ext>
+            </a:extLst>
+          </p:cNvPr>
+          <p:cNvSpPr txBox="1"/>
+          <p:nvPr/>
+        </p:nvSpPr>
+        <p:spPr>
+          <a:xfrm>
+            <a:off x="524933" y="854242"/>
+            <a:ext cx="11142133" cy="1015663"/>
+          </a:xfrm>
+          <a:prstGeom prst="rect">
+            <a:avLst/>
+          </a:prstGeom>
+          <a:noFill/>
+        </p:spPr>
+        <p:txBody>
+          <a:bodyPr wrap="square" rtlCol="0">
+            <a:spAutoFit/>
           </a:bodyPr>
           <a:lstStyle/>
           <a:p>
             <a:r>
-              <a:rPr lang="en-US" sz="6200" dirty="0">
+              <a:rPr lang="en-US" sz="6000" dirty="0">
                 <a:solidFill>
-                  <a:schemeClr val="bg1"/>
+                  <a:srgbClr val="48607D"/>
                 </a:solidFill>
               </a:rPr>
-              <a:t>Data Cleanup &amp; Exploration</a:t>
-            </a:r>
-          </a:p>
-          <a:p>
-            <a:pPr marL="457200" indent="-457200" algn="l">
+              <a:t>QUESTIONS &amp; DATA</a:t>
+            </a:r>
+          </a:p>
+        </p:txBody>
+      </p:sp>
+      <p:sp>
+        <p:nvSpPr>
+          <p:cNvPr id="7" name="Rectangle 6">
+            <a:extLst>
+              <a:ext uri="{FF2B5EF4-FFF2-40B4-BE49-F238E27FC236}">
+                <a16:creationId xmlns:a16="http://schemas.microsoft.com/office/drawing/2014/main" id="{8C88652C-06BF-8D4B-BF0F-7EDAEA97ABAF}"/>
+              </a:ext>
+            </a:extLst>
+          </p:cNvPr>
+          <p:cNvSpPr/>
+          <p:nvPr/>
+        </p:nvSpPr>
+        <p:spPr>
+          <a:xfrm>
+            <a:off x="524932" y="2114521"/>
+            <a:ext cx="10905067" cy="984885"/>
+          </a:xfrm>
+          <a:prstGeom prst="rect">
+            <a:avLst/>
+          </a:prstGeom>
+          <a:solidFill>
+            <a:srgbClr val="575757">
+              <a:alpha val="50000"/>
+            </a:srgbClr>
+          </a:solidFill>
+        </p:spPr>
+        <p:txBody>
+          <a:bodyPr wrap="square">
+            <a:spAutoFit/>
+          </a:bodyPr>
+          <a:lstStyle/>
+          <a:p>
+            <a:pPr marL="457200" indent="-457200">
               <a:buFont typeface="Arial" panose="020B0604020202020204" pitchFamily="34" charset="0"/>
               <a:buChar char="•"/>
             </a:pPr>
             <a:r>
-              <a:rPr lang="en-US" sz="3200" dirty="0">
-                <a:solidFill>
-                  <a:schemeClr val="bg1"/>
-                </a:solidFill>
-              </a:rPr>
-              <a:t>Describe the exploration and cleanup process </a:t>
-            </a:r>
-          </a:p>
-          <a:p>
-            <a:pPr marL="457200" indent="-457200" algn="l">
-              <a:buFont typeface="Arial" panose="020B0604020202020204" pitchFamily="34" charset="0"/>
-              <a:buChar char="•"/>
-            </a:pPr>
-            <a:r>
-              <a:rPr lang="en-US" sz="3200" dirty="0">
-                <a:solidFill>
-                  <a:schemeClr val="bg1"/>
-                </a:solidFill>
-              </a:rPr>
-              <a:t>Discuss insights you had while exploring the data that you didn't anticipate </a:t>
-            </a:r>
-          </a:p>
-          <a:p>
-            <a:pPr marL="457200" indent="-457200" algn="l">
-              <a:buFont typeface="Arial" panose="020B0604020202020204" pitchFamily="34" charset="0"/>
-              <a:buChar char="•"/>
-            </a:pPr>
-            <a:r>
-              <a:rPr lang="en-US" sz="3200" dirty="0">
-                <a:solidFill>
-                  <a:schemeClr val="bg1"/>
-                </a:solidFill>
-              </a:rPr>
-              <a:t>Discuss any problems that arose after exploring the data, and how you resolved them </a:t>
-            </a:r>
-          </a:p>
-          <a:p>
-            <a:pPr marL="457200" indent="-457200" algn="l">
-              <a:buFont typeface="Arial" panose="020B0604020202020204" pitchFamily="34" charset="0"/>
-              <a:buChar char="•"/>
-            </a:pPr>
-            <a:r>
-              <a:rPr lang="en-US" sz="3200" dirty="0">
-                <a:solidFill>
-                  <a:schemeClr val="bg1"/>
-                </a:solidFill>
-              </a:rPr>
-              <a:t>Present and discuss interesting figures developed during exploration, ideally with the help of </a:t>
-            </a:r>
-            <a:r>
-              <a:rPr lang="en-US" sz="3200" dirty="0" err="1">
-                <a:solidFill>
-                  <a:schemeClr val="bg1"/>
-                </a:solidFill>
-              </a:rPr>
-              <a:t>Jupyter</a:t>
-            </a:r>
-            <a:r>
-              <a:rPr lang="en-US" sz="3200" dirty="0">
-                <a:solidFill>
-                  <a:schemeClr val="bg1"/>
-                </a:solidFill>
-              </a:rPr>
-              <a:t> Notebook</a:t>
-            </a:r>
-            <a:endParaRPr lang="en-US" sz="2900" dirty="0">
-              <a:solidFill>
-                <a:schemeClr val="bg1"/>
-              </a:solidFill>
-            </a:endParaRPr>
+              <a:rPr lang="en-US" sz="2800" dirty="0"/>
+              <a:t>Elaborate on the questions you asked, describing what kinds of data you needed to answer them, and where you found it</a:t>
+            </a:r>
           </a:p>
         </p:txBody>
       </p:sp>
     </p:spTree>
     <p:extLst>
       <p:ext uri="{BB962C8B-B14F-4D97-AF65-F5344CB8AC3E}">
-        <p14:creationId xmlns:p14="http://schemas.microsoft.com/office/powerpoint/2010/main" val="363184343"/>
+        <p14:creationId xmlns:p14="http://schemas.microsoft.com/office/powerpoint/2010/main" val="2598303805"/>
       </p:ext>
     </p:extLst>
   </p:cSld>
@@ -4959,14 +5380,6 @@
 <file path=ppt/slides/slide6.xml><?xml version="1.0" encoding="utf-8"?>
 <p:sld xmlns:a="http://schemas.openxmlformats.org/drawingml/2006/main" xmlns:r="http://schemas.openxmlformats.org/officeDocument/2006/relationships" xmlns:p="http://schemas.openxmlformats.org/presentationml/2006/main">
   <p:cSld>
-    <p:bg>
-      <p:bgPr>
-        <a:solidFill>
-          <a:schemeClr val="bg1"/>
-        </a:solidFill>
-        <a:effectLst/>
-      </p:bgPr>
-    </p:bg>
     <p:spTree>
       <p:nvGrpSpPr>
         <p:cNvPr id="1" name=""/>
@@ -5044,35 +5457,6 @@
           </a:p>
         </p:txBody>
       </p:sp>
-      <p:pic>
-        <p:nvPicPr>
-          <p:cNvPr id="14" name="Picture 3">
-            <a:extLst>
-              <a:ext uri="{FF2B5EF4-FFF2-40B4-BE49-F238E27FC236}">
-                <a16:creationId xmlns:a16="http://schemas.microsoft.com/office/drawing/2014/main" id="{B329C2E3-D8E1-4559-BBDB-071A8286EAB9}"/>
-              </a:ext>
-            </a:extLst>
-          </p:cNvPr>
-          <p:cNvPicPr>
-            <a:picLocks noChangeAspect="1"/>
-          </p:cNvPicPr>
-          <p:nvPr/>
-        </p:nvPicPr>
-        <p:blipFill rotWithShape="1">
-          <a:blip r:embed="rId2"/>
-          <a:srcRect t="12010" r="1" b="3718"/>
-          <a:stretch/>
-        </p:blipFill>
-        <p:spPr>
-          <a:xfrm>
-            <a:off x="-2" y="0"/>
-            <a:ext cx="12191435" cy="7053841"/>
-          </a:xfrm>
-          <a:prstGeom prst="rect">
-            <a:avLst/>
-          </a:prstGeom>
-        </p:spPr>
-      </p:pic>
       <p:sp>
         <p:nvSpPr>
           <p:cNvPr id="15" name="Rectangle 10">
@@ -5161,82 +5545,119 @@
       </p:sp>
       <p:sp>
         <p:nvSpPr>
-          <p:cNvPr id="4" name="Subtitle 3">
-            <a:extLst>
-              <a:ext uri="{FF2B5EF4-FFF2-40B4-BE49-F238E27FC236}">
-                <a16:creationId xmlns:a16="http://schemas.microsoft.com/office/drawing/2014/main" id="{708C2F1E-047C-1E40-83C2-2FF18AB26AE6}"/>
-              </a:ext>
-            </a:extLst>
-          </p:cNvPr>
-          <p:cNvSpPr>
-            <a:spLocks noGrp="1"/>
-          </p:cNvSpPr>
-          <p:nvPr>
-            <p:ph type="subTitle" idx="1"/>
-          </p:nvPr>
-        </p:nvSpPr>
-        <p:spPr>
-          <a:xfrm>
-            <a:off x="761716" y="600071"/>
-            <a:ext cx="10667998" cy="5935639"/>
-          </a:xfrm>
-        </p:spPr>
-        <p:txBody>
-          <a:bodyPr>
-            <a:normAutofit/>
+          <p:cNvPr id="10" name="TextBox 9">
+            <a:extLst>
+              <a:ext uri="{FF2B5EF4-FFF2-40B4-BE49-F238E27FC236}">
+                <a16:creationId xmlns:a16="http://schemas.microsoft.com/office/drawing/2014/main" id="{6FAF9FA8-F5E0-8344-BABF-6B028732143A}"/>
+              </a:ext>
+            </a:extLst>
+          </p:cNvPr>
+          <p:cNvSpPr txBox="1"/>
+          <p:nvPr/>
+        </p:nvSpPr>
+        <p:spPr>
+          <a:xfrm>
+            <a:off x="524933" y="854242"/>
+            <a:ext cx="11142133" cy="1015663"/>
+          </a:xfrm>
+          <a:prstGeom prst="rect">
+            <a:avLst/>
+          </a:prstGeom>
+          <a:noFill/>
+        </p:spPr>
+        <p:txBody>
+          <a:bodyPr wrap="square" rtlCol="0">
+            <a:spAutoFit/>
           </a:bodyPr>
           <a:lstStyle/>
           <a:p>
             <a:r>
-              <a:rPr lang="en-US" sz="6200" dirty="0">
+              <a:rPr lang="en-US" sz="6000" dirty="0">
                 <a:solidFill>
-                  <a:schemeClr val="bg1"/>
+                  <a:srgbClr val="48607D"/>
                 </a:solidFill>
               </a:rPr>
-              <a:t>Data Analysis</a:t>
-            </a:r>
-          </a:p>
-          <a:p>
-            <a:pPr marL="857250" indent="-857250" algn="l">
+              <a:t>DATA CLEANUP &amp; EXPLORATION</a:t>
+            </a:r>
+          </a:p>
+        </p:txBody>
+      </p:sp>
+      <p:sp>
+        <p:nvSpPr>
+          <p:cNvPr id="7" name="Rectangle 6">
+            <a:extLst>
+              <a:ext uri="{FF2B5EF4-FFF2-40B4-BE49-F238E27FC236}">
+                <a16:creationId xmlns:a16="http://schemas.microsoft.com/office/drawing/2014/main" id="{8C88652C-06BF-8D4B-BF0F-7EDAEA97ABAF}"/>
+              </a:ext>
+            </a:extLst>
+          </p:cNvPr>
+          <p:cNvSpPr/>
+          <p:nvPr/>
+        </p:nvSpPr>
+        <p:spPr>
+          <a:xfrm>
+            <a:off x="524932" y="2114521"/>
+            <a:ext cx="10905067" cy="3108543"/>
+          </a:xfrm>
+          <a:prstGeom prst="rect">
+            <a:avLst/>
+          </a:prstGeom>
+          <a:solidFill>
+            <a:srgbClr val="575757">
+              <a:alpha val="50000"/>
+            </a:srgbClr>
+          </a:solidFill>
+        </p:spPr>
+        <p:txBody>
+          <a:bodyPr wrap="square">
+            <a:spAutoFit/>
+          </a:bodyPr>
+          <a:lstStyle/>
+          <a:p>
+            <a:pPr marL="457200" indent="-457200">
               <a:buFont typeface="Arial" panose="020B0604020202020204" pitchFamily="34" charset="0"/>
               <a:buChar char="•"/>
             </a:pPr>
             <a:r>
-              <a:rPr lang="en-US" sz="4100" dirty="0">
-                <a:solidFill>
-                  <a:schemeClr val="bg1"/>
-                </a:solidFill>
-              </a:rPr>
-              <a:t>Discuss the steps you took to analyze the data and answer each question you asked in your proposal</a:t>
-            </a:r>
-          </a:p>
-          <a:p>
-            <a:pPr marL="857250" indent="-857250" algn="l">
+              <a:rPr lang="en-US" sz="2800" dirty="0"/>
+              <a:t>Describe the exploration and cleanup process </a:t>
+            </a:r>
+          </a:p>
+          <a:p>
+            <a:pPr marL="457200" indent="-457200">
               <a:buFont typeface="Arial" panose="020B0604020202020204" pitchFamily="34" charset="0"/>
               <a:buChar char="•"/>
             </a:pPr>
             <a:r>
-              <a:rPr lang="en-US" sz="4100" dirty="0">
-                <a:solidFill>
-                  <a:schemeClr val="bg1"/>
-                </a:solidFill>
-              </a:rPr>
-              <a:t>Present and discuss interesting figures developed during analysis, ideally with the help of </a:t>
-            </a:r>
-            <a:r>
-              <a:rPr lang="en-US" sz="4100" dirty="0" err="1">
-                <a:solidFill>
-                  <a:schemeClr val="bg1"/>
-                </a:solidFill>
-              </a:rPr>
+              <a:rPr lang="en-US" sz="2800" dirty="0"/>
+              <a:t>Discuss insights you had while exploring the data that you didn't anticipate </a:t>
+            </a:r>
+          </a:p>
+          <a:p>
+            <a:pPr marL="457200" indent="-457200">
+              <a:buFont typeface="Arial" panose="020B0604020202020204" pitchFamily="34" charset="0"/>
+              <a:buChar char="•"/>
+            </a:pPr>
+            <a:r>
+              <a:rPr lang="en-US" sz="2800" dirty="0"/>
+              <a:t>Discuss any problems that arose after exploring the data, and how you resolved them </a:t>
+            </a:r>
+          </a:p>
+          <a:p>
+            <a:pPr marL="457200" indent="-457200">
+              <a:buFont typeface="Arial" panose="020B0604020202020204" pitchFamily="34" charset="0"/>
+              <a:buChar char="•"/>
+            </a:pPr>
+            <a:r>
+              <a:rPr lang="en-US" sz="2800" dirty="0"/>
+              <a:t>Present and discuss interesting figures developed during exploration, ideally with the help of </a:t>
+            </a:r>
+            <a:r>
+              <a:rPr lang="en-US" sz="2800" dirty="0" err="1"/>
               <a:t>Jupyter</a:t>
             </a:r>
             <a:r>
-              <a:rPr lang="en-US" sz="4100" dirty="0">
-                <a:solidFill>
-                  <a:schemeClr val="bg1"/>
-                </a:solidFill>
-              </a:rPr>
+              <a:rPr lang="en-US" sz="2800" dirty="0"/>
               <a:t> Notebook</a:t>
             </a:r>
           </a:p>
@@ -5245,7 +5666,7 @@
     </p:spTree>
     <p:extLst>
       <p:ext uri="{BB962C8B-B14F-4D97-AF65-F5344CB8AC3E}">
-        <p14:creationId xmlns:p14="http://schemas.microsoft.com/office/powerpoint/2010/main" val="1974557959"/>
+        <p14:creationId xmlns:p14="http://schemas.microsoft.com/office/powerpoint/2010/main" val="1906421391"/>
       </p:ext>
     </p:extLst>
   </p:cSld>
@@ -5258,14 +5679,6 @@
 <file path=ppt/slides/slide7.xml><?xml version="1.0" encoding="utf-8"?>
 <p:sld xmlns:a="http://schemas.openxmlformats.org/drawingml/2006/main" xmlns:r="http://schemas.openxmlformats.org/officeDocument/2006/relationships" xmlns:p="http://schemas.openxmlformats.org/presentationml/2006/main">
   <p:cSld>
-    <p:bg>
-      <p:bgPr>
-        <a:solidFill>
-          <a:schemeClr val="bg1"/>
-        </a:solidFill>
-        <a:effectLst/>
-      </p:bgPr>
-    </p:bg>
     <p:spTree>
       <p:nvGrpSpPr>
         <p:cNvPr id="1" name=""/>
@@ -5343,35 +5756,6 @@
           </a:p>
         </p:txBody>
       </p:sp>
-      <p:pic>
-        <p:nvPicPr>
-          <p:cNvPr id="14" name="Picture 3">
-            <a:extLst>
-              <a:ext uri="{FF2B5EF4-FFF2-40B4-BE49-F238E27FC236}">
-                <a16:creationId xmlns:a16="http://schemas.microsoft.com/office/drawing/2014/main" id="{B329C2E3-D8E1-4559-BBDB-071A8286EAB9}"/>
-              </a:ext>
-            </a:extLst>
-          </p:cNvPr>
-          <p:cNvPicPr>
-            <a:picLocks noChangeAspect="1"/>
-          </p:cNvPicPr>
-          <p:nvPr/>
-        </p:nvPicPr>
-        <p:blipFill rotWithShape="1">
-          <a:blip r:embed="rId2"/>
-          <a:srcRect t="12010" r="1" b="3718"/>
-          <a:stretch/>
-        </p:blipFill>
-        <p:spPr>
-          <a:xfrm>
-            <a:off x="-2" y="0"/>
-            <a:ext cx="12191435" cy="7053841"/>
-          </a:xfrm>
-          <a:prstGeom prst="rect">
-            <a:avLst/>
-          </a:prstGeom>
-        </p:spPr>
-      </p:pic>
       <p:sp>
         <p:nvSpPr>
           <p:cNvPr id="15" name="Rectangle 10">
@@ -5460,60 +5844,100 @@
       </p:sp>
       <p:sp>
         <p:nvSpPr>
-          <p:cNvPr id="4" name="Subtitle 3">
-            <a:extLst>
-              <a:ext uri="{FF2B5EF4-FFF2-40B4-BE49-F238E27FC236}">
-                <a16:creationId xmlns:a16="http://schemas.microsoft.com/office/drawing/2014/main" id="{708C2F1E-047C-1E40-83C2-2FF18AB26AE6}"/>
-              </a:ext>
-            </a:extLst>
-          </p:cNvPr>
-          <p:cNvSpPr>
-            <a:spLocks noGrp="1"/>
-          </p:cNvSpPr>
-          <p:nvPr>
-            <p:ph type="subTitle" idx="1"/>
-          </p:nvPr>
-        </p:nvSpPr>
-        <p:spPr>
-          <a:xfrm>
-            <a:off x="761716" y="600071"/>
-            <a:ext cx="10667998" cy="5935639"/>
-          </a:xfrm>
-        </p:spPr>
-        <p:txBody>
-          <a:bodyPr>
-            <a:normAutofit/>
+          <p:cNvPr id="10" name="TextBox 9">
+            <a:extLst>
+              <a:ext uri="{FF2B5EF4-FFF2-40B4-BE49-F238E27FC236}">
+                <a16:creationId xmlns:a16="http://schemas.microsoft.com/office/drawing/2014/main" id="{6FAF9FA8-F5E0-8344-BABF-6B028732143A}"/>
+              </a:ext>
+            </a:extLst>
+          </p:cNvPr>
+          <p:cNvSpPr txBox="1"/>
+          <p:nvPr/>
+        </p:nvSpPr>
+        <p:spPr>
+          <a:xfrm>
+            <a:off x="524933" y="854242"/>
+            <a:ext cx="11142133" cy="1015663"/>
+          </a:xfrm>
+          <a:prstGeom prst="rect">
+            <a:avLst/>
+          </a:prstGeom>
+          <a:noFill/>
+        </p:spPr>
+        <p:txBody>
+          <a:bodyPr wrap="square" rtlCol="0">
+            <a:spAutoFit/>
           </a:bodyPr>
           <a:lstStyle/>
           <a:p>
             <a:r>
-              <a:rPr lang="en-US" sz="6200" dirty="0">
+              <a:rPr lang="en-US" sz="6000" dirty="0">
                 <a:solidFill>
-                  <a:schemeClr val="bg1"/>
+                  <a:srgbClr val="48607D"/>
                 </a:solidFill>
               </a:rPr>
-              <a:t>Discussion</a:t>
-            </a:r>
-          </a:p>
-          <a:p>
-            <a:endParaRPr lang="en-US" sz="6200" dirty="0">
-              <a:solidFill>
-                <a:schemeClr val="bg1"/>
-              </a:solidFill>
-            </a:endParaRPr>
-          </a:p>
-          <a:p>
-            <a:pPr marL="857250" indent="-857250" algn="l">
+              <a:t>DATA ANALYSIS</a:t>
+            </a:r>
+          </a:p>
+        </p:txBody>
+      </p:sp>
+      <p:sp>
+        <p:nvSpPr>
+          <p:cNvPr id="7" name="Rectangle 6">
+            <a:extLst>
+              <a:ext uri="{FF2B5EF4-FFF2-40B4-BE49-F238E27FC236}">
+                <a16:creationId xmlns:a16="http://schemas.microsoft.com/office/drawing/2014/main" id="{8C88652C-06BF-8D4B-BF0F-7EDAEA97ABAF}"/>
+              </a:ext>
+            </a:extLst>
+          </p:cNvPr>
+          <p:cNvSpPr/>
+          <p:nvPr/>
+        </p:nvSpPr>
+        <p:spPr>
+          <a:xfrm>
+            <a:off x="524932" y="2114521"/>
+            <a:ext cx="10905067" cy="1815882"/>
+          </a:xfrm>
+          <a:prstGeom prst="rect">
+            <a:avLst/>
+          </a:prstGeom>
+          <a:solidFill>
+            <a:srgbClr val="575757">
+              <a:alpha val="50000"/>
+            </a:srgbClr>
+          </a:solidFill>
+        </p:spPr>
+        <p:txBody>
+          <a:bodyPr wrap="square">
+            <a:spAutoFit/>
+          </a:bodyPr>
+          <a:lstStyle/>
+          <a:p>
+            <a:pPr marL="857250" indent="-857250">
               <a:buFont typeface="Arial" panose="020B0604020202020204" pitchFamily="34" charset="0"/>
               <a:buChar char="•"/>
             </a:pPr>
             <a:r>
-              <a:rPr lang="en-US" sz="3200" dirty="0">
-                <a:solidFill>
-                  <a:schemeClr val="bg1"/>
-                </a:solidFill>
-              </a:rPr>
-              <a:t>Discuss your findings. Did you find what you expected to find? If not, why not? What inferences or general conclusions can you draw from your analysis?</a:t>
+              <a:rPr lang="en-US" sz="2800" dirty="0"/>
+              <a:t>Discuss the steps you took to analyze the data and answer each question you asked in your proposal</a:t>
+            </a:r>
+          </a:p>
+          <a:p>
+            <a:pPr marL="857250" indent="-857250">
+              <a:buFont typeface="Arial" panose="020B0604020202020204" pitchFamily="34" charset="0"/>
+              <a:buChar char="•"/>
+            </a:pPr>
+            <a:r>
+              <a:rPr lang="en-US" sz="2800" dirty="0"/>
+              <a:t>Present and discuss interesting figures developed during analysis, ideally with the help of </a:t>
+            </a:r>
+            <a:r>
+              <a:rPr lang="en-US" sz="2800" dirty="0" err="1"/>
+              <a:t>Jupyter</a:t>
+            </a:r>
+            <a:r>
+              <a:rPr lang="en-US" sz="2800" dirty="0"/>
+              <a:t> Notebook</a:t>
             </a:r>
           </a:p>
         </p:txBody>
@@ -5521,7 +5945,7 @@
     </p:spTree>
     <p:extLst>
       <p:ext uri="{BB962C8B-B14F-4D97-AF65-F5344CB8AC3E}">
-        <p14:creationId xmlns:p14="http://schemas.microsoft.com/office/powerpoint/2010/main" val="2220773227"/>
+        <p14:creationId xmlns:p14="http://schemas.microsoft.com/office/powerpoint/2010/main" val="371008687"/>
       </p:ext>
     </p:extLst>
   </p:cSld>
@@ -5534,14 +5958,6 @@
 <file path=ppt/slides/slide8.xml><?xml version="1.0" encoding="utf-8"?>
 <p:sld xmlns:a="http://schemas.openxmlformats.org/drawingml/2006/main" xmlns:r="http://schemas.openxmlformats.org/officeDocument/2006/relationships" xmlns:p="http://schemas.openxmlformats.org/presentationml/2006/main">
   <p:cSld>
-    <p:bg>
-      <p:bgPr>
-        <a:solidFill>
-          <a:schemeClr val="bg1"/>
-        </a:solidFill>
-        <a:effectLst/>
-      </p:bgPr>
-    </p:bg>
     <p:spTree>
       <p:nvGrpSpPr>
         <p:cNvPr id="1" name=""/>
@@ -5619,35 +6035,6 @@
           </a:p>
         </p:txBody>
       </p:sp>
-      <p:pic>
-        <p:nvPicPr>
-          <p:cNvPr id="14" name="Picture 3">
-            <a:extLst>
-              <a:ext uri="{FF2B5EF4-FFF2-40B4-BE49-F238E27FC236}">
-                <a16:creationId xmlns:a16="http://schemas.microsoft.com/office/drawing/2014/main" id="{B329C2E3-D8E1-4559-BBDB-071A8286EAB9}"/>
-              </a:ext>
-            </a:extLst>
-          </p:cNvPr>
-          <p:cNvPicPr>
-            <a:picLocks noChangeAspect="1"/>
-          </p:cNvPicPr>
-          <p:nvPr/>
-        </p:nvPicPr>
-        <p:blipFill rotWithShape="1">
-          <a:blip r:embed="rId2"/>
-          <a:srcRect t="12010" r="1" b="3718"/>
-          <a:stretch/>
-        </p:blipFill>
-        <p:spPr>
-          <a:xfrm>
-            <a:off x="-2" y="0"/>
-            <a:ext cx="12191435" cy="7053841"/>
-          </a:xfrm>
-          <a:prstGeom prst="rect">
-            <a:avLst/>
-          </a:prstGeom>
-        </p:spPr>
-      </p:pic>
       <p:sp>
         <p:nvSpPr>
           <p:cNvPr id="15" name="Rectangle 10">
@@ -5736,74 +6123,82 @@
       </p:sp>
       <p:sp>
         <p:nvSpPr>
-          <p:cNvPr id="4" name="Subtitle 3">
-            <a:extLst>
-              <a:ext uri="{FF2B5EF4-FFF2-40B4-BE49-F238E27FC236}">
-                <a16:creationId xmlns:a16="http://schemas.microsoft.com/office/drawing/2014/main" id="{708C2F1E-047C-1E40-83C2-2FF18AB26AE6}"/>
-              </a:ext>
-            </a:extLst>
-          </p:cNvPr>
-          <p:cNvSpPr>
-            <a:spLocks noGrp="1"/>
-          </p:cNvSpPr>
-          <p:nvPr>
-            <p:ph type="subTitle" idx="1"/>
-          </p:nvPr>
-        </p:nvSpPr>
-        <p:spPr>
-          <a:xfrm>
-            <a:off x="761716" y="600071"/>
-            <a:ext cx="10667998" cy="5935639"/>
-          </a:xfrm>
-        </p:spPr>
-        <p:txBody>
-          <a:bodyPr>
-            <a:normAutofit/>
+          <p:cNvPr id="10" name="TextBox 9">
+            <a:extLst>
+              <a:ext uri="{FF2B5EF4-FFF2-40B4-BE49-F238E27FC236}">
+                <a16:creationId xmlns:a16="http://schemas.microsoft.com/office/drawing/2014/main" id="{6FAF9FA8-F5E0-8344-BABF-6B028732143A}"/>
+              </a:ext>
+            </a:extLst>
+          </p:cNvPr>
+          <p:cNvSpPr txBox="1"/>
+          <p:nvPr/>
+        </p:nvSpPr>
+        <p:spPr>
+          <a:xfrm>
+            <a:off x="524933" y="854242"/>
+            <a:ext cx="11142133" cy="1015663"/>
+          </a:xfrm>
+          <a:prstGeom prst="rect">
+            <a:avLst/>
+          </a:prstGeom>
+          <a:noFill/>
+        </p:spPr>
+        <p:txBody>
+          <a:bodyPr wrap="square" rtlCol="0">
+            <a:spAutoFit/>
           </a:bodyPr>
           <a:lstStyle/>
           <a:p>
             <a:r>
-              <a:rPr lang="en-US" sz="6200" dirty="0">
+              <a:rPr lang="en-US" sz="6000" dirty="0">
                 <a:solidFill>
-                  <a:schemeClr val="bg1"/>
+                  <a:srgbClr val="48607D"/>
                 </a:solidFill>
               </a:rPr>
-              <a:t>Post Mortem</a:t>
-            </a:r>
-          </a:p>
-          <a:p>
-            <a:endParaRPr lang="en-US" sz="6200" dirty="0">
-              <a:solidFill>
-                <a:schemeClr val="bg1"/>
-              </a:solidFill>
-            </a:endParaRPr>
-          </a:p>
-          <a:p>
-            <a:pPr marL="857250" indent="-857250" algn="l">
+              <a:t>DISCUSSION</a:t>
+            </a:r>
+          </a:p>
+        </p:txBody>
+      </p:sp>
+      <p:sp>
+        <p:nvSpPr>
+          <p:cNvPr id="7" name="Rectangle 6">
+            <a:extLst>
+              <a:ext uri="{FF2B5EF4-FFF2-40B4-BE49-F238E27FC236}">
+                <a16:creationId xmlns:a16="http://schemas.microsoft.com/office/drawing/2014/main" id="{8C88652C-06BF-8D4B-BF0F-7EDAEA97ABAF}"/>
+              </a:ext>
+            </a:extLst>
+          </p:cNvPr>
+          <p:cNvSpPr/>
+          <p:nvPr/>
+        </p:nvSpPr>
+        <p:spPr>
+          <a:xfrm>
+            <a:off x="524932" y="2114521"/>
+            <a:ext cx="10905067" cy="1384995"/>
+          </a:xfrm>
+          <a:prstGeom prst="rect">
+            <a:avLst/>
+          </a:prstGeom>
+          <a:solidFill>
+            <a:srgbClr val="575757">
+              <a:alpha val="50000"/>
+            </a:srgbClr>
+          </a:solidFill>
+        </p:spPr>
+        <p:txBody>
+          <a:bodyPr wrap="square">
+            <a:spAutoFit/>
+          </a:bodyPr>
+          <a:lstStyle/>
+          <a:p>
+            <a:pPr marL="857250" indent="-857250">
               <a:buFont typeface="Arial" panose="020B0604020202020204" pitchFamily="34" charset="0"/>
               <a:buChar char="•"/>
             </a:pPr>
             <a:r>
-              <a:rPr lang="en-US" sz="3200" dirty="0">
-                <a:solidFill>
-                  <a:schemeClr val="bg1"/>
-                </a:solidFill>
-              </a:rPr>
-              <a:t>Discuss any difficulties that arose, and how you dealt with them </a:t>
-            </a:r>
-          </a:p>
-          <a:p>
-            <a:pPr marL="857250" indent="-857250" algn="l">
-              <a:buFont typeface="Arial" panose="020B0604020202020204" pitchFamily="34" charset="0"/>
-              <a:buChar char="•"/>
-            </a:pPr>
-            <a:r>
-              <a:rPr lang="en-US" sz="3200" dirty="0">
-                <a:solidFill>
-                  <a:schemeClr val="bg1"/>
-                </a:solidFill>
-              </a:rPr>
-              <a:t>Discuss any additional questions that came up, but which you didn't have time to answer: What would you research next, if you had two more weeks?</a:t>
+              <a:rPr lang="en-US" sz="2800" dirty="0"/>
+              <a:t>Discuss your findings. Did you find what you expected to find? If not, why not? What inferences or general conclusions can you draw from your analysis?</a:t>
             </a:r>
           </a:p>
         </p:txBody>
@@ -5811,7 +6206,7 @@
     </p:spTree>
     <p:extLst>
       <p:ext uri="{BB962C8B-B14F-4D97-AF65-F5344CB8AC3E}">
-        <p14:creationId xmlns:p14="http://schemas.microsoft.com/office/powerpoint/2010/main" val="4070869220"/>
+        <p14:creationId xmlns:p14="http://schemas.microsoft.com/office/powerpoint/2010/main" val="2427263753"/>
       </p:ext>
     </p:extLst>
   </p:cSld>
@@ -5824,14 +6219,6 @@
 <file path=ppt/slides/slide9.xml><?xml version="1.0" encoding="utf-8"?>
 <p:sld xmlns:a="http://schemas.openxmlformats.org/drawingml/2006/main" xmlns:r="http://schemas.openxmlformats.org/officeDocument/2006/relationships" xmlns:p="http://schemas.openxmlformats.org/presentationml/2006/main">
   <p:cSld>
-    <p:bg>
-      <p:bgPr>
-        <a:solidFill>
-          <a:schemeClr val="bg1"/>
-        </a:solidFill>
-        <a:effectLst/>
-      </p:bgPr>
-    </p:bg>
     <p:spTree>
       <p:nvGrpSpPr>
         <p:cNvPr id="1" name=""/>
@@ -5909,35 +6296,6 @@
           </a:p>
         </p:txBody>
       </p:sp>
-      <p:pic>
-        <p:nvPicPr>
-          <p:cNvPr id="14" name="Picture 3">
-            <a:extLst>
-              <a:ext uri="{FF2B5EF4-FFF2-40B4-BE49-F238E27FC236}">
-                <a16:creationId xmlns:a16="http://schemas.microsoft.com/office/drawing/2014/main" id="{B329C2E3-D8E1-4559-BBDB-071A8286EAB9}"/>
-              </a:ext>
-            </a:extLst>
-          </p:cNvPr>
-          <p:cNvPicPr>
-            <a:picLocks noChangeAspect="1"/>
-          </p:cNvPicPr>
-          <p:nvPr/>
-        </p:nvPicPr>
-        <p:blipFill rotWithShape="1">
-          <a:blip r:embed="rId2"/>
-          <a:srcRect t="12010" r="1" b="3718"/>
-          <a:stretch/>
-        </p:blipFill>
-        <p:spPr>
-          <a:xfrm>
-            <a:off x="-2" y="0"/>
-            <a:ext cx="12191435" cy="7053841"/>
-          </a:xfrm>
-          <a:prstGeom prst="rect">
-            <a:avLst/>
-          </a:prstGeom>
-        </p:spPr>
-      </p:pic>
       <p:sp>
         <p:nvSpPr>
           <p:cNvPr id="15" name="Rectangle 10">
@@ -6026,60 +6384,92 @@
       </p:sp>
       <p:sp>
         <p:nvSpPr>
-          <p:cNvPr id="4" name="Subtitle 3">
-            <a:extLst>
-              <a:ext uri="{FF2B5EF4-FFF2-40B4-BE49-F238E27FC236}">
-                <a16:creationId xmlns:a16="http://schemas.microsoft.com/office/drawing/2014/main" id="{708C2F1E-047C-1E40-83C2-2FF18AB26AE6}"/>
-              </a:ext>
-            </a:extLst>
-          </p:cNvPr>
-          <p:cNvSpPr>
-            <a:spLocks noGrp="1"/>
-          </p:cNvSpPr>
-          <p:nvPr>
-            <p:ph type="subTitle" idx="1"/>
-          </p:nvPr>
-        </p:nvSpPr>
-        <p:spPr>
-          <a:xfrm>
-            <a:off x="761716" y="600071"/>
-            <a:ext cx="10667998" cy="5935639"/>
-          </a:xfrm>
-        </p:spPr>
-        <p:txBody>
-          <a:bodyPr>
-            <a:normAutofit/>
+          <p:cNvPr id="10" name="TextBox 9">
+            <a:extLst>
+              <a:ext uri="{FF2B5EF4-FFF2-40B4-BE49-F238E27FC236}">
+                <a16:creationId xmlns:a16="http://schemas.microsoft.com/office/drawing/2014/main" id="{6FAF9FA8-F5E0-8344-BABF-6B028732143A}"/>
+              </a:ext>
+            </a:extLst>
+          </p:cNvPr>
+          <p:cNvSpPr txBox="1"/>
+          <p:nvPr/>
+        </p:nvSpPr>
+        <p:spPr>
+          <a:xfrm>
+            <a:off x="524933" y="854242"/>
+            <a:ext cx="11142133" cy="1015663"/>
+          </a:xfrm>
+          <a:prstGeom prst="rect">
+            <a:avLst/>
+          </a:prstGeom>
+          <a:noFill/>
+        </p:spPr>
+        <p:txBody>
+          <a:bodyPr wrap="square" rtlCol="0">
+            <a:spAutoFit/>
           </a:bodyPr>
           <a:lstStyle/>
           <a:p>
             <a:r>
-              <a:rPr lang="en-US" sz="6200" dirty="0">
+              <a:rPr lang="en-US" sz="6000" dirty="0">
                 <a:solidFill>
-                  <a:schemeClr val="bg1"/>
+                  <a:srgbClr val="48607D"/>
                 </a:solidFill>
               </a:rPr>
-              <a:t>Questions</a:t>
-            </a:r>
-          </a:p>
-          <a:p>
-            <a:endParaRPr lang="en-US" sz="6200" dirty="0">
-              <a:solidFill>
-                <a:schemeClr val="bg1"/>
-              </a:solidFill>
-            </a:endParaRPr>
-          </a:p>
-          <a:p>
-            <a:pPr marL="857250" indent="-857250" algn="l">
+              <a:t>PROJECT POST MORTEM</a:t>
+            </a:r>
+          </a:p>
+        </p:txBody>
+      </p:sp>
+      <p:sp>
+        <p:nvSpPr>
+          <p:cNvPr id="7" name="Rectangle 6">
+            <a:extLst>
+              <a:ext uri="{FF2B5EF4-FFF2-40B4-BE49-F238E27FC236}">
+                <a16:creationId xmlns:a16="http://schemas.microsoft.com/office/drawing/2014/main" id="{8C88652C-06BF-8D4B-BF0F-7EDAEA97ABAF}"/>
+              </a:ext>
+            </a:extLst>
+          </p:cNvPr>
+          <p:cNvSpPr/>
+          <p:nvPr/>
+        </p:nvSpPr>
+        <p:spPr>
+          <a:xfrm>
+            <a:off x="524932" y="2114521"/>
+            <a:ext cx="10905067" cy="1815882"/>
+          </a:xfrm>
+          <a:prstGeom prst="rect">
+            <a:avLst/>
+          </a:prstGeom>
+          <a:solidFill>
+            <a:srgbClr val="575757">
+              <a:alpha val="50000"/>
+            </a:srgbClr>
+          </a:solidFill>
+        </p:spPr>
+        <p:txBody>
+          <a:bodyPr wrap="square">
+            <a:spAutoFit/>
+          </a:bodyPr>
+          <a:lstStyle/>
+          <a:p>
+            <a:pPr marL="857250" indent="-857250">
               <a:buFont typeface="Arial" panose="020B0604020202020204" pitchFamily="34" charset="0"/>
               <a:buChar char="•"/>
             </a:pPr>
             <a:r>
-              <a:rPr lang="en-US" sz="3200" dirty="0">
-                <a:solidFill>
-                  <a:schemeClr val="bg1"/>
-                </a:solidFill>
-              </a:rPr>
-              <a:t>Open-floor Q&amp;A with the audience</a:t>
+              <a:rPr lang="en-US" sz="2800" dirty="0"/>
+              <a:t>Discuss any difficulties that arose, and how you dealt with them </a:t>
+            </a:r>
+          </a:p>
+          <a:p>
+            <a:pPr marL="857250" indent="-857250">
+              <a:buFont typeface="Arial" panose="020B0604020202020204" pitchFamily="34" charset="0"/>
+              <a:buChar char="•"/>
+            </a:pPr>
+            <a:r>
+              <a:rPr lang="en-US" sz="2800" dirty="0"/>
+              <a:t>Discuss any additional questions that came up, but which you didn't have time to answer: What would you research next, if you had two more weeks?</a:t>
             </a:r>
           </a:p>
         </p:txBody>
@@ -6087,7 +6477,7 @@
     </p:spTree>
     <p:extLst>
       <p:ext uri="{BB962C8B-B14F-4D97-AF65-F5344CB8AC3E}">
-        <p14:creationId xmlns:p14="http://schemas.microsoft.com/office/powerpoint/2010/main" val="3693200821"/>
+        <p14:creationId xmlns:p14="http://schemas.microsoft.com/office/powerpoint/2010/main" val="2674845039"/>
       </p:ext>
     </p:extLst>
   </p:cSld>
@@ -6296,4 +6686,299 @@
     </a:ext>
   </a:extLst>
 </a:theme>
+</file>
+
+<file path=ppt/theme/theme2.xml><?xml version="1.0" encoding="utf-8"?>
+<a:theme xmlns:a="http://schemas.openxmlformats.org/drawingml/2006/main" name="Office Theme">
+  <a:themeElements>
+    <a:clrScheme name="Office">
+      <a:dk1>
+        <a:sysClr val="windowText" lastClr="000000"/>
+      </a:dk1>
+      <a:lt1>
+        <a:sysClr val="window" lastClr="FFFFFF"/>
+      </a:lt1>
+      <a:dk2>
+        <a:srgbClr val="44546A"/>
+      </a:dk2>
+      <a:lt2>
+        <a:srgbClr val="E7E6E6"/>
+      </a:lt2>
+      <a:accent1>
+        <a:srgbClr val="4472C4"/>
+      </a:accent1>
+      <a:accent2>
+        <a:srgbClr val="ED7D31"/>
+      </a:accent2>
+      <a:accent3>
+        <a:srgbClr val="A5A5A5"/>
+      </a:accent3>
+      <a:accent4>
+        <a:srgbClr val="FFC000"/>
+      </a:accent4>
+      <a:accent5>
+        <a:srgbClr val="5B9BD5"/>
+      </a:accent5>
+      <a:accent6>
+        <a:srgbClr val="70AD47"/>
+      </a:accent6>
+      <a:hlink>
+        <a:srgbClr val="0563C1"/>
+      </a:hlink>
+      <a:folHlink>
+        <a:srgbClr val="954F72"/>
+      </a:folHlink>
+    </a:clrScheme>
+    <a:fontScheme name="Office">
+      <a:majorFont>
+        <a:latin typeface="Calibri Light" panose="020F0302020204030204"/>
+        <a:ea typeface=""/>
+        <a:cs typeface=""/>
+        <a:font script="Jpan" typeface="游ゴシック Light"/>
+        <a:font script="Hang" typeface="맑은 고딕"/>
+        <a:font script="Hans" typeface="等线 Light"/>
+        <a:font script="Hant" typeface="新細明體"/>
+        <a:font script="Arab" typeface="Times New Roman"/>
+        <a:font script="Hebr" typeface="Times New Roman"/>
+        <a:font script="Thai" typeface="Angsana New"/>
+        <a:font script="Ethi" typeface="Nyala"/>
+        <a:font script="Beng" typeface="Vrinda"/>
+        <a:font script="Gujr" typeface="Shruti"/>
+        <a:font script="Khmr" typeface="MoolBoran"/>
+        <a:font script="Knda" typeface="Tunga"/>
+        <a:font script="Guru" typeface="Raavi"/>
+        <a:font script="Cans" typeface="Euphemia"/>
+        <a:font script="Cher" typeface="Plantagenet Cherokee"/>
+        <a:font script="Yiii" typeface="Microsoft Yi Baiti"/>
+        <a:font script="Tibt" typeface="Microsoft Himalaya"/>
+        <a:font script="Thaa" typeface="MV Boli"/>
+        <a:font script="Deva" typeface="Mangal"/>
+        <a:font script="Telu" typeface="Gautami"/>
+        <a:font script="Taml" typeface="Latha"/>
+        <a:font script="Syrc" typeface="Estrangelo Edessa"/>
+        <a:font script="Orya" typeface="Kalinga"/>
+        <a:font script="Mlym" typeface="Kartika"/>
+        <a:font script="Laoo" typeface="DokChampa"/>
+        <a:font script="Sinh" typeface="Iskoola Pota"/>
+        <a:font script="Mong" typeface="Mongolian Baiti"/>
+        <a:font script="Viet" typeface="Times New Roman"/>
+        <a:font script="Uigh" typeface="Microsoft Uighur"/>
+        <a:font script="Geor" typeface="Sylfaen"/>
+        <a:font script="Armn" typeface="Arial"/>
+        <a:font script="Bugi" typeface="Leelawadee UI"/>
+        <a:font script="Bopo" typeface="Microsoft JhengHei"/>
+        <a:font script="Java" typeface="Javanese Text"/>
+        <a:font script="Lisu" typeface="Segoe UI"/>
+        <a:font script="Mymr" typeface="Myanmar Text"/>
+        <a:font script="Nkoo" typeface="Ebrima"/>
+        <a:font script="Olck" typeface="Nirmala UI"/>
+        <a:font script="Osma" typeface="Ebrima"/>
+        <a:font script="Phag" typeface="Phagspa"/>
+        <a:font script="Syrn" typeface="Estrangelo Edessa"/>
+        <a:font script="Syrj" typeface="Estrangelo Edessa"/>
+        <a:font script="Syre" typeface="Estrangelo Edessa"/>
+        <a:font script="Sora" typeface="Nirmala UI"/>
+        <a:font script="Tale" typeface="Microsoft Tai Le"/>
+        <a:font script="Talu" typeface="Microsoft New Tai Lue"/>
+        <a:font script="Tfng" typeface="Ebrima"/>
+      </a:majorFont>
+      <a:minorFont>
+        <a:latin typeface="Calibri" panose="020F0502020204030204"/>
+        <a:ea typeface=""/>
+        <a:cs typeface=""/>
+        <a:font script="Jpan" typeface="游ゴシック"/>
+        <a:font script="Hang" typeface="맑은 고딕"/>
+        <a:font script="Hans" typeface="等线"/>
+        <a:font script="Hant" typeface="新細明體"/>
+        <a:font script="Arab" typeface="Arial"/>
+        <a:font script="Hebr" typeface="Arial"/>
+        <a:font script="Thai" typeface="Cordia New"/>
+        <a:font script="Ethi" typeface="Nyala"/>
+        <a:font script="Beng" typeface="Vrinda"/>
+        <a:font script="Gujr" typeface="Shruti"/>
+        <a:font script="Khmr" typeface="DaunPenh"/>
+        <a:font script="Knda" typeface="Tunga"/>
+        <a:font script="Guru" typeface="Raavi"/>
+        <a:font script="Cans" typeface="Euphemia"/>
+        <a:font script="Cher" typeface="Plantagenet Cherokee"/>
+        <a:font script="Yiii" typeface="Microsoft Yi Baiti"/>
+        <a:font script="Tibt" typeface="Microsoft Himalaya"/>
+        <a:font script="Thaa" typeface="MV Boli"/>
+        <a:font script="Deva" typeface="Mangal"/>
+        <a:font script="Telu" typeface="Gautami"/>
+        <a:font script="Taml" typeface="Latha"/>
+        <a:font script="Syrc" typeface="Estrangelo Edessa"/>
+        <a:font script="Orya" typeface="Kalinga"/>
+        <a:font script="Mlym" typeface="Kartika"/>
+        <a:font script="Laoo" typeface="DokChampa"/>
+        <a:font script="Sinh" typeface="Iskoola Pota"/>
+        <a:font script="Mong" typeface="Mongolian Baiti"/>
+        <a:font script="Viet" typeface="Arial"/>
+        <a:font script="Uigh" typeface="Microsoft Uighur"/>
+        <a:font script="Geor" typeface="Sylfaen"/>
+        <a:font script="Armn" typeface="Arial"/>
+        <a:font script="Bugi" typeface="Leelawadee UI"/>
+        <a:font script="Bopo" typeface="Microsoft JhengHei"/>
+        <a:font script="Java" typeface="Javanese Text"/>
+        <a:font script="Lisu" typeface="Segoe UI"/>
+        <a:font script="Mymr" typeface="Myanmar Text"/>
+        <a:font script="Nkoo" typeface="Ebrima"/>
+        <a:font script="Olck" typeface="Nirmala UI"/>
+        <a:font script="Osma" typeface="Ebrima"/>
+        <a:font script="Phag" typeface="Phagspa"/>
+        <a:font script="Syrn" typeface="Estrangelo Edessa"/>
+        <a:font script="Syrj" typeface="Estrangelo Edessa"/>
+        <a:font script="Syre" typeface="Estrangelo Edessa"/>
+        <a:font script="Sora" typeface="Nirmala UI"/>
+        <a:font script="Tale" typeface="Microsoft Tai Le"/>
+        <a:font script="Talu" typeface="Microsoft New Tai Lue"/>
+        <a:font script="Tfng" typeface="Ebrima"/>
+      </a:minorFont>
+    </a:fontScheme>
+    <a:fmtScheme name="Office">
+      <a:fillStyleLst>
+        <a:solidFill>
+          <a:schemeClr val="phClr"/>
+        </a:solidFill>
+        <a:gradFill rotWithShape="1">
+          <a:gsLst>
+            <a:gs pos="0">
+              <a:schemeClr val="phClr">
+                <a:lumMod val="110000"/>
+                <a:satMod val="105000"/>
+                <a:tint val="67000"/>
+              </a:schemeClr>
+            </a:gs>
+            <a:gs pos="50000">
+              <a:schemeClr val="phClr">
+                <a:lumMod val="105000"/>
+                <a:satMod val="103000"/>
+                <a:tint val="73000"/>
+              </a:schemeClr>
+            </a:gs>
+            <a:gs pos="100000">
+              <a:schemeClr val="phClr">
+                <a:lumMod val="105000"/>
+                <a:satMod val="109000"/>
+                <a:tint val="81000"/>
+              </a:schemeClr>
+            </a:gs>
+          </a:gsLst>
+          <a:lin ang="5400000" scaled="0"/>
+        </a:gradFill>
+        <a:gradFill rotWithShape="1">
+          <a:gsLst>
+            <a:gs pos="0">
+              <a:schemeClr val="phClr">
+                <a:satMod val="103000"/>
+                <a:lumMod val="102000"/>
+                <a:tint val="94000"/>
+              </a:schemeClr>
+            </a:gs>
+            <a:gs pos="50000">
+              <a:schemeClr val="phClr">
+                <a:satMod val="110000"/>
+                <a:lumMod val="100000"/>
+                <a:shade val="100000"/>
+              </a:schemeClr>
+            </a:gs>
+            <a:gs pos="100000">
+              <a:schemeClr val="phClr">
+                <a:lumMod val="99000"/>
+                <a:satMod val="120000"/>
+                <a:shade val="78000"/>
+              </a:schemeClr>
+            </a:gs>
+          </a:gsLst>
+          <a:lin ang="5400000" scaled="0"/>
+        </a:gradFill>
+      </a:fillStyleLst>
+      <a:lnStyleLst>
+        <a:ln w="6350" cap="flat" cmpd="sng" algn="ctr">
+          <a:solidFill>
+            <a:schemeClr val="phClr"/>
+          </a:solidFill>
+          <a:prstDash val="solid"/>
+          <a:miter lim="800000"/>
+        </a:ln>
+        <a:ln w="12700" cap="flat" cmpd="sng" algn="ctr">
+          <a:solidFill>
+            <a:schemeClr val="phClr"/>
+          </a:solidFill>
+          <a:prstDash val="solid"/>
+          <a:miter lim="800000"/>
+        </a:ln>
+        <a:ln w="19050" cap="flat" cmpd="sng" algn="ctr">
+          <a:solidFill>
+            <a:schemeClr val="phClr"/>
+          </a:solidFill>
+          <a:prstDash val="solid"/>
+          <a:miter lim="800000"/>
+        </a:ln>
+      </a:lnStyleLst>
+      <a:effectStyleLst>
+        <a:effectStyle>
+          <a:effectLst/>
+        </a:effectStyle>
+        <a:effectStyle>
+          <a:effectLst/>
+        </a:effectStyle>
+        <a:effectStyle>
+          <a:effectLst>
+            <a:outerShdw blurRad="57150" dist="19050" dir="5400000" algn="ctr" rotWithShape="0">
+              <a:srgbClr val="000000">
+                <a:alpha val="63000"/>
+              </a:srgbClr>
+            </a:outerShdw>
+          </a:effectLst>
+        </a:effectStyle>
+      </a:effectStyleLst>
+      <a:bgFillStyleLst>
+        <a:solidFill>
+          <a:schemeClr val="phClr"/>
+        </a:solidFill>
+        <a:solidFill>
+          <a:schemeClr val="phClr">
+            <a:tint val="95000"/>
+            <a:satMod val="170000"/>
+          </a:schemeClr>
+        </a:solidFill>
+        <a:gradFill rotWithShape="1">
+          <a:gsLst>
+            <a:gs pos="0">
+              <a:schemeClr val="phClr">
+                <a:tint val="93000"/>
+                <a:satMod val="150000"/>
+                <a:shade val="98000"/>
+                <a:lumMod val="102000"/>
+              </a:schemeClr>
+            </a:gs>
+            <a:gs pos="50000">
+              <a:schemeClr val="phClr">
+                <a:tint val="98000"/>
+                <a:satMod val="130000"/>
+                <a:shade val="90000"/>
+                <a:lumMod val="103000"/>
+              </a:schemeClr>
+            </a:gs>
+            <a:gs pos="100000">
+              <a:schemeClr val="phClr">
+                <a:shade val="63000"/>
+                <a:satMod val="120000"/>
+              </a:schemeClr>
+            </a:gs>
+          </a:gsLst>
+          <a:lin ang="5400000" scaled="0"/>
+        </a:gradFill>
+      </a:bgFillStyleLst>
+    </a:fmtScheme>
+  </a:themeElements>
+  <a:objectDefaults/>
+  <a:extraClrSchemeLst/>
+  <a:extLst>
+    <a:ext uri="{05A4C25C-085E-4340-85A3-A5531E510DB2}">
+      <thm15:themeFamily xmlns:thm15="http://schemas.microsoft.com/office/thememl/2012/main" name="Office Theme" id="{62F939B6-93AF-4DB8-9C6B-D6C7DFDC589F}" vid="{4A3C46E8-61CC-4603-A589-7422A47A8E4A}"/>
+    </a:ext>
+  </a:extLst>
+</a:theme>
 </file>
--- a/Presentation_Slides.pptx
+++ b/Presentation_Slides.pptx
@@ -5,7 +5,7 @@
     <p:sldMasterId id="2147483744" r:id="rId1"/>
   </p:sldMasterIdLst>
   <p:notesMasterIdLst>
-    <p:notesMasterId r:id="rId12"/>
+    <p:notesMasterId r:id="rId13"/>
   </p:notesMasterIdLst>
   <p:sldIdLst>
     <p:sldId id="268" r:id="rId2"/>
@@ -14,10 +14,11 @@
     <p:sldId id="269" r:id="rId5"/>
     <p:sldId id="270" r:id="rId6"/>
     <p:sldId id="271" r:id="rId7"/>
-    <p:sldId id="272" r:id="rId8"/>
-    <p:sldId id="273" r:id="rId9"/>
-    <p:sldId id="274" r:id="rId10"/>
-    <p:sldId id="275" r:id="rId11"/>
+    <p:sldId id="276" r:id="rId8"/>
+    <p:sldId id="272" r:id="rId9"/>
+    <p:sldId id="273" r:id="rId10"/>
+    <p:sldId id="274" r:id="rId11"/>
+    <p:sldId id="275" r:id="rId12"/>
   </p:sldIdLst>
   <p:sldSz cx="12192000" cy="6858000"/>
   <p:notesSz cx="6858000" cy="9144000"/>
@@ -206,7 +207,7 @@
           <a:p>
             <a:fld id="{277151B7-E865-BC45-B0E9-143E33B157DC}" type="datetimeFigureOut">
               <a:rPr lang="en-US" smtClean="0"/>
-              <a:t>7/30/20</a:t>
+              <a:t>7/30/2020</a:t>
             </a:fld>
             <a:endParaRPr lang="en-US"/>
           </a:p>
@@ -622,7 +623,7 @@
           <a:p>
             <a:fld id="{F4D57BDD-E64A-4D27-8978-82FFCA18A12C}" type="datetimeFigureOut">
               <a:rPr lang="en-US" smtClean="0"/>
-              <a:t>7/30/20</a:t>
+              <a:t>7/30/2020</a:t>
             </a:fld>
             <a:endParaRPr lang="en-US"/>
           </a:p>
@@ -831,7 +832,7 @@
           <a:p>
             <a:fld id="{F4D57BDD-E64A-4D27-8978-82FFCA18A12C}" type="datetimeFigureOut">
               <a:rPr lang="en-US" smtClean="0"/>
-              <a:t>7/30/20</a:t>
+              <a:t>7/30/2020</a:t>
             </a:fld>
             <a:endParaRPr lang="en-US"/>
           </a:p>
@@ -1039,7 +1040,7 @@
           <a:p>
             <a:fld id="{F4D57BDD-E64A-4D27-8978-82FFCA18A12C}" type="datetimeFigureOut">
               <a:rPr lang="en-US" smtClean="0"/>
-              <a:t>7/30/20</a:t>
+              <a:t>7/30/2020</a:t>
             </a:fld>
             <a:endParaRPr lang="en-US"/>
           </a:p>
@@ -1237,7 +1238,7 @@
           <a:p>
             <a:fld id="{F4D57BDD-E64A-4D27-8978-82FFCA18A12C}" type="datetimeFigureOut">
               <a:rPr lang="en-US" smtClean="0"/>
-              <a:t>7/30/20</a:t>
+              <a:t>7/30/2020</a:t>
             </a:fld>
             <a:endParaRPr lang="en-US"/>
           </a:p>
@@ -1513,7 +1514,7 @@
           <a:p>
             <a:fld id="{F4D57BDD-E64A-4D27-8978-82FFCA18A12C}" type="datetimeFigureOut">
               <a:rPr lang="en-US" smtClean="0"/>
-              <a:t>7/30/20</a:t>
+              <a:t>7/30/2020</a:t>
             </a:fld>
             <a:endParaRPr lang="en-US"/>
           </a:p>
@@ -1785,7 +1786,7 @@
           <a:p>
             <a:fld id="{F4D57BDD-E64A-4D27-8978-82FFCA18A12C}" type="datetimeFigureOut">
               <a:rPr lang="en-US" smtClean="0"/>
-              <a:t>7/30/20</a:t>
+              <a:t>7/30/2020</a:t>
             </a:fld>
             <a:endParaRPr lang="en-US"/>
           </a:p>
@@ -2199,7 +2200,7 @@
           <a:p>
             <a:fld id="{F4D57BDD-E64A-4D27-8978-82FFCA18A12C}" type="datetimeFigureOut">
               <a:rPr lang="en-US" smtClean="0"/>
-              <a:t>7/30/20</a:t>
+              <a:t>7/30/2020</a:t>
             </a:fld>
             <a:endParaRPr lang="en-US"/>
           </a:p>
@@ -2346,7 +2347,7 @@
           <a:p>
             <a:fld id="{F4D57BDD-E64A-4D27-8978-82FFCA18A12C}" type="datetimeFigureOut">
               <a:rPr lang="en-US" smtClean="0"/>
-              <a:t>7/30/20</a:t>
+              <a:t>7/30/2020</a:t>
             </a:fld>
             <a:endParaRPr lang="en-US"/>
           </a:p>
@@ -2459,7 +2460,7 @@
           <a:p>
             <a:fld id="{F4D57BDD-E64A-4D27-8978-82FFCA18A12C}" type="datetimeFigureOut">
               <a:rPr lang="en-US" smtClean="0"/>
-              <a:t>7/30/20</a:t>
+              <a:t>7/30/2020</a:t>
             </a:fld>
             <a:endParaRPr lang="en-US"/>
           </a:p>
@@ -2771,7 +2772,7 @@
           <a:p>
             <a:fld id="{F4D57BDD-E64A-4D27-8978-82FFCA18A12C}" type="datetimeFigureOut">
               <a:rPr lang="en-US" smtClean="0"/>
-              <a:t>7/30/20</a:t>
+              <a:t>7/30/2020</a:t>
             </a:fld>
             <a:endParaRPr lang="en-US"/>
           </a:p>
@@ -3062,7 +3063,7 @@
           <a:p>
             <a:fld id="{F4D57BDD-E64A-4D27-8978-82FFCA18A12C}" type="datetimeFigureOut">
               <a:rPr lang="en-US" smtClean="0"/>
-              <a:t>7/30/20</a:t>
+              <a:t>7/30/2020</a:t>
             </a:fld>
             <a:endParaRPr lang="en-US"/>
           </a:p>
@@ -3311,7 +3312,7 @@
             <a:fld id="{F4D57BDD-E64A-4D27-8978-82FFCA18A12C}" type="datetimeFigureOut">
               <a:rPr lang="en-US" smtClean="0"/>
               <a:pPr/>
-              <a:t>7/30/20</a:t>
+              <a:t>7/30/2020</a:t>
             </a:fld>
             <a:endParaRPr lang="en-US" dirty="0"/>
           </a:p>
@@ -4223,7 +4224,7 @@
                   <a:srgbClr val="48607D"/>
                 </a:solidFill>
               </a:rPr>
-              <a:t>QUESTIONS</a:t>
+              <a:t>PROJECT POST MORTEM</a:t>
             </a:r>
           </a:p>
         </p:txBody>
@@ -4243,7 +4244,7 @@
         <p:spPr>
           <a:xfrm>
             <a:off x="524932" y="2114521"/>
-            <a:ext cx="10905067" cy="584775"/>
+            <a:ext cx="10905067" cy="2677656"/>
           </a:xfrm>
           <a:prstGeom prst="rect">
             <a:avLst/>
@@ -4260,9 +4261,99 @@
           </a:bodyPr>
           <a:lstStyle/>
           <a:p>
-            <a:r>
-              <a:rPr lang="en-US" sz="3200" dirty="0"/>
-              <a:t>DOES ANYONE HAVE ANY QUESTIONS FOR US THIS EVENING?</a:t>
+            <a:pPr marL="857250" indent="-857250">
+              <a:buFont typeface="Arial" panose="020B0604020202020204" pitchFamily="34" charset="0"/>
+              <a:buChar char="•"/>
+            </a:pPr>
+            <a:r>
+              <a:rPr lang="en-US" sz="2400" dirty="0"/>
+              <a:t>What would you research next, if you had two more weeks?</a:t>
+            </a:r>
+          </a:p>
+          <a:p>
+            <a:pPr marL="857250" indent="-857250">
+              <a:buFont typeface="Arial" panose="020B0604020202020204" pitchFamily="34" charset="0"/>
+              <a:buChar char="•"/>
+            </a:pPr>
+            <a:r>
+              <a:rPr lang="en-US" dirty="0">
+                <a:solidFill>
+                  <a:schemeClr val="bg1"/>
+                </a:solidFill>
+              </a:rPr>
+              <a:t>Plotting our AQI data against the recoveries, deaths, and confirmed cases in each country to gain an insight on the correlation of Air Quality Index on COVID-19</a:t>
+            </a:r>
+          </a:p>
+          <a:p>
+            <a:pPr marL="857250" indent="-857250">
+              <a:buFont typeface="Arial" panose="020B0604020202020204" pitchFamily="34" charset="0"/>
+              <a:buChar char="•"/>
+            </a:pPr>
+            <a:r>
+              <a:rPr lang="en-US" dirty="0">
+                <a:solidFill>
+                  <a:schemeClr val="bg1"/>
+                </a:solidFill>
+              </a:rPr>
+              <a:t>Finding other data we could use to find relevant correlations between AQI: transportation, number of commuters on the road, manufacturing industries</a:t>
+            </a:r>
+          </a:p>
+          <a:p>
+            <a:pPr marL="857250" indent="-857250">
+              <a:buFont typeface="Arial" panose="020B0604020202020204" pitchFamily="34" charset="0"/>
+              <a:buChar char="•"/>
+            </a:pPr>
+            <a:r>
+              <a:rPr lang="en-US" dirty="0">
+                <a:solidFill>
+                  <a:schemeClr val="bg1"/>
+                </a:solidFill>
+              </a:rPr>
+              <a:t>Observe other environmental measures: water pollution </a:t>
+            </a:r>
+          </a:p>
+          <a:p>
+            <a:pPr marL="857250" indent="-857250">
+              <a:buFont typeface="Arial" panose="020B0604020202020204" pitchFamily="34" charset="0"/>
+              <a:buChar char="•"/>
+            </a:pPr>
+            <a:r>
+              <a:rPr lang="en-US" dirty="0">
+                <a:solidFill>
+                  <a:schemeClr val="bg1"/>
+                </a:solidFill>
+              </a:rPr>
+              <a:t>Report out statistical inferences </a:t>
+            </a:r>
+          </a:p>
+          <a:p>
+            <a:pPr marL="857250" indent="-857250">
+              <a:buFont typeface="Arial" panose="020B0604020202020204" pitchFamily="34" charset="0"/>
+              <a:buChar char="•"/>
+            </a:pPr>
+            <a:r>
+              <a:rPr lang="en-US" dirty="0">
+                <a:solidFill>
+                  <a:schemeClr val="bg1"/>
+                </a:solidFill>
+              </a:rPr>
+              <a:t>Account for other variables impacting AQI: population, natural vs man-made factors in pollution, city location (port city, inland, </a:t>
+            </a:r>
+            <a:r>
+              <a:rPr lang="en-US" dirty="0" err="1">
+                <a:solidFill>
+                  <a:schemeClr val="bg1"/>
+                </a:solidFill>
+              </a:rPr>
+              <a:t>etc</a:t>
+            </a:r>
+            <a:r>
+              <a:rPr lang="en-US" dirty="0">
+                <a:solidFill>
+                  <a:schemeClr val="bg1"/>
+                </a:solidFill>
+              </a:rPr>
+              <a:t>)</a:t>
             </a:r>
           </a:p>
         </p:txBody>
@@ -4270,7 +4361,7 @@
     </p:spTree>
     <p:extLst>
       <p:ext uri="{BB962C8B-B14F-4D97-AF65-F5344CB8AC3E}">
-        <p14:creationId xmlns:p14="http://schemas.microsoft.com/office/powerpoint/2010/main" val="320314992"/>
+        <p14:creationId xmlns:p14="http://schemas.microsoft.com/office/powerpoint/2010/main" val="2674845039"/>
       </p:ext>
     </p:extLst>
   </p:cSld>
@@ -4280,7 +4371,7 @@
 </p:sld>
 </file>
 
-<file path=ppt/slides/slide2.xml><?xml version="1.0" encoding="utf-8"?>
+<file path=ppt/slides/slide11.xml><?xml version="1.0" encoding="utf-8"?>
 <p:sld xmlns:a="http://schemas.openxmlformats.org/drawingml/2006/main" xmlns:r="http://schemas.openxmlformats.org/officeDocument/2006/relationships" xmlns:p="http://schemas.openxmlformats.org/presentationml/2006/main">
   <p:cSld>
     <p:spTree>
@@ -4446,82 +4537,51 @@
           </a:p>
         </p:txBody>
       </p:sp>
-      <p:pic>
-        <p:nvPicPr>
-          <p:cNvPr id="12" name="Picture 11" descr="A group of people posing for the camera&#10;&#10;Description automatically generated">
-            <a:extLst>
-              <a:ext uri="{FF2B5EF4-FFF2-40B4-BE49-F238E27FC236}">
-                <a16:creationId xmlns:a16="http://schemas.microsoft.com/office/drawing/2014/main" id="{FF73C9AD-1FF0-D845-8421-CF030AFC2E2B}"/>
-              </a:ext>
-            </a:extLst>
-          </p:cNvPr>
-          <p:cNvPicPr>
-            <a:picLocks noChangeAspect="1"/>
-          </p:cNvPicPr>
+      <p:sp>
+        <p:nvSpPr>
+          <p:cNvPr id="10" name="TextBox 9">
+            <a:extLst>
+              <a:ext uri="{FF2B5EF4-FFF2-40B4-BE49-F238E27FC236}">
+                <a16:creationId xmlns:a16="http://schemas.microsoft.com/office/drawing/2014/main" id="{6FAF9FA8-F5E0-8344-BABF-6B028732143A}"/>
+              </a:ext>
+            </a:extLst>
+          </p:cNvPr>
+          <p:cNvSpPr txBox="1"/>
           <p:nvPr/>
-        </p:nvPicPr>
-        <p:blipFill>
-          <a:blip r:embed="rId2"/>
-          <a:stretch>
-            <a:fillRect/>
-          </a:stretch>
-        </p:blipFill>
-        <p:spPr>
-          <a:xfrm>
-            <a:off x="2807041" y="1601725"/>
-            <a:ext cx="6577918" cy="3758184"/>
+        </p:nvSpPr>
+        <p:spPr>
+          <a:xfrm>
+            <a:off x="524933" y="854242"/>
+            <a:ext cx="11142133" cy="1015663"/>
           </a:xfrm>
           <a:prstGeom prst="rect">
             <a:avLst/>
           </a:prstGeom>
-        </p:spPr>
-      </p:pic>
-      <p:sp>
-        <p:nvSpPr>
-          <p:cNvPr id="16" name="Subtitle 2">
-            <a:extLst>
-              <a:ext uri="{FF2B5EF4-FFF2-40B4-BE49-F238E27FC236}">
-                <a16:creationId xmlns:a16="http://schemas.microsoft.com/office/drawing/2014/main" id="{0EFB71A2-678F-C54F-9A57-21CA9DEB031D}"/>
-              </a:ext>
-            </a:extLst>
-          </p:cNvPr>
-          <p:cNvSpPr>
-            <a:spLocks noGrp="1"/>
-          </p:cNvSpPr>
-          <p:nvPr>
-            <p:ph type="subTitle" idx="1"/>
-          </p:nvPr>
-        </p:nvSpPr>
-        <p:spPr>
-          <a:xfrm>
-            <a:off x="1986465" y="600074"/>
-            <a:ext cx="2637693" cy="762000"/>
-          </a:xfrm>
-        </p:spPr>
-        <p:txBody>
-          <a:bodyPr anchor="t">
-            <a:normAutofit/>
+          <a:noFill/>
+        </p:spPr>
+        <p:txBody>
+          <a:bodyPr wrap="square" rtlCol="0">
+            <a:spAutoFit/>
           </a:bodyPr>
           <a:lstStyle/>
           <a:p>
-            <a:pPr algn="l"/>
-            <a:r>
-              <a:rPr lang="en-US" sz="3600" dirty="0">
+            <a:r>
+              <a:rPr lang="en-US" sz="6000" dirty="0">
                 <a:solidFill>
                   <a:srgbClr val="48607D"/>
                 </a:solidFill>
               </a:rPr>
-              <a:t>Team Zebra:</a:t>
-            </a:r>
-          </a:p>
-        </p:txBody>
-      </p:sp>
-      <p:sp>
-        <p:nvSpPr>
-          <p:cNvPr id="9" name="Rectangle 8">
-            <a:extLst>
-              <a:ext uri="{FF2B5EF4-FFF2-40B4-BE49-F238E27FC236}">
-                <a16:creationId xmlns:a16="http://schemas.microsoft.com/office/drawing/2014/main" id="{8F237105-8160-7445-B5F3-D93B7ED15BD6}"/>
+              <a:t>QUESTIONS</a:t>
+            </a:r>
+          </a:p>
+        </p:txBody>
+      </p:sp>
+      <p:sp>
+        <p:nvSpPr>
+          <p:cNvPr id="7" name="Rectangle 6">
+            <a:extLst>
+              <a:ext uri="{FF2B5EF4-FFF2-40B4-BE49-F238E27FC236}">
+                <a16:creationId xmlns:a16="http://schemas.microsoft.com/office/drawing/2014/main" id="{8C88652C-06BF-8D4B-BF0F-7EDAEA97ABAF}"/>
               </a:ext>
             </a:extLst>
           </p:cNvPr>
@@ -4530,28 +4590,27 @@
         </p:nvSpPr>
         <p:spPr>
           <a:xfrm>
-            <a:off x="4624159" y="600072"/>
-            <a:ext cx="6096000" cy="707886"/>
+            <a:off x="524932" y="2114521"/>
+            <a:ext cx="10905067" cy="584775"/>
           </a:xfrm>
           <a:prstGeom prst="rect">
             <a:avLst/>
           </a:prstGeom>
-        </p:spPr>
-        <p:txBody>
-          <a:bodyPr>
+          <a:solidFill>
+            <a:srgbClr val="575757">
+              <a:alpha val="50000"/>
+            </a:srgbClr>
+          </a:solidFill>
+        </p:spPr>
+        <p:txBody>
+          <a:bodyPr wrap="square">
             <a:spAutoFit/>
           </a:bodyPr>
           <a:lstStyle/>
           <a:p>
             <a:r>
-              <a:rPr lang="en-US" sz="2000" b="1" dirty="0"/>
-              <a:t>Kathryn Rigsby, Alvaro McRae,</a:t>
-            </a:r>
-          </a:p>
-          <a:p>
-            <a:r>
-              <a:rPr lang="en-US" sz="2000" b="1" dirty="0"/>
-              <a:t>Gage Thompson, Aaron Ecker</a:t>
+              <a:rPr lang="en-US" sz="3200" dirty="0"/>
+              <a:t>DOES ANYONE HAVE ANY QUESTIONS FOR US THIS EVENING?</a:t>
             </a:r>
           </a:p>
         </p:txBody>
@@ -4559,7 +4618,7 @@
     </p:spTree>
     <p:extLst>
       <p:ext uri="{BB962C8B-B14F-4D97-AF65-F5344CB8AC3E}">
-        <p14:creationId xmlns:p14="http://schemas.microsoft.com/office/powerpoint/2010/main" val="1148271400"/>
+        <p14:creationId xmlns:p14="http://schemas.microsoft.com/office/powerpoint/2010/main" val="320314992"/>
       </p:ext>
     </p:extLst>
   </p:cSld>
@@ -4569,7 +4628,7 @@
 </p:sld>
 </file>
 
-<file path=ppt/slides/slide3.xml><?xml version="1.0" encoding="utf-8"?>
+<file path=ppt/slides/slide2.xml><?xml version="1.0" encoding="utf-8"?>
 <p:sld xmlns:a="http://schemas.openxmlformats.org/drawingml/2006/main" xmlns:r="http://schemas.openxmlformats.org/officeDocument/2006/relationships" xmlns:p="http://schemas.openxmlformats.org/presentationml/2006/main">
   <p:cSld>
     <p:spTree>
@@ -4735,52 +4794,82 @@
           </a:p>
         </p:txBody>
       </p:sp>
-      <p:sp>
-        <p:nvSpPr>
-          <p:cNvPr id="10" name="TextBox 9">
-            <a:extLst>
-              <a:ext uri="{FF2B5EF4-FFF2-40B4-BE49-F238E27FC236}">
-                <a16:creationId xmlns:a16="http://schemas.microsoft.com/office/drawing/2014/main" id="{6FAF9FA8-F5E0-8344-BABF-6B028732143A}"/>
-              </a:ext>
-            </a:extLst>
-          </p:cNvPr>
-          <p:cNvSpPr txBox="1"/>
+      <p:pic>
+        <p:nvPicPr>
+          <p:cNvPr id="12" name="Picture 11" descr="A group of people posing for the camera&#10;&#10;Description automatically generated">
+            <a:extLst>
+              <a:ext uri="{FF2B5EF4-FFF2-40B4-BE49-F238E27FC236}">
+                <a16:creationId xmlns:a16="http://schemas.microsoft.com/office/drawing/2014/main" id="{FF73C9AD-1FF0-D845-8421-CF030AFC2E2B}"/>
+              </a:ext>
+            </a:extLst>
+          </p:cNvPr>
+          <p:cNvPicPr>
+            <a:picLocks noChangeAspect="1"/>
+          </p:cNvPicPr>
           <p:nvPr/>
-        </p:nvSpPr>
-        <p:spPr>
-          <a:xfrm>
-            <a:off x="524933" y="854242"/>
-            <a:ext cx="11142133" cy="1015663"/>
+        </p:nvPicPr>
+        <p:blipFill>
+          <a:blip r:embed="rId2"/>
+          <a:stretch>
+            <a:fillRect/>
+          </a:stretch>
+        </p:blipFill>
+        <p:spPr>
+          <a:xfrm>
+            <a:off x="2807041" y="1601725"/>
+            <a:ext cx="6577918" cy="3758184"/>
           </a:xfrm>
           <a:prstGeom prst="rect">
             <a:avLst/>
           </a:prstGeom>
-          <a:noFill/>
-        </p:spPr>
-        <p:txBody>
-          <a:bodyPr wrap="square" rtlCol="0">
-            <a:spAutoFit/>
+        </p:spPr>
+      </p:pic>
+      <p:sp>
+        <p:nvSpPr>
+          <p:cNvPr id="16" name="Subtitle 2">
+            <a:extLst>
+              <a:ext uri="{FF2B5EF4-FFF2-40B4-BE49-F238E27FC236}">
+                <a16:creationId xmlns:a16="http://schemas.microsoft.com/office/drawing/2014/main" id="{0EFB71A2-678F-C54F-9A57-21CA9DEB031D}"/>
+              </a:ext>
+            </a:extLst>
+          </p:cNvPr>
+          <p:cNvSpPr>
+            <a:spLocks noGrp="1"/>
+          </p:cNvSpPr>
+          <p:nvPr>
+            <p:ph type="subTitle" idx="1"/>
+          </p:nvPr>
+        </p:nvSpPr>
+        <p:spPr>
+          <a:xfrm>
+            <a:off x="1986465" y="600074"/>
+            <a:ext cx="2637693" cy="762000"/>
+          </a:xfrm>
+        </p:spPr>
+        <p:txBody>
+          <a:bodyPr anchor="t">
+            <a:normAutofit/>
           </a:bodyPr>
           <a:lstStyle/>
           <a:p>
-            <a:r>
-              <a:rPr lang="en-US" sz="6000" dirty="0">
+            <a:pPr algn="l"/>
+            <a:r>
+              <a:rPr lang="en-US" sz="3600" dirty="0">
                 <a:solidFill>
                   <a:srgbClr val="48607D"/>
                 </a:solidFill>
-                <a:latin typeface="Avenir Next Condensed" panose="020B0506020202020204" pitchFamily="34" charset="0"/>
               </a:rPr>
-              <a:t>HYPOTHESIS</a:t>
-            </a:r>
-          </a:p>
-        </p:txBody>
-      </p:sp>
-      <p:sp>
-        <p:nvSpPr>
-          <p:cNvPr id="7" name="Rectangle 6">
-            <a:extLst>
-              <a:ext uri="{FF2B5EF4-FFF2-40B4-BE49-F238E27FC236}">
-                <a16:creationId xmlns:a16="http://schemas.microsoft.com/office/drawing/2014/main" id="{8C88652C-06BF-8D4B-BF0F-7EDAEA97ABAF}"/>
+              <a:t>Team Zebra:</a:t>
+            </a:r>
+          </a:p>
+        </p:txBody>
+      </p:sp>
+      <p:sp>
+        <p:nvSpPr>
+          <p:cNvPr id="9" name="Rectangle 8">
+            <a:extLst>
+              <a:ext uri="{FF2B5EF4-FFF2-40B4-BE49-F238E27FC236}">
+                <a16:creationId xmlns:a16="http://schemas.microsoft.com/office/drawing/2014/main" id="{8F237105-8160-7445-B5F3-D93B7ED15BD6}"/>
               </a:ext>
             </a:extLst>
           </p:cNvPr>
@@ -4789,27 +4878,28 @@
         </p:nvSpPr>
         <p:spPr>
           <a:xfrm>
-            <a:off x="524932" y="2114521"/>
-            <a:ext cx="10905067" cy="4401205"/>
+            <a:off x="4624159" y="600072"/>
+            <a:ext cx="6096000" cy="707886"/>
           </a:xfrm>
           <a:prstGeom prst="rect">
             <a:avLst/>
           </a:prstGeom>
-          <a:solidFill>
-            <a:srgbClr val="575757">
-              <a:alpha val="50000"/>
-            </a:srgbClr>
-          </a:solidFill>
-        </p:spPr>
-        <p:txBody>
-          <a:bodyPr wrap="square">
+        </p:spPr>
+        <p:txBody>
+          <a:bodyPr>
             <a:spAutoFit/>
           </a:bodyPr>
           <a:lstStyle/>
           <a:p>
             <a:r>
-              <a:rPr lang="en-US" sz="2800" dirty="0"/>
-              <a:t>We believe that overall air quality, measured by Air Quality Index (AQI), has improved worldwide during the COVID-19 crisis and will explore this theme by researching data on air quality indexes before COVID-19 and throughout the crisis. In regions where the public health response has been strict, enacting policies such as travel bans and lockdowns, we expect to see improved levels of air quality. Conversely, regions that enacted less strict responses, we believe that air quality indexes will have improved at a lower rate. We also want to explore how air quality impacts the rate of infection, expecting to see a strong positive correlation of rates of infection(deaths) in regions with poorer air quality.</a:t>
+              <a:rPr lang="en-US" sz="2000" b="1" dirty="0"/>
+              <a:t>Kathryn Rigsby, Alvaro McRae,</a:t>
+            </a:r>
+          </a:p>
+          <a:p>
+            <a:r>
+              <a:rPr lang="en-US" sz="2000" b="1" dirty="0"/>
+              <a:t>Gage Thompson, Aaron Ecker</a:t>
             </a:r>
           </a:p>
         </p:txBody>
@@ -4817,7 +4907,7 @@
     </p:spTree>
     <p:extLst>
       <p:ext uri="{BB962C8B-B14F-4D97-AF65-F5344CB8AC3E}">
-        <p14:creationId xmlns:p14="http://schemas.microsoft.com/office/powerpoint/2010/main" val="1839433049"/>
+        <p14:creationId xmlns:p14="http://schemas.microsoft.com/office/powerpoint/2010/main" val="1148271400"/>
       </p:ext>
     </p:extLst>
   </p:cSld>
@@ -4827,7 +4917,7 @@
 </p:sld>
 </file>
 
-<file path=ppt/slides/slide4.xml><?xml version="1.0" encoding="utf-8"?>
+<file path=ppt/slides/slide3.xml><?xml version="1.0" encoding="utf-8"?>
 <p:sld xmlns:a="http://schemas.openxmlformats.org/drawingml/2006/main" xmlns:r="http://schemas.openxmlformats.org/officeDocument/2006/relationships" xmlns:p="http://schemas.openxmlformats.org/presentationml/2006/main">
   <p:cSld>
     <p:spTree>
@@ -5026,8 +5116,9 @@
                 <a:solidFill>
                   <a:srgbClr val="48607D"/>
                 </a:solidFill>
+                <a:latin typeface="Avenir Next Condensed" panose="020B0506020202020204" pitchFamily="34" charset="0"/>
               </a:rPr>
-              <a:t>MOTIVATION &amp; SUMMARY SLIDE</a:t>
+              <a:t>HYPOTHESIS</a:t>
             </a:r>
           </a:p>
         </p:txBody>
@@ -5047,7 +5138,7 @@
         <p:spPr>
           <a:xfrm>
             <a:off x="524932" y="2114521"/>
-            <a:ext cx="10905067" cy="1815882"/>
+            <a:ext cx="10905067" cy="4401205"/>
           </a:xfrm>
           <a:prstGeom prst="rect">
             <a:avLst/>
@@ -5064,41 +5155,9 @@
           </a:bodyPr>
           <a:lstStyle/>
           <a:p>
-            <a:pPr marL="457200" indent="-457200">
-              <a:buFont typeface="Arial" panose="020B0604020202020204" pitchFamily="34" charset="0"/>
-              <a:buChar char="•"/>
-            </a:pPr>
             <a:r>
               <a:rPr lang="en-US" sz="2800" dirty="0"/>
-              <a:t>Define the core message or hypothesis of your project. </a:t>
-            </a:r>
-          </a:p>
-          <a:p>
-            <a:pPr marL="457200" indent="-457200">
-              <a:buFont typeface="Arial" panose="020B0604020202020204" pitchFamily="34" charset="0"/>
-              <a:buChar char="•"/>
-            </a:pPr>
-            <a:r>
-              <a:rPr lang="en-US" sz="2800" dirty="0"/>
-              <a:t>Describe the questions you asked, and </a:t>
-            </a:r>
-            <a:r>
-              <a:rPr lang="en-US" sz="2800" i="1" dirty="0"/>
-              <a:t>why</a:t>
-            </a:r>
-            <a:r>
-              <a:rPr lang="en-US" sz="2800" dirty="0"/>
-              <a:t> you asked them </a:t>
-            </a:r>
-          </a:p>
-          <a:p>
-            <a:pPr marL="457200" indent="-457200">
-              <a:buFont typeface="Arial" panose="020B0604020202020204" pitchFamily="34" charset="0"/>
-              <a:buChar char="•"/>
-            </a:pPr>
-            <a:r>
-              <a:rPr lang="en-US" sz="2800" dirty="0"/>
-              <a:t>Describe whether you were able to answer these questions to your satisfaction, and briefly summarize your findings</a:t>
+              <a:t>We believe that overall air quality, measured by Air Quality Index (AQI), has improved worldwide during the COVID-19 crisis and will explore this theme by researching data on air quality indexes before COVID-19 and throughout the crisis. In regions where the public health response has been strict, enacting policies such as travel bans and lockdowns, we expect to see improved levels of air quality. Conversely, regions that enacted less strict responses, we believe that air quality indexes will have improved at a lower rate. We also want to explore how air quality impacts the rate of infection, expecting to see a strong positive correlation of rates of infection(deaths) in regions with poorer air quality.</a:t>
             </a:r>
           </a:p>
         </p:txBody>
@@ -5106,7 +5165,7 @@
     </p:spTree>
     <p:extLst>
       <p:ext uri="{BB962C8B-B14F-4D97-AF65-F5344CB8AC3E}">
-        <p14:creationId xmlns:p14="http://schemas.microsoft.com/office/powerpoint/2010/main" val="354989871"/>
+        <p14:creationId xmlns:p14="http://schemas.microsoft.com/office/powerpoint/2010/main" val="1839433049"/>
       </p:ext>
     </p:extLst>
   </p:cSld>
@@ -5116,7 +5175,7 @@
 </p:sld>
 </file>
 
-<file path=ppt/slides/slide5.xml><?xml version="1.0" encoding="utf-8"?>
+<file path=ppt/slides/slide4.xml><?xml version="1.0" encoding="utf-8"?>
 <p:sld xmlns:a="http://schemas.openxmlformats.org/drawingml/2006/main" xmlns:r="http://schemas.openxmlformats.org/officeDocument/2006/relationships" xmlns:p="http://schemas.openxmlformats.org/presentationml/2006/main">
   <p:cSld>
     <p:spTree>
@@ -5316,7 +5375,7 @@
                   <a:srgbClr val="48607D"/>
                 </a:solidFill>
               </a:rPr>
-              <a:t>QUESTIONS &amp; DATA</a:t>
+              <a:t>MOTIVATION &amp; SUMMARY SLIDE</a:t>
             </a:r>
           </a:p>
         </p:txBody>
@@ -5336,7 +5395,7 @@
         <p:spPr>
           <a:xfrm>
             <a:off x="524932" y="2114521"/>
-            <a:ext cx="10905067" cy="984885"/>
+            <a:ext cx="10905067" cy="4093428"/>
           </a:xfrm>
           <a:prstGeom prst="rect">
             <a:avLst/>
@@ -5359,15 +5418,98 @@
             </a:pPr>
             <a:r>
               <a:rPr lang="en-US" sz="2800" dirty="0"/>
-              <a:t>Elaborate on the questions you asked, describing what kinds of data you needed to answer them, and where you found it</a:t>
-            </a:r>
+              <a:t>Describe the questions you asked, and </a:t>
+            </a:r>
+            <a:r>
+              <a:rPr lang="en-US" sz="2800" i="1" dirty="0"/>
+              <a:t>why</a:t>
+            </a:r>
+            <a:r>
+              <a:rPr lang="en-US" sz="2800" dirty="0"/>
+              <a:t> you asked them </a:t>
+            </a:r>
+          </a:p>
+          <a:p>
+            <a:pPr marL="457200" indent="-457200">
+              <a:buFont typeface="Arial" panose="020B0604020202020204" pitchFamily="34" charset="0"/>
+              <a:buChar char="•"/>
+            </a:pPr>
+            <a:r>
+              <a:rPr lang="en-US" sz="2000" b="0" i="0" u="none" strike="noStrike" dirty="0">
+                <a:solidFill>
+                  <a:srgbClr val="000000"/>
+                </a:solidFill>
+                <a:effectLst/>
+                <a:latin typeface="Roboto"/>
+              </a:rPr>
+              <a:t>What is the correlation between air quality around the world and public health response to Novel Coronavirus?</a:t>
+            </a:r>
+          </a:p>
+          <a:p>
+            <a:pPr marL="914400" lvl="1" indent="-457200">
+              <a:buFont typeface="Arial" panose="020B0604020202020204" pitchFamily="34" charset="0"/>
+              <a:buChar char="•"/>
+            </a:pPr>
+            <a:r>
+              <a:rPr lang="en-US" sz="2000" dirty="0">
+                <a:solidFill>
+                  <a:srgbClr val="000000"/>
+                </a:solidFill>
+                <a:latin typeface="Roboto"/>
+              </a:rPr>
+              <a:t>To learn how various global public health responses to COVID19 affect AQI in different cities around the world</a:t>
+            </a:r>
+            <a:endParaRPr lang="en-US" sz="2800" dirty="0"/>
+          </a:p>
+          <a:p>
+            <a:pPr marL="457200" indent="-457200">
+              <a:buFont typeface="Arial" panose="020B0604020202020204" pitchFamily="34" charset="0"/>
+              <a:buChar char="•"/>
+            </a:pPr>
+            <a:r>
+              <a:rPr lang="en-US" sz="2800" dirty="0"/>
+              <a:t>Describe whether you were able to answer these questions to your satisfaction, and briefly summarize your findings</a:t>
+            </a:r>
+          </a:p>
+          <a:p>
+            <a:pPr marL="457200" indent="-457200">
+              <a:buFont typeface="Arial" panose="020B0604020202020204" pitchFamily="34" charset="0"/>
+              <a:buChar char="•"/>
+            </a:pPr>
+            <a:r>
+              <a:rPr lang="en-US" sz="2400" dirty="0">
+                <a:solidFill>
+                  <a:schemeClr val="bg1"/>
+                </a:solidFill>
+              </a:rPr>
+              <a:t>We used historical and current AQI data to compare levels of air quality in 16 cities around the world and found surprising trends. Generally, AQI was lower worldwide in 2020 from January to July. </a:t>
+            </a:r>
+          </a:p>
+          <a:p>
+            <a:pPr marL="457200" indent="-457200">
+              <a:buFont typeface="Arial" panose="020B0604020202020204" pitchFamily="34" charset="0"/>
+              <a:buChar char="•"/>
+            </a:pPr>
+            <a:r>
+              <a:rPr lang="en-US" sz="2400" dirty="0">
+                <a:solidFill>
+                  <a:schemeClr val="bg1"/>
+                </a:solidFill>
+              </a:rPr>
+              <a:t>Not statistically proven and further analysis needs to be made </a:t>
+            </a:r>
+            <a:endParaRPr lang="en-US" sz="2000" dirty="0">
+              <a:solidFill>
+                <a:schemeClr val="bg1"/>
+              </a:solidFill>
+            </a:endParaRPr>
           </a:p>
         </p:txBody>
       </p:sp>
     </p:spTree>
     <p:extLst>
       <p:ext uri="{BB962C8B-B14F-4D97-AF65-F5344CB8AC3E}">
-        <p14:creationId xmlns:p14="http://schemas.microsoft.com/office/powerpoint/2010/main" val="2598303805"/>
+        <p14:creationId xmlns:p14="http://schemas.microsoft.com/office/powerpoint/2010/main" val="354989871"/>
       </p:ext>
     </p:extLst>
   </p:cSld>
@@ -5377,9 +5519,36 @@
 </p:sld>
 </file>
 
-<file path=ppt/slides/slide6.xml><?xml version="1.0" encoding="utf-8"?>
+<file path=ppt/slides/slide5.xml><?xml version="1.0" encoding="utf-8"?>
 <p:sld xmlns:a="http://schemas.openxmlformats.org/drawingml/2006/main" xmlns:r="http://schemas.openxmlformats.org/officeDocument/2006/relationships" xmlns:p="http://schemas.openxmlformats.org/presentationml/2006/main">
   <p:cSld>
+    <p:bg>
+      <p:bgPr>
+        <a:blipFill dpi="0" rotWithShape="1">
+          <a:blip r:embed="rId2">
+            <a:extLst>
+              <a:ext uri="{BEBA8EAE-BF5A-486C-A8C5-ECC9F3942E4B}">
+                <a14:imgProps xmlns:a14="http://schemas.microsoft.com/office/drawing/2010/main">
+                  <a14:imgLayer r:embed="rId3">
+                    <a14:imgEffect>
+                      <a14:sharpenSoften amount="-100000"/>
+                    </a14:imgEffect>
+                    <a14:imgEffect>
+                      <a14:brightnessContrast bright="40000" contrast="20000"/>
+                    </a14:imgEffect>
+                  </a14:imgLayer>
+                </a14:imgProps>
+              </a:ext>
+            </a:extLst>
+          </a:blip>
+          <a:srcRect/>
+          <a:stretch>
+            <a:fillRect/>
+          </a:stretch>
+        </a:blipFill>
+        <a:effectLst/>
+      </p:bgPr>
+    </p:bg>
     <p:spTree>
       <p:nvGrpSpPr>
         <p:cNvPr id="1" name=""/>
@@ -5577,7 +5746,7 @@
                   <a:srgbClr val="48607D"/>
                 </a:solidFill>
               </a:rPr>
-              <a:t>DATA CLEANUP &amp; EXPLORATION</a:t>
+              <a:t>QUESTIONS &amp; DATA</a:t>
             </a:r>
           </a:p>
         </p:txBody>
@@ -5597,7 +5766,7 @@
         <p:spPr>
           <a:xfrm>
             <a:off x="524932" y="2114521"/>
-            <a:ext cx="10905067" cy="3108543"/>
+            <a:ext cx="10905067" cy="4185761"/>
           </a:xfrm>
           <a:prstGeom prst="rect">
             <a:avLst/>
@@ -5620,7 +5789,7 @@
             </a:pPr>
             <a:r>
               <a:rPr lang="en-US" sz="2800" dirty="0"/>
-              <a:t>Describe the exploration and cleanup process </a:t>
+              <a:t>Elaborate on the questions you asked, describing what kinds of data you needed to answer them, and where you found it</a:t>
             </a:r>
           </a:p>
           <a:p>
@@ -5629,8 +5798,14 @@
               <a:buChar char="•"/>
             </a:pPr>
             <a:r>
-              <a:rPr lang="en-US" sz="2800" dirty="0"/>
-              <a:t>Discuss insights you had while exploring the data that you didn't anticipate </a:t>
+              <a:rPr lang="en-US" sz="1800" b="0" i="0" u="none" strike="noStrike" dirty="0">
+                <a:solidFill>
+                  <a:srgbClr val="000000"/>
+                </a:solidFill>
+                <a:effectLst/>
+                <a:latin typeface="Roboto"/>
+              </a:rPr>
+              <a:t>What is the correlation between air quality around the world and public health response to Novel Coronavirus?</a:t>
             </a:r>
           </a:p>
           <a:p>
@@ -5639,34 +5814,76 @@
               <a:buChar char="•"/>
             </a:pPr>
             <a:r>
+              <a:rPr lang="en-US" b="0" i="0" dirty="0">
+                <a:solidFill>
+                  <a:srgbClr val="1D1C1D"/>
+                </a:solidFill>
+                <a:effectLst/>
+                <a:latin typeface="Roboto"/>
+              </a:rPr>
+              <a:t>We were able to obtain successful data from </a:t>
+            </a:r>
+            <a:r>
+              <a:rPr lang="en-US" b="0" i="0" u="none" strike="noStrike" dirty="0">
+                <a:effectLst/>
+                <a:latin typeface="Roboto"/>
+                <a:hlinkClick r:id="rId4">
+                  <a:extLst>
+                    <a:ext uri="{A12FA001-AC4F-418D-AE19-62706E023703}">
+                      <ahyp:hlinkClr xmlns:ahyp="http://schemas.microsoft.com/office/drawing/2018/hyperlinkcolor" val="tx"/>
+                    </a:ext>
+                  </a:extLst>
+                </a:hlinkClick>
+              </a:rPr>
+              <a:t>https://waqi.info</a:t>
+            </a:r>
+            <a:r>
+              <a:rPr lang="en-US" b="0" i="0" u="none" strike="noStrike" dirty="0">
+                <a:solidFill>
+                  <a:srgbClr val="898453"/>
+                </a:solidFill>
+                <a:effectLst/>
+                <a:latin typeface="Roboto"/>
+                <a:hlinkClick r:id="rId4">
+                  <a:extLst>
+                    <a:ext uri="{A12FA001-AC4F-418D-AE19-62706E023703}">
+                      <ahyp:hlinkClr xmlns:ahyp="http://schemas.microsoft.com/office/drawing/2018/hyperlinkcolor" val="tx"/>
+                    </a:ext>
+                  </a:extLst>
+                </a:hlinkClick>
+              </a:rPr>
+              <a:t>/</a:t>
+            </a:r>
+            <a:r>
+              <a:rPr lang="en-US" b="0" i="0" dirty="0">
+                <a:solidFill>
+                  <a:srgbClr val="1D1C1D"/>
+                </a:solidFill>
+                <a:effectLst/>
+                <a:latin typeface="Roboto"/>
+              </a:rPr>
+              <a:t>. From here, we pulled daily pm25 data from 16 major cities around the world via csv files and were able to convert pm25 to AQI. PM2.5 or Fine Particular Matter is an air pollutant that is a concern for people’s health when levels are too high and is also a universal measure of pollution. AQI is what governments use to report to the public how polluted the air currently is. The lower the AQI, the cleaner the air. </a:t>
+            </a:r>
+            <a:endParaRPr lang="en-US" b="0" dirty="0">
+              <a:effectLst/>
+              <a:latin typeface="Roboto"/>
+            </a:endParaRPr>
+          </a:p>
+          <a:p>
+            <a:br>
               <a:rPr lang="en-US" sz="2800" dirty="0"/>
-              <a:t>Discuss any problems that arose after exploring the data, and how you resolved them </a:t>
-            </a:r>
-          </a:p>
-          <a:p>
-            <a:pPr marL="457200" indent="-457200">
-              <a:buFont typeface="Arial" panose="020B0604020202020204" pitchFamily="34" charset="0"/>
-              <a:buChar char="•"/>
-            </a:pPr>
-            <a:r>
-              <a:rPr lang="en-US" sz="2800" dirty="0"/>
-              <a:t>Present and discuss interesting figures developed during exploration, ideally with the help of </a:t>
-            </a:r>
-            <a:r>
-              <a:rPr lang="en-US" sz="2800" dirty="0" err="1"/>
-              <a:t>Jupyter</a:t>
-            </a:r>
-            <a:r>
-              <a:rPr lang="en-US" sz="2800" dirty="0"/>
-              <a:t> Notebook</a:t>
-            </a:r>
+            </a:br>
+            <a:endParaRPr lang="en-US" sz="2800" dirty="0"/>
+          </a:p>
+          <a:p>
+            <a:endParaRPr lang="en-US" sz="2800" dirty="0"/>
           </a:p>
         </p:txBody>
       </p:sp>
     </p:spTree>
     <p:extLst>
       <p:ext uri="{BB962C8B-B14F-4D97-AF65-F5344CB8AC3E}">
-        <p14:creationId xmlns:p14="http://schemas.microsoft.com/office/powerpoint/2010/main" val="1906421391"/>
+        <p14:creationId xmlns:p14="http://schemas.microsoft.com/office/powerpoint/2010/main" val="2598303805"/>
       </p:ext>
     </p:extLst>
   </p:cSld>
@@ -5676,7 +5893,7 @@
 </p:sld>
 </file>
 
-<file path=ppt/slides/slide7.xml><?xml version="1.0" encoding="utf-8"?>
+<file path=ppt/slides/slide6.xml><?xml version="1.0" encoding="utf-8"?>
 <p:sld xmlns:a="http://schemas.openxmlformats.org/drawingml/2006/main" xmlns:r="http://schemas.openxmlformats.org/officeDocument/2006/relationships" xmlns:p="http://schemas.openxmlformats.org/presentationml/2006/main">
   <p:cSld>
     <p:spTree>
@@ -5876,7 +6093,7 @@
                   <a:srgbClr val="48607D"/>
                 </a:solidFill>
               </a:rPr>
-              <a:t>DATA ANALYSIS</a:t>
+              <a:t>DATA CLEANUP &amp; EXPLORATION</a:t>
             </a:r>
           </a:p>
         </p:txBody>
@@ -5896,7 +6113,7 @@
         <p:spPr>
           <a:xfrm>
             <a:off x="524932" y="2114521"/>
-            <a:ext cx="10905067" cy="1815882"/>
+            <a:ext cx="10905067" cy="4585871"/>
           </a:xfrm>
           <a:prstGeom prst="rect">
             <a:avLst/>
@@ -5913,39 +6130,192 @@
           </a:bodyPr>
           <a:lstStyle/>
           <a:p>
-            <a:pPr marL="857250" indent="-857250">
+            <a:pPr marL="457200" indent="-457200">
               <a:buFont typeface="Arial" panose="020B0604020202020204" pitchFamily="34" charset="0"/>
               <a:buChar char="•"/>
             </a:pPr>
             <a:r>
-              <a:rPr lang="en-US" sz="2800" dirty="0"/>
-              <a:t>Discuss the steps you took to analyze the data and answer each question you asked in your proposal</a:t>
-            </a:r>
-          </a:p>
-          <a:p>
-            <a:pPr marL="857250" indent="-857250">
+              <a:rPr lang="en-US" sz="2400" dirty="0"/>
+              <a:t>Exploration and cleanup process </a:t>
+            </a:r>
+          </a:p>
+          <a:p>
+            <a:pPr marL="457200" indent="-457200">
               <a:buFont typeface="Arial" panose="020B0604020202020204" pitchFamily="34" charset="0"/>
               <a:buChar char="•"/>
             </a:pPr>
             <a:r>
-              <a:rPr lang="en-US" sz="2800" dirty="0"/>
-              <a:t>Present and discuss interesting figures developed during analysis, ideally with the help of </a:t>
-            </a:r>
-            <a:r>
-              <a:rPr lang="en-US" sz="2800" dirty="0" err="1"/>
-              <a:t>Jupyter</a:t>
-            </a:r>
-            <a:r>
-              <a:rPr lang="en-US" sz="2800" dirty="0"/>
-              <a:t> Notebook</a:t>
-            </a:r>
+              <a:rPr lang="en-US" sz="2000" dirty="0">
+                <a:solidFill>
+                  <a:schemeClr val="bg1"/>
+                </a:solidFill>
+              </a:rPr>
+              <a:t>Countries selected representing the various public health responses ranging from:</a:t>
+            </a:r>
+          </a:p>
+          <a:p>
+            <a:pPr marL="914400" lvl="1" indent="-457200">
+              <a:buFont typeface="Arial" panose="020B0604020202020204" pitchFamily="34" charset="0"/>
+              <a:buChar char="•"/>
+            </a:pPr>
+            <a:r>
+              <a:rPr lang="en-US" sz="2000" dirty="0">
+                <a:solidFill>
+                  <a:schemeClr val="bg1"/>
+                </a:solidFill>
+              </a:rPr>
+              <a:t>Lockdowns: China, Italy, India, South Korea  </a:t>
+            </a:r>
+          </a:p>
+          <a:p>
+            <a:pPr marL="914400" lvl="1" indent="-457200">
+              <a:buFont typeface="Arial" panose="020B0604020202020204" pitchFamily="34" charset="0"/>
+              <a:buChar char="•"/>
+            </a:pPr>
+            <a:r>
+              <a:rPr lang="en-US" sz="2000" dirty="0">
+                <a:solidFill>
+                  <a:schemeClr val="bg1"/>
+                </a:solidFill>
+              </a:rPr>
+              <a:t>Recommending Social distancing/Decisions made regionally: US, Australia</a:t>
+            </a:r>
+          </a:p>
+          <a:p>
+            <a:pPr marL="914400" lvl="1" indent="-457200">
+              <a:buFont typeface="Arial" panose="020B0604020202020204" pitchFamily="34" charset="0"/>
+              <a:buChar char="•"/>
+            </a:pPr>
+            <a:r>
+              <a:rPr lang="en-US" sz="2000" dirty="0">
+                <a:solidFill>
+                  <a:schemeClr val="bg1"/>
+                </a:solidFill>
+              </a:rPr>
+              <a:t>Preserving open economy: Sweden</a:t>
+            </a:r>
+          </a:p>
+          <a:p>
+            <a:pPr marL="457200" indent="-457200">
+              <a:buFont typeface="Arial" panose="020B0604020202020204" pitchFamily="34" charset="0"/>
+              <a:buChar char="•"/>
+            </a:pPr>
+            <a:r>
+              <a:rPr lang="en-US" sz="2000" dirty="0">
+                <a:solidFill>
+                  <a:schemeClr val="bg1"/>
+                </a:solidFill>
+              </a:rPr>
+              <a:t> Finding historical AQI rates in 16 cities over the same timespan as COVID-19</a:t>
+            </a:r>
+          </a:p>
+          <a:p>
+            <a:pPr marL="457200" indent="-457200">
+              <a:buFont typeface="Arial" panose="020B0604020202020204" pitchFamily="34" charset="0"/>
+              <a:buChar char="•"/>
+            </a:pPr>
+            <a:r>
+              <a:rPr lang="en-US" sz="2000" dirty="0">
+                <a:solidFill>
+                  <a:schemeClr val="bg1"/>
+                </a:solidFill>
+              </a:rPr>
+              <a:t>AQI data: aggregating mean AQI</a:t>
+            </a:r>
+          </a:p>
+          <a:p>
+            <a:pPr marL="457200" indent="-457200">
+              <a:buFont typeface="Arial" panose="020B0604020202020204" pitchFamily="34" charset="0"/>
+              <a:buChar char="•"/>
+            </a:pPr>
+            <a:r>
+              <a:rPr lang="en-US" sz="2000" dirty="0">
+                <a:solidFill>
+                  <a:schemeClr val="bg1"/>
+                </a:solidFill>
+              </a:rPr>
+              <a:t>Selecting a measure to explore how AQI might correlate with COVID-19: number of deaths</a:t>
+            </a:r>
+          </a:p>
+          <a:p>
+            <a:pPr marL="457200" indent="-457200">
+              <a:buFont typeface="Arial" panose="020B0604020202020204" pitchFamily="34" charset="0"/>
+              <a:buChar char="•"/>
+            </a:pPr>
+            <a:r>
+              <a:rPr lang="en-US" sz="2400" dirty="0"/>
+              <a:t>Insights while exploring the data</a:t>
+            </a:r>
+          </a:p>
+          <a:p>
+            <a:pPr marL="457200" indent="-457200">
+              <a:buFont typeface="Arial" panose="020B0604020202020204" pitchFamily="34" charset="0"/>
+              <a:buChar char="•"/>
+            </a:pPr>
+            <a:r>
+              <a:rPr lang="en-US" sz="2000" dirty="0">
+                <a:solidFill>
+                  <a:schemeClr val="bg1"/>
+                </a:solidFill>
+              </a:rPr>
+              <a:t> Air pollution determined by several measures. We selected PM2.5 and converted to AQI</a:t>
+            </a:r>
+          </a:p>
+          <a:p>
+            <a:pPr marL="457200" indent="-457200">
+              <a:buFont typeface="Arial" panose="020B0604020202020204" pitchFamily="34" charset="0"/>
+              <a:buChar char="•"/>
+            </a:pPr>
+            <a:r>
+              <a:rPr lang="en-US" sz="2000" dirty="0">
+                <a:solidFill>
+                  <a:schemeClr val="bg1"/>
+                </a:solidFill>
+              </a:rPr>
+              <a:t>Not all cities had same amount observation points, lack of data for certain year or months</a:t>
+            </a:r>
+          </a:p>
+          <a:p>
+            <a:pPr marL="457200" indent="-457200">
+              <a:buFont typeface="Arial" panose="020B0604020202020204" pitchFamily="34" charset="0"/>
+              <a:buChar char="•"/>
+            </a:pPr>
+            <a:r>
+              <a:rPr lang="en-US" sz="2000" dirty="0">
+                <a:solidFill>
+                  <a:schemeClr val="bg1"/>
+                </a:solidFill>
+              </a:rPr>
+              <a:t>COVID-deaths were collected by cumulative deaths, not daily</a:t>
+            </a:r>
+          </a:p>
+          <a:p>
+            <a:pPr marL="457200" indent="-457200">
+              <a:buFont typeface="Arial" panose="020B0604020202020204" pitchFamily="34" charset="0"/>
+              <a:buChar char="•"/>
+            </a:pPr>
+            <a:r>
+              <a:rPr lang="en-US" sz="2000" dirty="0">
+                <a:solidFill>
+                  <a:schemeClr val="bg1"/>
+                </a:solidFill>
+              </a:rPr>
+              <a:t>Plotting categorical data </a:t>
+            </a:r>
+          </a:p>
+          <a:p>
+            <a:pPr marL="457200" indent="-457200">
+              <a:buFont typeface="Arial" panose="020B0604020202020204" pitchFamily="34" charset="0"/>
+              <a:buChar char="•"/>
+            </a:pPr>
+            <a:endParaRPr lang="en-US" sz="2400" dirty="0"/>
           </a:p>
         </p:txBody>
       </p:sp>
     </p:spTree>
     <p:extLst>
       <p:ext uri="{BB962C8B-B14F-4D97-AF65-F5344CB8AC3E}">
-        <p14:creationId xmlns:p14="http://schemas.microsoft.com/office/powerpoint/2010/main" val="371008687"/>
+        <p14:creationId xmlns:p14="http://schemas.microsoft.com/office/powerpoint/2010/main" val="1906421391"/>
       </p:ext>
     </p:extLst>
   </p:cSld>
@@ -5955,7 +6325,7 @@
 </p:sld>
 </file>
 
-<file path=ppt/slides/slide8.xml><?xml version="1.0" encoding="utf-8"?>
+<file path=ppt/slides/slide7.xml><?xml version="1.0" encoding="utf-8"?>
 <p:sld xmlns:a="http://schemas.openxmlformats.org/drawingml/2006/main" xmlns:r="http://schemas.openxmlformats.org/officeDocument/2006/relationships" xmlns:p="http://schemas.openxmlformats.org/presentationml/2006/main">
   <p:cSld>
     <p:spTree>
@@ -6155,7 +6525,7 @@
                   <a:srgbClr val="48607D"/>
                 </a:solidFill>
               </a:rPr>
-              <a:t>DISCUSSION</a:t>
+              <a:t>DATA CLEANUP &amp; EXPLORATION</a:t>
             </a:r>
           </a:p>
         </p:txBody>
@@ -6175,7 +6545,7 @@
         <p:spPr>
           <a:xfrm>
             <a:off x="524932" y="2114521"/>
-            <a:ext cx="10905067" cy="1384995"/>
+            <a:ext cx="10905067" cy="2492990"/>
           </a:xfrm>
           <a:prstGeom prst="rect">
             <a:avLst/>
@@ -6192,21 +6562,40 @@
           </a:bodyPr>
           <a:lstStyle/>
           <a:p>
-            <a:pPr marL="857250" indent="-857250">
+            <a:pPr marL="457200" indent="-457200">
               <a:buFont typeface="Arial" panose="020B0604020202020204" pitchFamily="34" charset="0"/>
               <a:buChar char="•"/>
             </a:pPr>
             <a:r>
-              <a:rPr lang="en-US" sz="2800" dirty="0"/>
-              <a:t>Discuss your findings. Did you find what you expected to find? If not, why not? What inferences or general conclusions can you draw from your analysis?</a:t>
-            </a:r>
+              <a:rPr lang="en-US" sz="2400" dirty="0"/>
+              <a:t>Discuss any problems that arose after exploring the data, and how you resolved them </a:t>
+            </a:r>
+          </a:p>
+          <a:p>
+            <a:pPr marL="457200" indent="-457200">
+              <a:buFont typeface="Arial" panose="020B0604020202020204" pitchFamily="34" charset="0"/>
+              <a:buChar char="•"/>
+            </a:pPr>
+            <a:r>
+              <a:rPr lang="en-US" b="0" i="0" dirty="0">
+                <a:solidFill>
+                  <a:srgbClr val="1D1C1D"/>
+                </a:solidFill>
+                <a:effectLst/>
+                <a:latin typeface="Roboto"/>
+              </a:rPr>
+              <a:t>The main issue that arose was that there was not enough data for some cities. For example, Moscow and Johannesburg did not have enough daily data to compute our average monthly AQI calculations. Fortunately, there was enough data in 2020 for every city. The years prior to 2020 were used for comparison. Furthermore, we wanted to compare the years that COVID-19 was non-existent to the year that it was existent. Because of this, we had to use data from different years that did have enough data for us to work with.</a:t>
+            </a:r>
+            <a:endParaRPr lang="en-US" dirty="0">
+              <a:latin typeface="Roboto"/>
+            </a:endParaRPr>
           </a:p>
         </p:txBody>
       </p:sp>
     </p:spTree>
     <p:extLst>
       <p:ext uri="{BB962C8B-B14F-4D97-AF65-F5344CB8AC3E}">
-        <p14:creationId xmlns:p14="http://schemas.microsoft.com/office/powerpoint/2010/main" val="2427263753"/>
+        <p14:creationId xmlns:p14="http://schemas.microsoft.com/office/powerpoint/2010/main" val="2070413014"/>
       </p:ext>
     </p:extLst>
   </p:cSld>
@@ -6216,7 +6605,7 @@
 </p:sld>
 </file>
 
-<file path=ppt/slides/slide9.xml><?xml version="1.0" encoding="utf-8"?>
+<file path=ppt/slides/slide8.xml><?xml version="1.0" encoding="utf-8"?>
 <p:sld xmlns:a="http://schemas.openxmlformats.org/drawingml/2006/main" xmlns:r="http://schemas.openxmlformats.org/officeDocument/2006/relationships" xmlns:p="http://schemas.openxmlformats.org/presentationml/2006/main">
   <p:cSld>
     <p:spTree>
@@ -6416,7 +6805,7 @@
                   <a:srgbClr val="48607D"/>
                 </a:solidFill>
               </a:rPr>
-              <a:t>PROJECT POST MORTEM</a:t>
+              <a:t>DATA ANALYSIS</a:t>
             </a:r>
           </a:p>
         </p:txBody>
@@ -6436,7 +6825,7 @@
         <p:spPr>
           <a:xfrm>
             <a:off x="524932" y="2114521"/>
-            <a:ext cx="10905067" cy="1815882"/>
+            <a:ext cx="10905067" cy="3508653"/>
           </a:xfrm>
           <a:prstGeom prst="rect">
             <a:avLst/>
@@ -6458,8 +6847,8 @@
               <a:buChar char="•"/>
             </a:pPr>
             <a:r>
-              <a:rPr lang="en-US" sz="2800" dirty="0"/>
-              <a:t>Discuss any difficulties that arose, and how you dealt with them </a:t>
+              <a:rPr lang="en-US" sz="2400" dirty="0"/>
+              <a:t>Discuss the steps you took to analyze the data and answer each question you asked in your proposal</a:t>
             </a:r>
           </a:p>
           <a:p>
@@ -6468,8 +6857,35 @@
               <a:buChar char="•"/>
             </a:pPr>
             <a:r>
-              <a:rPr lang="en-US" sz="2800" dirty="0"/>
-              <a:t>Discuss any additional questions that came up, but which you didn't have time to answer: What would you research next, if you had two more weeks?</a:t>
+              <a:rPr lang="en-US" b="0" i="0" dirty="0">
+                <a:solidFill>
+                  <a:srgbClr val="1D1C1D"/>
+                </a:solidFill>
+                <a:effectLst/>
+                <a:latin typeface="Roboto"/>
+              </a:rPr>
+              <a:t>The first step was to find and import the correct csv’s. It was important to find daily data for 2020 and daily data for a couple of years prior to 2020. The next big step was cleaning our data, setting it up into data frames, and figuring out our AQI numbers. We did this buy converting the daily PM2.5 numbers into monthly AQI numbers. After we had monthly AQI numbers for 2020 and the years leading up to it, it was easy to plot our info into line charts, showing historical AQI trends for each city. Also, we were able to create a heat map of the levels of AQI from each city over the years using an API.</a:t>
+            </a:r>
+            <a:endParaRPr lang="en-US" dirty="0">
+              <a:latin typeface="Roboto"/>
+            </a:endParaRPr>
+          </a:p>
+          <a:p>
+            <a:pPr marL="857250" indent="-857250">
+              <a:buFont typeface="Arial" panose="020B0604020202020204" pitchFamily="34" charset="0"/>
+              <a:buChar char="•"/>
+            </a:pPr>
+            <a:r>
+              <a:rPr lang="en-US" sz="2400" dirty="0"/>
+              <a:t>Present and discuss interesting figures developed during analysis, ideally with the help of </a:t>
+            </a:r>
+            <a:r>
+              <a:rPr lang="en-US" sz="2400" dirty="0" err="1"/>
+              <a:t>Jupyter</a:t>
+            </a:r>
+            <a:r>
+              <a:rPr lang="en-US" sz="2400" dirty="0"/>
+              <a:t> Notebook</a:t>
             </a:r>
           </a:p>
         </p:txBody>
@@ -6477,7 +6893,285 @@
     </p:spTree>
     <p:extLst>
       <p:ext uri="{BB962C8B-B14F-4D97-AF65-F5344CB8AC3E}">
-        <p14:creationId xmlns:p14="http://schemas.microsoft.com/office/powerpoint/2010/main" val="2674845039"/>
+        <p14:creationId xmlns:p14="http://schemas.microsoft.com/office/powerpoint/2010/main" val="371008687"/>
+      </p:ext>
+    </p:extLst>
+  </p:cSld>
+  <p:clrMapOvr>
+    <a:masterClrMapping/>
+  </p:clrMapOvr>
+</p:sld>
+</file>
+
+<file path=ppt/slides/slide9.xml><?xml version="1.0" encoding="utf-8"?>
+<p:sld xmlns:a="http://schemas.openxmlformats.org/drawingml/2006/main" xmlns:r="http://schemas.openxmlformats.org/officeDocument/2006/relationships" xmlns:p="http://schemas.openxmlformats.org/presentationml/2006/main">
+  <p:cSld>
+    <p:spTree>
+      <p:nvGrpSpPr>
+        <p:cNvPr id="1" name=""/>
+        <p:cNvGrpSpPr/>
+        <p:nvPr/>
+      </p:nvGrpSpPr>
+      <p:grpSpPr>
+        <a:xfrm>
+          <a:off x="0" y="0"/>
+          <a:ext cx="0" cy="0"/>
+          <a:chOff x="0" y="0"/>
+          <a:chExt cx="0" cy="0"/>
+        </a:xfrm>
+      </p:grpSpPr>
+      <p:sp useBgFill="1">
+        <p:nvSpPr>
+          <p:cNvPr id="13" name="Rectangle 8">
+            <a:extLst>
+              <a:ext uri="{FF2B5EF4-FFF2-40B4-BE49-F238E27FC236}">
+                <a16:creationId xmlns:a16="http://schemas.microsoft.com/office/drawing/2014/main" id="{9B37791B-B040-4694-BFDC-8DD132D86E8E}"/>
+              </a:ext>
+              <a:ext uri="{C183D7F6-B498-43B3-948B-1728B52AA6E4}">
+                <adec:decorative xmlns:adec="http://schemas.microsoft.com/office/drawing/2017/decorative" val="1"/>
+              </a:ext>
+            </a:extLst>
+          </p:cNvPr>
+          <p:cNvSpPr>
+            <a:spLocks noGrp="1" noRot="1" noChangeAspect="1" noMove="1" noResize="1" noEditPoints="1" noAdjustHandles="1" noChangeArrowheads="1" noChangeShapeType="1" noTextEdit="1"/>
+          </p:cNvSpPr>
+          <p:nvPr>
+            <p:extLst>
+              <p:ext uri="{386F3935-93C4-4BCD-93E2-E3B085C9AB24}">
+                <p16:designElem xmlns:p16="http://schemas.microsoft.com/office/powerpoint/2015/main" val="1"/>
+              </p:ext>
+            </p:extLst>
+          </p:nvPr>
+        </p:nvSpPr>
+        <p:spPr>
+          <a:xfrm>
+            <a:off x="0" y="0"/>
+            <a:ext cx="12192000" cy="6858000"/>
+          </a:xfrm>
+          <a:prstGeom prst="rect">
+            <a:avLst/>
+          </a:prstGeom>
+          <a:ln w="12700" cap="flat" cmpd="sng" algn="ctr">
+            <a:noFill/>
+            <a:prstDash val="solid"/>
+            <a:miter lim="800000"/>
+          </a:ln>
+          <a:effectLst/>
+        </p:spPr>
+        <p:style>
+          <a:lnRef idx="2">
+            <a:schemeClr val="accent1">
+              <a:shade val="50000"/>
+            </a:schemeClr>
+          </a:lnRef>
+          <a:fillRef idx="1">
+            <a:schemeClr val="accent1"/>
+          </a:fillRef>
+          <a:effectRef idx="0">
+            <a:schemeClr val="accent1"/>
+          </a:effectRef>
+          <a:fontRef idx="minor">
+            <a:schemeClr val="lt1"/>
+          </a:fontRef>
+        </p:style>
+        <p:txBody>
+          <a:bodyPr rtlCol="0" anchor="ctr"/>
+          <a:lstStyle/>
+          <a:p>
+            <a:pPr algn="ctr"/>
+            <a:endParaRPr lang="en-US"/>
+          </a:p>
+        </p:txBody>
+      </p:sp>
+      <p:sp>
+        <p:nvSpPr>
+          <p:cNvPr id="15" name="Rectangle 10">
+            <a:extLst>
+              <a:ext uri="{FF2B5EF4-FFF2-40B4-BE49-F238E27FC236}">
+                <a16:creationId xmlns:a16="http://schemas.microsoft.com/office/drawing/2014/main" id="{F0F395FD-89E0-4B7B-95B1-C6DC06DE9DB3}"/>
+              </a:ext>
+              <a:ext uri="{C183D7F6-B498-43B3-948B-1728B52AA6E4}">
+                <adec:decorative xmlns:adec="http://schemas.microsoft.com/office/drawing/2017/decorative" val="1"/>
+              </a:ext>
+            </a:extLst>
+          </p:cNvPr>
+          <p:cNvSpPr>
+            <a:spLocks noGrp="1" noRot="1" noChangeAspect="1" noMove="1" noResize="1" noEditPoints="1" noAdjustHandles="1" noChangeArrowheads="1" noChangeShapeType="1" noTextEdit="1"/>
+          </p:cNvSpPr>
+          <p:nvPr>
+            <p:extLst>
+              <p:ext uri="{386F3935-93C4-4BCD-93E2-E3B085C9AB24}">
+                <p16:designElem xmlns:p16="http://schemas.microsoft.com/office/powerpoint/2015/main" val="1"/>
+              </p:ext>
+            </p:extLst>
+          </p:nvPr>
+        </p:nvSpPr>
+        <p:spPr>
+          <a:xfrm>
+            <a:off x="0" y="1362074"/>
+            <a:ext cx="12192001" cy="4733924"/>
+          </a:xfrm>
+          <a:prstGeom prst="rect">
+            <a:avLst/>
+          </a:prstGeom>
+          <a:gradFill flip="none" rotWithShape="1">
+            <a:gsLst>
+              <a:gs pos="41000">
+                <a:srgbClr val="000000">
+                  <a:alpha val="30000"/>
+                </a:srgbClr>
+              </a:gs>
+              <a:gs pos="60000">
+                <a:srgbClr val="000000">
+                  <a:alpha val="30000"/>
+                </a:srgbClr>
+              </a:gs>
+              <a:gs pos="0">
+                <a:schemeClr val="bg1">
+                  <a:alpha val="0"/>
+                </a:schemeClr>
+              </a:gs>
+              <a:gs pos="100000">
+                <a:schemeClr val="bg1">
+                  <a:alpha val="0"/>
+                </a:schemeClr>
+              </a:gs>
+            </a:gsLst>
+            <a:lin ang="5400000" scaled="1"/>
+            <a:tileRect/>
+          </a:gradFill>
+          <a:ln>
+            <a:noFill/>
+          </a:ln>
+        </p:spPr>
+        <p:style>
+          <a:lnRef idx="2">
+            <a:schemeClr val="accent1">
+              <a:shade val="50000"/>
+            </a:schemeClr>
+          </a:lnRef>
+          <a:fillRef idx="1">
+            <a:schemeClr val="accent1"/>
+          </a:fillRef>
+          <a:effectRef idx="0">
+            <a:schemeClr val="accent1"/>
+          </a:effectRef>
+          <a:fontRef idx="minor">
+            <a:schemeClr val="lt1"/>
+          </a:fontRef>
+        </p:style>
+        <p:txBody>
+          <a:bodyPr rtlCol="0" anchor="ctr"/>
+          <a:lstStyle/>
+          <a:p>
+            <a:pPr algn="ctr"/>
+            <a:endParaRPr lang="en-US"/>
+          </a:p>
+        </p:txBody>
+      </p:sp>
+      <p:sp>
+        <p:nvSpPr>
+          <p:cNvPr id="10" name="TextBox 9">
+            <a:extLst>
+              <a:ext uri="{FF2B5EF4-FFF2-40B4-BE49-F238E27FC236}">
+                <a16:creationId xmlns:a16="http://schemas.microsoft.com/office/drawing/2014/main" id="{6FAF9FA8-F5E0-8344-BABF-6B028732143A}"/>
+              </a:ext>
+            </a:extLst>
+          </p:cNvPr>
+          <p:cNvSpPr txBox="1"/>
+          <p:nvPr/>
+        </p:nvSpPr>
+        <p:spPr>
+          <a:xfrm>
+            <a:off x="524933" y="854242"/>
+            <a:ext cx="11142133" cy="1015663"/>
+          </a:xfrm>
+          <a:prstGeom prst="rect">
+            <a:avLst/>
+          </a:prstGeom>
+          <a:noFill/>
+        </p:spPr>
+        <p:txBody>
+          <a:bodyPr wrap="square" rtlCol="0">
+            <a:spAutoFit/>
+          </a:bodyPr>
+          <a:lstStyle/>
+          <a:p>
+            <a:r>
+              <a:rPr lang="en-US" sz="6000" dirty="0">
+                <a:solidFill>
+                  <a:srgbClr val="48607D"/>
+                </a:solidFill>
+              </a:rPr>
+              <a:t>DISCUSSION/FINDINGS</a:t>
+            </a:r>
+          </a:p>
+        </p:txBody>
+      </p:sp>
+      <p:sp>
+        <p:nvSpPr>
+          <p:cNvPr id="7" name="Rectangle 6">
+            <a:extLst>
+              <a:ext uri="{FF2B5EF4-FFF2-40B4-BE49-F238E27FC236}">
+                <a16:creationId xmlns:a16="http://schemas.microsoft.com/office/drawing/2014/main" id="{8C88652C-06BF-8D4B-BF0F-7EDAEA97ABAF}"/>
+              </a:ext>
+            </a:extLst>
+          </p:cNvPr>
+          <p:cNvSpPr/>
+          <p:nvPr/>
+        </p:nvSpPr>
+        <p:spPr>
+          <a:xfrm>
+            <a:off x="524932" y="2114521"/>
+            <a:ext cx="10905067" cy="3477875"/>
+          </a:xfrm>
+          <a:prstGeom prst="rect">
+            <a:avLst/>
+          </a:prstGeom>
+          <a:solidFill>
+            <a:srgbClr val="575757">
+              <a:alpha val="50000"/>
+            </a:srgbClr>
+          </a:solidFill>
+        </p:spPr>
+        <p:txBody>
+          <a:bodyPr wrap="square">
+            <a:spAutoFit/>
+          </a:bodyPr>
+          <a:lstStyle/>
+          <a:p>
+            <a:pPr marL="857250" indent="-857250">
+              <a:buFont typeface="Arial" panose="020B0604020202020204" pitchFamily="34" charset="0"/>
+              <a:buChar char="•"/>
+            </a:pPr>
+            <a:r>
+              <a:rPr lang="en-US" sz="2800" dirty="0"/>
+              <a:t>Findings/Inferences/General conclusions</a:t>
+            </a:r>
+          </a:p>
+          <a:p>
+            <a:pPr marL="857250" indent="-857250">
+              <a:buFont typeface="Arial" panose="020B0604020202020204" pitchFamily="34" charset="0"/>
+              <a:buChar char="•"/>
+            </a:pPr>
+            <a:r>
+              <a:rPr lang="en-US" sz="2400" b="0" i="0" dirty="0">
+                <a:solidFill>
+                  <a:srgbClr val="1D1C1D"/>
+                </a:solidFill>
+                <a:effectLst/>
+                <a:latin typeface="Slack-Lato"/>
+              </a:rPr>
+              <a:t>For the most part, our hypothesis was generally true: the Air Quality Index was lower on average for the most part of 2020 for most cities, and in the instances that this is not true, there most likely was another variable that kept AQI up that we weren’t able to dive into more in depth: ordnances relating to COVID19 and areas’ reaction to the pandemic, fluctuating weather patterns and geographical limitations, and policies during this time which may have “backfired” in preventing COVID and/or decreased the Air Quality as a side effect</a:t>
+            </a:r>
+            <a:endParaRPr lang="en-US" sz="2400" dirty="0"/>
+          </a:p>
+        </p:txBody>
+      </p:sp>
+    </p:spTree>
+    <p:extLst>
+      <p:ext uri="{BB962C8B-B14F-4D97-AF65-F5344CB8AC3E}">
+        <p14:creationId xmlns:p14="http://schemas.microsoft.com/office/powerpoint/2010/main" val="2427263753"/>
       </p:ext>
     </p:extLst>
   </p:cSld>

--- a/Presentation_Slides.pptx
+++ b/Presentation_Slides.pptx
@@ -5395,7 +5395,7 @@
         <p:spPr>
           <a:xfrm>
             <a:off x="524932" y="2114521"/>
-            <a:ext cx="10905067" cy="4093428"/>
+            <a:ext cx="10905067" cy="3847207"/>
           </a:xfrm>
           <a:prstGeom prst="rect">
             <a:avLst/>
@@ -5459,7 +5459,9 @@
               </a:rPr>
               <a:t>To learn how various global public health responses to COVID19 affect AQI in different cities around the world</a:t>
             </a:r>
-            <a:endParaRPr lang="en-US" sz="2800" dirty="0"/>
+            <a:endParaRPr lang="en-US" sz="2800" dirty="0">
+              <a:latin typeface="Roboto"/>
+            </a:endParaRPr>
           </a:p>
           <a:p>
             <a:pPr marL="457200" indent="-457200">
@@ -5477,10 +5479,11 @@
               <a:buChar char="•"/>
             </a:pPr>
             <a:r>
-              <a:rPr lang="en-US" sz="2400" dirty="0">
+              <a:rPr lang="en-US" sz="2000" dirty="0">
                 <a:solidFill>
                   <a:schemeClr val="bg1"/>
                 </a:solidFill>
+                <a:latin typeface="Roboto"/>
               </a:rPr>
               <a:t>We used historical and current AQI data to compare levels of air quality in 16 cities around the world and found surprising trends. Generally, AQI was lower worldwide in 2020 from January to July. </a:t>
             </a:r>
@@ -5491,17 +5494,19 @@
               <a:buChar char="•"/>
             </a:pPr>
             <a:r>
-              <a:rPr lang="en-US" sz="2400" dirty="0">
+              <a:rPr lang="en-US" sz="2000" dirty="0">
                 <a:solidFill>
                   <a:schemeClr val="bg1"/>
                 </a:solidFill>
+                <a:latin typeface="Roboto"/>
               </a:rPr>
               <a:t>Not statistically proven and further analysis needs to be made </a:t>
             </a:r>
-            <a:endParaRPr lang="en-US" sz="2000" dirty="0">
+            <a:endParaRPr lang="en-US" dirty="0">
               <a:solidFill>
                 <a:schemeClr val="bg1"/>
               </a:solidFill>
+              <a:latin typeface="Roboto"/>
             </a:endParaRPr>
           </a:p>
         </p:txBody>
@@ -6113,7 +6118,7 @@
         <p:spPr>
           <a:xfrm>
             <a:off x="524932" y="2114521"/>
-            <a:ext cx="10905067" cy="4585871"/>
+            <a:ext cx="10905067" cy="4216539"/>
           </a:xfrm>
           <a:prstGeom prst="rect">
             <a:avLst/>
@@ -6300,15 +6305,8 @@
                   <a:schemeClr val="bg1"/>
                 </a:solidFill>
               </a:rPr>
-              <a:t>Plotting categorical data </a:t>
-            </a:r>
-          </a:p>
-          <a:p>
-            <a:pPr marL="457200" indent="-457200">
-              <a:buFont typeface="Arial" panose="020B0604020202020204" pitchFamily="34" charset="0"/>
-              <a:buChar char="•"/>
-            </a:pPr>
-            <a:endParaRPr lang="en-US" sz="2400" dirty="0"/>
+              <a:t>Quantifying categorical data (COVID responses) to get a statistical analysis</a:t>
+            </a:r>
           </a:p>
         </p:txBody>
       </p:sp>

--- a/Presentation_Slides.pptx
+++ b/Presentation_Slides.pptx
@@ -5,7 +5,7 @@
     <p:sldMasterId id="2147483744" r:id="rId1"/>
   </p:sldMasterIdLst>
   <p:notesMasterIdLst>
-    <p:notesMasterId r:id="rId12"/>
+    <p:notesMasterId r:id="rId14"/>
   </p:notesMasterIdLst>
   <p:sldIdLst>
     <p:sldId id="268" r:id="rId2"/>
@@ -14,10 +14,12 @@
     <p:sldId id="269" r:id="rId5"/>
     <p:sldId id="270" r:id="rId6"/>
     <p:sldId id="271" r:id="rId7"/>
-    <p:sldId id="272" r:id="rId8"/>
-    <p:sldId id="273" r:id="rId9"/>
-    <p:sldId id="274" r:id="rId10"/>
-    <p:sldId id="275" r:id="rId11"/>
+    <p:sldId id="276" r:id="rId8"/>
+    <p:sldId id="272" r:id="rId9"/>
+    <p:sldId id="277" r:id="rId10"/>
+    <p:sldId id="273" r:id="rId11"/>
+    <p:sldId id="274" r:id="rId12"/>
+    <p:sldId id="275" r:id="rId13"/>
   </p:sldIdLst>
   <p:sldSz cx="12192000" cy="6858000"/>
   <p:notesSz cx="6858000" cy="9144000"/>
@@ -4223,7 +4225,7 @@
                   <a:srgbClr val="48607D"/>
                 </a:solidFill>
               </a:rPr>
-              <a:t>QUESTIONS</a:t>
+              <a:t>DISCUSSION/FINDINGS</a:t>
             </a:r>
           </a:p>
         </p:txBody>
@@ -4243,7 +4245,7 @@
         <p:spPr>
           <a:xfrm>
             <a:off x="524932" y="2114521"/>
-            <a:ext cx="10905067" cy="584775"/>
+            <a:ext cx="10905067" cy="3477875"/>
           </a:xfrm>
           <a:prstGeom prst="rect">
             <a:avLst/>
@@ -4260,17 +4262,38 @@
           </a:bodyPr>
           <a:lstStyle/>
           <a:p>
-            <a:r>
-              <a:rPr lang="en-US" sz="3200" dirty="0"/>
-              <a:t>DOES ANYONE HAVE ANY QUESTIONS FOR US THIS EVENING?</a:t>
-            </a:r>
+            <a:pPr marL="857250" indent="-857250">
+              <a:buFont typeface="Arial" panose="020B0604020202020204" pitchFamily="34" charset="0"/>
+              <a:buChar char="•"/>
+            </a:pPr>
+            <a:r>
+              <a:rPr lang="en-US" sz="2800" dirty="0"/>
+              <a:t>Findings/Inferences/General conclusions</a:t>
+            </a:r>
+          </a:p>
+          <a:p>
+            <a:pPr marL="857250" indent="-857250">
+              <a:buFont typeface="Arial" panose="020B0604020202020204" pitchFamily="34" charset="0"/>
+              <a:buChar char="•"/>
+            </a:pPr>
+            <a:r>
+              <a:rPr lang="en-US" sz="2400" b="0" i="0" dirty="0">
+                <a:solidFill>
+                  <a:srgbClr val="1D1C1D"/>
+                </a:solidFill>
+                <a:effectLst/>
+                <a:latin typeface="Slack-Lato"/>
+              </a:rPr>
+              <a:t>For the most part, our hypothesis was generally true: the Air Quality Index was lower on average for the most part of 2020 for most cities, and in the instances that this is not true, there most likely was another variable that kept AQI up that we weren’t able to dive into more in depth: ordnances relating to COVID19 and areas’ reaction to the pandemic, fluctuating weather patterns and geographical limitations, and policies during this time which may have “backfired” in preventing COVID and/or decreased the Air Quality as a side effect</a:t>
+            </a:r>
+            <a:endParaRPr lang="en-US" sz="2400" dirty="0"/>
           </a:p>
         </p:txBody>
       </p:sp>
     </p:spTree>
     <p:extLst>
       <p:ext uri="{BB962C8B-B14F-4D97-AF65-F5344CB8AC3E}">
-        <p14:creationId xmlns:p14="http://schemas.microsoft.com/office/powerpoint/2010/main" val="320314992"/>
+        <p14:creationId xmlns:p14="http://schemas.microsoft.com/office/powerpoint/2010/main" val="2427263753"/>
       </p:ext>
     </p:extLst>
   </p:cSld>
@@ -4280,7 +4303,7 @@
 </p:sld>
 </file>
 
-<file path=ppt/slides/slide2.xml><?xml version="1.0" encoding="utf-8"?>
+<file path=ppt/slides/slide11.xml><?xml version="1.0" encoding="utf-8"?>
 <p:sld xmlns:a="http://schemas.openxmlformats.org/drawingml/2006/main" xmlns:r="http://schemas.openxmlformats.org/officeDocument/2006/relationships" xmlns:p="http://schemas.openxmlformats.org/presentationml/2006/main">
   <p:cSld>
     <p:spTree>
@@ -4446,82 +4469,51 @@
           </a:p>
         </p:txBody>
       </p:sp>
-      <p:pic>
-        <p:nvPicPr>
-          <p:cNvPr id="12" name="Picture 11" descr="A group of people posing for the camera&#10;&#10;Description automatically generated">
-            <a:extLst>
-              <a:ext uri="{FF2B5EF4-FFF2-40B4-BE49-F238E27FC236}">
-                <a16:creationId xmlns:a16="http://schemas.microsoft.com/office/drawing/2014/main" id="{FF73C9AD-1FF0-D845-8421-CF030AFC2E2B}"/>
-              </a:ext>
-            </a:extLst>
-          </p:cNvPr>
-          <p:cNvPicPr>
-            <a:picLocks noChangeAspect="1"/>
-          </p:cNvPicPr>
+      <p:sp>
+        <p:nvSpPr>
+          <p:cNvPr id="10" name="TextBox 9">
+            <a:extLst>
+              <a:ext uri="{FF2B5EF4-FFF2-40B4-BE49-F238E27FC236}">
+                <a16:creationId xmlns:a16="http://schemas.microsoft.com/office/drawing/2014/main" id="{6FAF9FA8-F5E0-8344-BABF-6B028732143A}"/>
+              </a:ext>
+            </a:extLst>
+          </p:cNvPr>
+          <p:cNvSpPr txBox="1"/>
           <p:nvPr/>
-        </p:nvPicPr>
-        <p:blipFill>
-          <a:blip r:embed="rId2"/>
-          <a:stretch>
-            <a:fillRect/>
-          </a:stretch>
-        </p:blipFill>
-        <p:spPr>
-          <a:xfrm>
-            <a:off x="2807041" y="1601725"/>
-            <a:ext cx="6577918" cy="3758184"/>
+        </p:nvSpPr>
+        <p:spPr>
+          <a:xfrm>
+            <a:off x="524933" y="854242"/>
+            <a:ext cx="11142133" cy="1015663"/>
           </a:xfrm>
           <a:prstGeom prst="rect">
             <a:avLst/>
           </a:prstGeom>
-        </p:spPr>
-      </p:pic>
-      <p:sp>
-        <p:nvSpPr>
-          <p:cNvPr id="16" name="Subtitle 2">
-            <a:extLst>
-              <a:ext uri="{FF2B5EF4-FFF2-40B4-BE49-F238E27FC236}">
-                <a16:creationId xmlns:a16="http://schemas.microsoft.com/office/drawing/2014/main" id="{0EFB71A2-678F-C54F-9A57-21CA9DEB031D}"/>
-              </a:ext>
-            </a:extLst>
-          </p:cNvPr>
-          <p:cNvSpPr>
-            <a:spLocks noGrp="1"/>
-          </p:cNvSpPr>
-          <p:nvPr>
-            <p:ph type="subTitle" idx="1"/>
-          </p:nvPr>
-        </p:nvSpPr>
-        <p:spPr>
-          <a:xfrm>
-            <a:off x="1986465" y="600074"/>
-            <a:ext cx="2637693" cy="762000"/>
-          </a:xfrm>
-        </p:spPr>
-        <p:txBody>
-          <a:bodyPr anchor="t">
-            <a:normAutofit/>
+          <a:noFill/>
+        </p:spPr>
+        <p:txBody>
+          <a:bodyPr wrap="square" rtlCol="0">
+            <a:spAutoFit/>
           </a:bodyPr>
           <a:lstStyle/>
           <a:p>
-            <a:pPr algn="l"/>
-            <a:r>
-              <a:rPr lang="en-US" sz="3600" dirty="0">
+            <a:r>
+              <a:rPr lang="en-US" sz="6000" dirty="0">
                 <a:solidFill>
                   <a:srgbClr val="48607D"/>
                 </a:solidFill>
               </a:rPr>
-              <a:t>Team Zebra:</a:t>
-            </a:r>
-          </a:p>
-        </p:txBody>
-      </p:sp>
-      <p:sp>
-        <p:nvSpPr>
-          <p:cNvPr id="9" name="Rectangle 8">
-            <a:extLst>
-              <a:ext uri="{FF2B5EF4-FFF2-40B4-BE49-F238E27FC236}">
-                <a16:creationId xmlns:a16="http://schemas.microsoft.com/office/drawing/2014/main" id="{8F237105-8160-7445-B5F3-D93B7ED15BD6}"/>
+              <a:t>PROJECT POST MORTEM</a:t>
+            </a:r>
+          </a:p>
+        </p:txBody>
+      </p:sp>
+      <p:sp>
+        <p:nvSpPr>
+          <p:cNvPr id="7" name="Rectangle 6">
+            <a:extLst>
+              <a:ext uri="{FF2B5EF4-FFF2-40B4-BE49-F238E27FC236}">
+                <a16:creationId xmlns:a16="http://schemas.microsoft.com/office/drawing/2014/main" id="{8C88652C-06BF-8D4B-BF0F-7EDAEA97ABAF}"/>
               </a:ext>
             </a:extLst>
           </p:cNvPr>
@@ -4530,28 +4522,117 @@
         </p:nvSpPr>
         <p:spPr>
           <a:xfrm>
-            <a:off x="4624159" y="600072"/>
-            <a:ext cx="6096000" cy="707886"/>
+            <a:off x="524932" y="2114521"/>
+            <a:ext cx="10905067" cy="2677656"/>
           </a:xfrm>
           <a:prstGeom prst="rect">
             <a:avLst/>
           </a:prstGeom>
-        </p:spPr>
-        <p:txBody>
-          <a:bodyPr>
+          <a:solidFill>
+            <a:srgbClr val="575757">
+              <a:alpha val="50000"/>
+            </a:srgbClr>
+          </a:solidFill>
+        </p:spPr>
+        <p:txBody>
+          <a:bodyPr wrap="square">
             <a:spAutoFit/>
           </a:bodyPr>
           <a:lstStyle/>
           <a:p>
-            <a:r>
-              <a:rPr lang="en-US" sz="2000" b="1" dirty="0"/>
-              <a:t>Kathryn Rigsby, Alvaro McRae,</a:t>
-            </a:r>
-          </a:p>
-          <a:p>
-            <a:r>
-              <a:rPr lang="en-US" sz="2000" b="1" dirty="0"/>
-              <a:t>Gage Thompson, Aaron Ecker</a:t>
+            <a:pPr marL="857250" indent="-857250">
+              <a:buFont typeface="Arial" panose="020B0604020202020204" pitchFamily="34" charset="0"/>
+              <a:buChar char="•"/>
+            </a:pPr>
+            <a:r>
+              <a:rPr lang="en-US" sz="2400" dirty="0"/>
+              <a:t>What would you research next, if you had two more weeks?</a:t>
+            </a:r>
+          </a:p>
+          <a:p>
+            <a:pPr marL="857250" indent="-857250">
+              <a:buFont typeface="Arial" panose="020B0604020202020204" pitchFamily="34" charset="0"/>
+              <a:buChar char="•"/>
+            </a:pPr>
+            <a:r>
+              <a:rPr lang="en-US" dirty="0">
+                <a:solidFill>
+                  <a:schemeClr val="bg1"/>
+                </a:solidFill>
+              </a:rPr>
+              <a:t>Plotting our AQI data against the recoveries, deaths, and confirmed cases in each country to gain an insight on the correlation of Air Quality Index on COVID-19</a:t>
+            </a:r>
+          </a:p>
+          <a:p>
+            <a:pPr marL="857250" indent="-857250">
+              <a:buFont typeface="Arial" panose="020B0604020202020204" pitchFamily="34" charset="0"/>
+              <a:buChar char="•"/>
+            </a:pPr>
+            <a:r>
+              <a:rPr lang="en-US" dirty="0">
+                <a:solidFill>
+                  <a:schemeClr val="bg1"/>
+                </a:solidFill>
+              </a:rPr>
+              <a:t>Finding other data we could use to find relevant correlations between AQI: transportation, number of commuters on the road, manufacturing industries</a:t>
+            </a:r>
+          </a:p>
+          <a:p>
+            <a:pPr marL="857250" indent="-857250">
+              <a:buFont typeface="Arial" panose="020B0604020202020204" pitchFamily="34" charset="0"/>
+              <a:buChar char="•"/>
+            </a:pPr>
+            <a:r>
+              <a:rPr lang="en-US" dirty="0">
+                <a:solidFill>
+                  <a:schemeClr val="bg1"/>
+                </a:solidFill>
+              </a:rPr>
+              <a:t>Observe other environmental measures: water pollution </a:t>
+            </a:r>
+          </a:p>
+          <a:p>
+            <a:pPr marL="857250" indent="-857250">
+              <a:buFont typeface="Arial" panose="020B0604020202020204" pitchFamily="34" charset="0"/>
+              <a:buChar char="•"/>
+            </a:pPr>
+            <a:r>
+              <a:rPr lang="en-US" dirty="0">
+                <a:solidFill>
+                  <a:schemeClr val="bg1"/>
+                </a:solidFill>
+              </a:rPr>
+              <a:t>Report out statistical inferences </a:t>
+            </a:r>
+          </a:p>
+          <a:p>
+            <a:pPr marL="857250" indent="-857250">
+              <a:buFont typeface="Arial" panose="020B0604020202020204" pitchFamily="34" charset="0"/>
+              <a:buChar char="•"/>
+            </a:pPr>
+            <a:r>
+              <a:rPr lang="en-US" dirty="0">
+                <a:solidFill>
+                  <a:schemeClr val="bg1"/>
+                </a:solidFill>
+              </a:rPr>
+              <a:t>Account for other variables impacting AQI: population, natural vs man-made factors in pollution, city location (port city, inland, </a:t>
+            </a:r>
+            <a:r>
+              <a:rPr lang="en-US" dirty="0" err="1">
+                <a:solidFill>
+                  <a:schemeClr val="bg1"/>
+                </a:solidFill>
+              </a:rPr>
+              <a:t>etc</a:t>
+            </a:r>
+            <a:r>
+              <a:rPr lang="en-US" dirty="0">
+                <a:solidFill>
+                  <a:schemeClr val="bg1"/>
+                </a:solidFill>
+              </a:rPr>
+              <a:t>)</a:t>
             </a:r>
           </a:p>
         </p:txBody>
@@ -4559,7 +4640,7 @@
     </p:spTree>
     <p:extLst>
       <p:ext uri="{BB962C8B-B14F-4D97-AF65-F5344CB8AC3E}">
-        <p14:creationId xmlns:p14="http://schemas.microsoft.com/office/powerpoint/2010/main" val="1148271400"/>
+        <p14:creationId xmlns:p14="http://schemas.microsoft.com/office/powerpoint/2010/main" val="2674845039"/>
       </p:ext>
     </p:extLst>
   </p:cSld>
@@ -4569,7 +4650,7 @@
 </p:sld>
 </file>
 
-<file path=ppt/slides/slide3.xml><?xml version="1.0" encoding="utf-8"?>
+<file path=ppt/slides/slide12.xml><?xml version="1.0" encoding="utf-8"?>
 <p:sld xmlns:a="http://schemas.openxmlformats.org/drawingml/2006/main" xmlns:r="http://schemas.openxmlformats.org/officeDocument/2006/relationships" xmlns:p="http://schemas.openxmlformats.org/presentationml/2006/main">
   <p:cSld>
     <p:spTree>
@@ -4768,9 +4849,8 @@
                 <a:solidFill>
                   <a:srgbClr val="48607D"/>
                 </a:solidFill>
-                <a:latin typeface="Avenir Next Condensed" panose="020B0506020202020204" pitchFamily="34" charset="0"/>
               </a:rPr>
-              <a:t>HYPOTHESIS</a:t>
+              <a:t>QUESTIONS</a:t>
             </a:r>
           </a:p>
         </p:txBody>
@@ -4790,7 +4870,7 @@
         <p:spPr>
           <a:xfrm>
             <a:off x="524932" y="2114521"/>
-            <a:ext cx="10905067" cy="4401205"/>
+            <a:ext cx="10905067" cy="584775"/>
           </a:xfrm>
           <a:prstGeom prst="rect">
             <a:avLst/>
@@ -4808,8 +4888,8 @@
           <a:lstStyle/>
           <a:p>
             <a:r>
-              <a:rPr lang="en-US" sz="2800" dirty="0"/>
-              <a:t>We believe that overall air quality, measured by Air Quality Index (AQI), has improved worldwide during the COVID-19 crisis and will explore this theme by researching data on air quality indexes before COVID-19 and throughout the crisis. In regions where the public health response has been strict, enacting policies such as travel bans and lockdowns, we expect to see improved levels of air quality. Conversely, regions that enacted less strict responses, we believe that air quality indexes will have improved at a lower rate. We also want to explore how air quality impacts the rate of infection, expecting to see a strong positive correlation of rates of infection(deaths) in regions with poorer air quality.</a:t>
+              <a:rPr lang="en-US" sz="3200" dirty="0"/>
+              <a:t>DOES ANYONE HAVE ANY QUESTIONS FOR US THIS EVENING?</a:t>
             </a:r>
           </a:p>
         </p:txBody>
@@ -4817,7 +4897,7 @@
     </p:spTree>
     <p:extLst>
       <p:ext uri="{BB962C8B-B14F-4D97-AF65-F5344CB8AC3E}">
-        <p14:creationId xmlns:p14="http://schemas.microsoft.com/office/powerpoint/2010/main" val="1839433049"/>
+        <p14:creationId xmlns:p14="http://schemas.microsoft.com/office/powerpoint/2010/main" val="320314992"/>
       </p:ext>
     </p:extLst>
   </p:cSld>
@@ -4827,7 +4907,7 @@
 </p:sld>
 </file>
 
-<file path=ppt/slides/slide4.xml><?xml version="1.0" encoding="utf-8"?>
+<file path=ppt/slides/slide2.xml><?xml version="1.0" encoding="utf-8"?>
 <p:sld xmlns:a="http://schemas.openxmlformats.org/drawingml/2006/main" xmlns:r="http://schemas.openxmlformats.org/officeDocument/2006/relationships" xmlns:p="http://schemas.openxmlformats.org/presentationml/2006/main">
   <p:cSld>
     <p:spTree>
@@ -4993,51 +5073,82 @@
           </a:p>
         </p:txBody>
       </p:sp>
-      <p:sp>
-        <p:nvSpPr>
-          <p:cNvPr id="10" name="TextBox 9">
-            <a:extLst>
-              <a:ext uri="{FF2B5EF4-FFF2-40B4-BE49-F238E27FC236}">
-                <a16:creationId xmlns:a16="http://schemas.microsoft.com/office/drawing/2014/main" id="{6FAF9FA8-F5E0-8344-BABF-6B028732143A}"/>
-              </a:ext>
-            </a:extLst>
-          </p:cNvPr>
-          <p:cNvSpPr txBox="1"/>
+      <p:pic>
+        <p:nvPicPr>
+          <p:cNvPr id="12" name="Picture 11" descr="A group of people posing for the camera&#10;&#10;Description automatically generated">
+            <a:extLst>
+              <a:ext uri="{FF2B5EF4-FFF2-40B4-BE49-F238E27FC236}">
+                <a16:creationId xmlns:a16="http://schemas.microsoft.com/office/drawing/2014/main" id="{FF73C9AD-1FF0-D845-8421-CF030AFC2E2B}"/>
+              </a:ext>
+            </a:extLst>
+          </p:cNvPr>
+          <p:cNvPicPr>
+            <a:picLocks noChangeAspect="1"/>
+          </p:cNvPicPr>
           <p:nvPr/>
-        </p:nvSpPr>
-        <p:spPr>
-          <a:xfrm>
-            <a:off x="524933" y="854242"/>
-            <a:ext cx="11142133" cy="1015663"/>
+        </p:nvPicPr>
+        <p:blipFill>
+          <a:blip r:embed="rId2"/>
+          <a:stretch>
+            <a:fillRect/>
+          </a:stretch>
+        </p:blipFill>
+        <p:spPr>
+          <a:xfrm>
+            <a:off x="2807041" y="1601725"/>
+            <a:ext cx="6577918" cy="3758184"/>
           </a:xfrm>
           <a:prstGeom prst="rect">
             <a:avLst/>
           </a:prstGeom>
-          <a:noFill/>
-        </p:spPr>
-        <p:txBody>
-          <a:bodyPr wrap="square" rtlCol="0">
-            <a:spAutoFit/>
+        </p:spPr>
+      </p:pic>
+      <p:sp>
+        <p:nvSpPr>
+          <p:cNvPr id="16" name="Subtitle 2">
+            <a:extLst>
+              <a:ext uri="{FF2B5EF4-FFF2-40B4-BE49-F238E27FC236}">
+                <a16:creationId xmlns:a16="http://schemas.microsoft.com/office/drawing/2014/main" id="{0EFB71A2-678F-C54F-9A57-21CA9DEB031D}"/>
+              </a:ext>
+            </a:extLst>
+          </p:cNvPr>
+          <p:cNvSpPr>
+            <a:spLocks noGrp="1"/>
+          </p:cNvSpPr>
+          <p:nvPr>
+            <p:ph type="subTitle" idx="1"/>
+          </p:nvPr>
+        </p:nvSpPr>
+        <p:spPr>
+          <a:xfrm>
+            <a:off x="1986465" y="600074"/>
+            <a:ext cx="2637693" cy="762000"/>
+          </a:xfrm>
+        </p:spPr>
+        <p:txBody>
+          <a:bodyPr anchor="t">
+            <a:normAutofit/>
           </a:bodyPr>
           <a:lstStyle/>
           <a:p>
-            <a:r>
-              <a:rPr lang="en-US" sz="6000" dirty="0">
+            <a:pPr algn="l"/>
+            <a:r>
+              <a:rPr lang="en-US" sz="3600" dirty="0">
                 <a:solidFill>
                   <a:srgbClr val="48607D"/>
                 </a:solidFill>
               </a:rPr>
-              <a:t>MOTIVATION &amp; SUMMARY SLIDE</a:t>
-            </a:r>
-          </a:p>
-        </p:txBody>
-      </p:sp>
-      <p:sp>
-        <p:nvSpPr>
-          <p:cNvPr id="7" name="Rectangle 6">
-            <a:extLst>
-              <a:ext uri="{FF2B5EF4-FFF2-40B4-BE49-F238E27FC236}">
-                <a16:creationId xmlns:a16="http://schemas.microsoft.com/office/drawing/2014/main" id="{8C88652C-06BF-8D4B-BF0F-7EDAEA97ABAF}"/>
+              <a:t>Team Zebra:</a:t>
+            </a:r>
+          </a:p>
+        </p:txBody>
+      </p:sp>
+      <p:sp>
+        <p:nvSpPr>
+          <p:cNvPr id="9" name="Rectangle 8">
+            <a:extLst>
+              <a:ext uri="{FF2B5EF4-FFF2-40B4-BE49-F238E27FC236}">
+                <a16:creationId xmlns:a16="http://schemas.microsoft.com/office/drawing/2014/main" id="{8F237105-8160-7445-B5F3-D93B7ED15BD6}"/>
               </a:ext>
             </a:extLst>
           </p:cNvPr>
@@ -5046,59 +5157,28 @@
         </p:nvSpPr>
         <p:spPr>
           <a:xfrm>
-            <a:off x="524932" y="2114521"/>
-            <a:ext cx="10905067" cy="1815882"/>
+            <a:off x="4624159" y="600072"/>
+            <a:ext cx="6096000" cy="707886"/>
           </a:xfrm>
           <a:prstGeom prst="rect">
             <a:avLst/>
           </a:prstGeom>
-          <a:solidFill>
-            <a:srgbClr val="575757">
-              <a:alpha val="50000"/>
-            </a:srgbClr>
-          </a:solidFill>
-        </p:spPr>
-        <p:txBody>
-          <a:bodyPr wrap="square">
+        </p:spPr>
+        <p:txBody>
+          <a:bodyPr>
             <a:spAutoFit/>
           </a:bodyPr>
           <a:lstStyle/>
           <a:p>
-            <a:pPr marL="457200" indent="-457200">
-              <a:buFont typeface="Arial" panose="020B0604020202020204" pitchFamily="34" charset="0"/>
-              <a:buChar char="•"/>
-            </a:pPr>
-            <a:r>
-              <a:rPr lang="en-US" sz="2800" dirty="0"/>
-              <a:t>Define the core message or hypothesis of your project. </a:t>
-            </a:r>
-          </a:p>
-          <a:p>
-            <a:pPr marL="457200" indent="-457200">
-              <a:buFont typeface="Arial" panose="020B0604020202020204" pitchFamily="34" charset="0"/>
-              <a:buChar char="•"/>
-            </a:pPr>
-            <a:r>
-              <a:rPr lang="en-US" sz="2800" dirty="0"/>
-              <a:t>Describe the questions you asked, and </a:t>
-            </a:r>
-            <a:r>
-              <a:rPr lang="en-US" sz="2800" i="1" dirty="0"/>
-              <a:t>why</a:t>
-            </a:r>
-            <a:r>
-              <a:rPr lang="en-US" sz="2800" dirty="0"/>
-              <a:t> you asked them </a:t>
-            </a:r>
-          </a:p>
-          <a:p>
-            <a:pPr marL="457200" indent="-457200">
-              <a:buFont typeface="Arial" panose="020B0604020202020204" pitchFamily="34" charset="0"/>
-              <a:buChar char="•"/>
-            </a:pPr>
-            <a:r>
-              <a:rPr lang="en-US" sz="2800" dirty="0"/>
-              <a:t>Describe whether you were able to answer these questions to your satisfaction, and briefly summarize your findings</a:t>
+            <a:r>
+              <a:rPr lang="en-US" sz="2000" b="1" dirty="0"/>
+              <a:t>Kathryn Rigsby, Alvaro McRae,</a:t>
+            </a:r>
+          </a:p>
+          <a:p>
+            <a:r>
+              <a:rPr lang="en-US" sz="2000" b="1" dirty="0"/>
+              <a:t>Gage Thompson, Aaron Ecker</a:t>
             </a:r>
           </a:p>
         </p:txBody>
@@ -5106,7 +5186,7 @@
     </p:spTree>
     <p:extLst>
       <p:ext uri="{BB962C8B-B14F-4D97-AF65-F5344CB8AC3E}">
-        <p14:creationId xmlns:p14="http://schemas.microsoft.com/office/powerpoint/2010/main" val="354989871"/>
+        <p14:creationId xmlns:p14="http://schemas.microsoft.com/office/powerpoint/2010/main" val="1148271400"/>
       </p:ext>
     </p:extLst>
   </p:cSld>
@@ -5116,7 +5196,7 @@
 </p:sld>
 </file>
 
-<file path=ppt/slides/slide5.xml><?xml version="1.0" encoding="utf-8"?>
+<file path=ppt/slides/slide3.xml><?xml version="1.0" encoding="utf-8"?>
 <p:sld xmlns:a="http://schemas.openxmlformats.org/drawingml/2006/main" xmlns:r="http://schemas.openxmlformats.org/officeDocument/2006/relationships" xmlns:p="http://schemas.openxmlformats.org/presentationml/2006/main">
   <p:cSld>
     <p:spTree>
@@ -5315,8 +5395,9 @@
                 <a:solidFill>
                   <a:srgbClr val="48607D"/>
                 </a:solidFill>
+                <a:latin typeface="Avenir Next Condensed" panose="020B0506020202020204" pitchFamily="34" charset="0"/>
               </a:rPr>
-              <a:t>QUESTIONS &amp; DATA</a:t>
+              <a:t>HYPOTHESIS</a:t>
             </a:r>
           </a:p>
         </p:txBody>
@@ -5336,7 +5417,7 @@
         <p:spPr>
           <a:xfrm>
             <a:off x="524932" y="2114521"/>
-            <a:ext cx="10905067" cy="984885"/>
+            <a:ext cx="10905067" cy="4401205"/>
           </a:xfrm>
           <a:prstGeom prst="rect">
             <a:avLst/>
@@ -5353,13 +5434,9 @@
           </a:bodyPr>
           <a:lstStyle/>
           <a:p>
-            <a:pPr marL="457200" indent="-457200">
-              <a:buFont typeface="Arial" panose="020B0604020202020204" pitchFamily="34" charset="0"/>
-              <a:buChar char="•"/>
-            </a:pPr>
             <a:r>
               <a:rPr lang="en-US" sz="2800" dirty="0"/>
-              <a:t>Elaborate on the questions you asked, describing what kinds of data you needed to answer them, and where you found it</a:t>
+              <a:t>We believe that overall air quality, measured by Air Quality Index (AQI), has improved worldwide during the COVID-19 crisis and will explore this theme by researching data on air quality indexes before COVID-19 and throughout the crisis. In regions where the public health response has been strict, enacting policies such as travel bans and lockdowns, we expect to see improved levels of air quality. Conversely, regions that enacted less strict responses, we believe that air quality indexes will have improved at a lower rate. We also want to explore how air quality impacts the rate of infection, expecting to see a strong positive correlation of rates of infection(deaths) in regions with poorer air quality.</a:t>
             </a:r>
           </a:p>
         </p:txBody>
@@ -5367,7 +5444,7 @@
     </p:spTree>
     <p:extLst>
       <p:ext uri="{BB962C8B-B14F-4D97-AF65-F5344CB8AC3E}">
-        <p14:creationId xmlns:p14="http://schemas.microsoft.com/office/powerpoint/2010/main" val="2598303805"/>
+        <p14:creationId xmlns:p14="http://schemas.microsoft.com/office/powerpoint/2010/main" val="1839433049"/>
       </p:ext>
     </p:extLst>
   </p:cSld>
@@ -5377,7 +5454,7 @@
 </p:sld>
 </file>
 
-<file path=ppt/slides/slide6.xml><?xml version="1.0" encoding="utf-8"?>
+<file path=ppt/slides/slide4.xml><?xml version="1.0" encoding="utf-8"?>
 <p:sld xmlns:a="http://schemas.openxmlformats.org/drawingml/2006/main" xmlns:r="http://schemas.openxmlformats.org/officeDocument/2006/relationships" xmlns:p="http://schemas.openxmlformats.org/presentationml/2006/main">
   <p:cSld>
     <p:spTree>
@@ -5577,7 +5654,7 @@
                   <a:srgbClr val="48607D"/>
                 </a:solidFill>
               </a:rPr>
-              <a:t>DATA CLEANUP &amp; EXPLORATION</a:t>
+              <a:t>MOTIVATION &amp; SUMMARY SLIDE</a:t>
             </a:r>
           </a:p>
         </p:txBody>
@@ -5597,7 +5674,7 @@
         <p:spPr>
           <a:xfrm>
             <a:off x="524932" y="2114521"/>
-            <a:ext cx="10905067" cy="3108543"/>
+            <a:ext cx="10905067" cy="3847207"/>
           </a:xfrm>
           <a:prstGeom prst="rect">
             <a:avLst/>
@@ -5620,7 +5697,15 @@
             </a:pPr>
             <a:r>
               <a:rPr lang="en-US" sz="2800" dirty="0"/>
-              <a:t>Describe the exploration and cleanup process </a:t>
+              <a:t>Describe the questions you asked, and </a:t>
+            </a:r>
+            <a:r>
+              <a:rPr lang="en-US" sz="2800" i="1" dirty="0"/>
+              <a:t>why</a:t>
+            </a:r>
+            <a:r>
+              <a:rPr lang="en-US" sz="2800" dirty="0"/>
+              <a:t> you asked them </a:t>
             </a:r>
           </a:p>
           <a:p>
@@ -5629,9 +5714,33 @@
               <a:buChar char="•"/>
             </a:pPr>
             <a:r>
-              <a:rPr lang="en-US" sz="2800" dirty="0"/>
-              <a:t>Discuss insights you had while exploring the data that you didn't anticipate </a:t>
-            </a:r>
+              <a:rPr lang="en-US" sz="2000" b="0" i="0" u="none" strike="noStrike" dirty="0">
+                <a:solidFill>
+                  <a:srgbClr val="000000"/>
+                </a:solidFill>
+                <a:effectLst/>
+                <a:latin typeface="Roboto"/>
+              </a:rPr>
+              <a:t>What is the correlation between air quality around the world and public health response to Novel Coronavirus?</a:t>
+            </a:r>
+          </a:p>
+          <a:p>
+            <a:pPr marL="914400" lvl="1" indent="-457200">
+              <a:buFont typeface="Arial" panose="020B0604020202020204" pitchFamily="34" charset="0"/>
+              <a:buChar char="•"/>
+            </a:pPr>
+            <a:r>
+              <a:rPr lang="en-US" sz="2000" dirty="0">
+                <a:solidFill>
+                  <a:srgbClr val="000000"/>
+                </a:solidFill>
+                <a:latin typeface="Roboto"/>
+              </a:rPr>
+              <a:t>To learn how various global public health responses to COVID19 affect AQI in different cities around the world</a:t>
+            </a:r>
+            <a:endParaRPr lang="en-US" sz="2800" dirty="0">
+              <a:latin typeface="Roboto"/>
+            </a:endParaRPr>
           </a:p>
           <a:p>
             <a:pPr marL="457200" indent="-457200">
@@ -5640,7 +5749,7 @@
             </a:pPr>
             <a:r>
               <a:rPr lang="en-US" sz="2800" dirty="0"/>
-              <a:t>Discuss any problems that arose after exploring the data, and how you resolved them </a:t>
+              <a:t>Describe whether you were able to answer these questions to your satisfaction, and briefly summarize your findings</a:t>
             </a:r>
           </a:p>
           <a:p>
@@ -5649,24 +5758,42 @@
               <a:buChar char="•"/>
             </a:pPr>
             <a:r>
-              <a:rPr lang="en-US" sz="2800" dirty="0"/>
-              <a:t>Present and discuss interesting figures developed during exploration, ideally with the help of </a:t>
-            </a:r>
-            <a:r>
-              <a:rPr lang="en-US" sz="2800" dirty="0" err="1"/>
-              <a:t>Jupyter</a:t>
-            </a:r>
-            <a:r>
-              <a:rPr lang="en-US" sz="2800" dirty="0"/>
-              <a:t> Notebook</a:t>
-            </a:r>
+              <a:rPr lang="en-US" sz="2000" dirty="0">
+                <a:solidFill>
+                  <a:schemeClr val="bg1"/>
+                </a:solidFill>
+                <a:latin typeface="Roboto"/>
+              </a:rPr>
+              <a:t>We used historical and current AQI data to compare levels of air quality in 16 cities around the world and found surprising trends. Generally, AQI was lower worldwide in 2020 from January to July. </a:t>
+            </a:r>
+          </a:p>
+          <a:p>
+            <a:pPr marL="457200" indent="-457200">
+              <a:buFont typeface="Arial" panose="020B0604020202020204" pitchFamily="34" charset="0"/>
+              <a:buChar char="•"/>
+            </a:pPr>
+            <a:r>
+              <a:rPr lang="en-US" sz="2000" dirty="0">
+                <a:solidFill>
+                  <a:schemeClr val="bg1"/>
+                </a:solidFill>
+                <a:latin typeface="Roboto"/>
+              </a:rPr>
+              <a:t>Not statistically proven and further analysis needs to be made </a:t>
+            </a:r>
+            <a:endParaRPr lang="en-US" dirty="0">
+              <a:solidFill>
+                <a:schemeClr val="bg1"/>
+              </a:solidFill>
+              <a:latin typeface="Roboto"/>
+            </a:endParaRPr>
           </a:p>
         </p:txBody>
       </p:sp>
     </p:spTree>
     <p:extLst>
       <p:ext uri="{BB962C8B-B14F-4D97-AF65-F5344CB8AC3E}">
-        <p14:creationId xmlns:p14="http://schemas.microsoft.com/office/powerpoint/2010/main" val="1906421391"/>
+        <p14:creationId xmlns:p14="http://schemas.microsoft.com/office/powerpoint/2010/main" val="354989871"/>
       </p:ext>
     </p:extLst>
   </p:cSld>
@@ -5676,9 +5803,36 @@
 </p:sld>
 </file>
 
-<file path=ppt/slides/slide7.xml><?xml version="1.0" encoding="utf-8"?>
+<file path=ppt/slides/slide5.xml><?xml version="1.0" encoding="utf-8"?>
 <p:sld xmlns:a="http://schemas.openxmlformats.org/drawingml/2006/main" xmlns:r="http://schemas.openxmlformats.org/officeDocument/2006/relationships" xmlns:p="http://schemas.openxmlformats.org/presentationml/2006/main">
   <p:cSld>
+    <p:bg>
+      <p:bgPr>
+        <a:blipFill dpi="0" rotWithShape="1">
+          <a:blip r:embed="rId2">
+            <a:extLst>
+              <a:ext uri="{BEBA8EAE-BF5A-486C-A8C5-ECC9F3942E4B}">
+                <a14:imgProps xmlns:a14="http://schemas.microsoft.com/office/drawing/2010/main">
+                  <a14:imgLayer r:embed="rId3">
+                    <a14:imgEffect>
+                      <a14:sharpenSoften amount="-100000"/>
+                    </a14:imgEffect>
+                    <a14:imgEffect>
+                      <a14:brightnessContrast bright="40000" contrast="20000"/>
+                    </a14:imgEffect>
+                  </a14:imgLayer>
+                </a14:imgProps>
+              </a:ext>
+            </a:extLst>
+          </a:blip>
+          <a:srcRect/>
+          <a:stretch>
+            <a:fillRect/>
+          </a:stretch>
+        </a:blipFill>
+        <a:effectLst/>
+      </p:bgPr>
+    </p:bg>
     <p:spTree>
       <p:nvGrpSpPr>
         <p:cNvPr id="1" name=""/>
@@ -5876,7 +6030,7 @@
                   <a:srgbClr val="48607D"/>
                 </a:solidFill>
               </a:rPr>
-              <a:t>DATA ANALYSIS</a:t>
+              <a:t>QUESTIONS &amp; DATA</a:t>
             </a:r>
           </a:p>
         </p:txBody>
@@ -5896,7 +6050,7 @@
         <p:spPr>
           <a:xfrm>
             <a:off x="524932" y="2114521"/>
-            <a:ext cx="10905067" cy="1815882"/>
+            <a:ext cx="10905067" cy="4185761"/>
           </a:xfrm>
           <a:prstGeom prst="rect">
             <a:avLst/>
@@ -5913,39 +6067,107 @@
           </a:bodyPr>
           <a:lstStyle/>
           <a:p>
-            <a:pPr marL="857250" indent="-857250">
+            <a:pPr marL="457200" indent="-457200">
               <a:buFont typeface="Arial" panose="020B0604020202020204" pitchFamily="34" charset="0"/>
               <a:buChar char="•"/>
             </a:pPr>
             <a:r>
               <a:rPr lang="en-US" sz="2800" dirty="0"/>
-              <a:t>Discuss the steps you took to analyze the data and answer each question you asked in your proposal</a:t>
-            </a:r>
-          </a:p>
-          <a:p>
-            <a:pPr marL="857250" indent="-857250">
+              <a:t>Elaborate on the questions you asked, describing what kinds of data you needed to answer them, and where you found it</a:t>
+            </a:r>
+          </a:p>
+          <a:p>
+            <a:pPr marL="457200" indent="-457200">
               <a:buFont typeface="Arial" panose="020B0604020202020204" pitchFamily="34" charset="0"/>
               <a:buChar char="•"/>
             </a:pPr>
             <a:r>
+              <a:rPr lang="en-US" sz="1800" b="0" i="0" u="none" strike="noStrike" dirty="0">
+                <a:solidFill>
+                  <a:srgbClr val="000000"/>
+                </a:solidFill>
+                <a:effectLst/>
+                <a:latin typeface="Roboto"/>
+              </a:rPr>
+              <a:t>What is the correlation between air quality around the world and public health response to Novel Coronavirus?</a:t>
+            </a:r>
+          </a:p>
+          <a:p>
+            <a:pPr marL="457200" indent="-457200">
+              <a:buFont typeface="Arial" panose="020B0604020202020204" pitchFamily="34" charset="0"/>
+              <a:buChar char="•"/>
+            </a:pPr>
+            <a:r>
+              <a:rPr lang="en-US" b="0" i="0" dirty="0">
+                <a:solidFill>
+                  <a:srgbClr val="1D1C1D"/>
+                </a:solidFill>
+                <a:effectLst/>
+                <a:latin typeface="Roboto"/>
+              </a:rPr>
+              <a:t>We were able to obtain successful data from </a:t>
+            </a:r>
+            <a:r>
+              <a:rPr lang="en-US" b="0" i="0" u="none" strike="noStrike" dirty="0">
+                <a:effectLst/>
+                <a:latin typeface="Roboto"/>
+                <a:hlinkClick r:id="rId4">
+                  <a:extLst>
+                    <a:ext uri="{A12FA001-AC4F-418D-AE19-62706E023703}">
+                      <ahyp:hlinkClr xmlns:ahyp="http://schemas.microsoft.com/office/drawing/2018/hyperlinkcolor" val="tx"/>
+                    </a:ext>
+                  </a:extLst>
+                </a:hlinkClick>
+              </a:rPr>
+              <a:t>https://waqi.info</a:t>
+            </a:r>
+            <a:r>
+              <a:rPr lang="en-US" b="0" i="0" u="none" strike="noStrike" dirty="0">
+                <a:solidFill>
+                  <a:srgbClr val="898453"/>
+                </a:solidFill>
+                <a:effectLst/>
+                <a:latin typeface="Roboto"/>
+                <a:hlinkClick r:id="rId4">
+                  <a:extLst>
+                    <a:ext uri="{A12FA001-AC4F-418D-AE19-62706E023703}">
+                      <ahyp:hlinkClr xmlns:ahyp="http://schemas.microsoft.com/office/drawing/2018/hyperlinkcolor" val="tx"/>
+                    </a:ext>
+                  </a:extLst>
+                </a:hlinkClick>
+              </a:rPr>
+              <a:t>/</a:t>
+            </a:r>
+            <a:r>
+              <a:rPr lang="en-US" b="0" i="0" dirty="0">
+                <a:solidFill>
+                  <a:srgbClr val="1D1C1D"/>
+                </a:solidFill>
+                <a:effectLst/>
+                <a:latin typeface="Roboto"/>
+              </a:rPr>
+              <a:t>. From here, we pulled daily pm25 data from 16 major cities around the world via csv files and were able to convert pm25 to AQI. PM2.5 or Fine Particular Matter is an air pollutant that is a concern for people’s health when levels are too high and is also a universal measure of pollution. AQI is what governments use to report to the public how polluted the air currently is. The lower the AQI, the cleaner the air. </a:t>
+            </a:r>
+            <a:endParaRPr lang="en-US" b="0" dirty="0">
+              <a:effectLst/>
+              <a:latin typeface="Roboto"/>
+            </a:endParaRPr>
+          </a:p>
+          <a:p>
+            <a:br>
               <a:rPr lang="en-US" sz="2800" dirty="0"/>
-              <a:t>Present and discuss interesting figures developed during analysis, ideally with the help of </a:t>
-            </a:r>
-            <a:r>
-              <a:rPr lang="en-US" sz="2800" dirty="0" err="1"/>
-              <a:t>Jupyter</a:t>
-            </a:r>
-            <a:r>
-              <a:rPr lang="en-US" sz="2800" dirty="0"/>
-              <a:t> Notebook</a:t>
-            </a:r>
+            </a:br>
+            <a:endParaRPr lang="en-US" sz="2800" dirty="0"/>
+          </a:p>
+          <a:p>
+            <a:endParaRPr lang="en-US" sz="2800" dirty="0"/>
           </a:p>
         </p:txBody>
       </p:sp>
     </p:spTree>
     <p:extLst>
       <p:ext uri="{BB962C8B-B14F-4D97-AF65-F5344CB8AC3E}">
-        <p14:creationId xmlns:p14="http://schemas.microsoft.com/office/powerpoint/2010/main" val="371008687"/>
+        <p14:creationId xmlns:p14="http://schemas.microsoft.com/office/powerpoint/2010/main" val="2598303805"/>
       </p:ext>
     </p:extLst>
   </p:cSld>
@@ -5955,7 +6177,7 @@
 </p:sld>
 </file>
 
-<file path=ppt/slides/slide8.xml><?xml version="1.0" encoding="utf-8"?>
+<file path=ppt/slides/slide6.xml><?xml version="1.0" encoding="utf-8"?>
 <p:sld xmlns:a="http://schemas.openxmlformats.org/drawingml/2006/main" xmlns:r="http://schemas.openxmlformats.org/officeDocument/2006/relationships" xmlns:p="http://schemas.openxmlformats.org/presentationml/2006/main">
   <p:cSld>
     <p:spTree>
@@ -6155,7 +6377,7 @@
                   <a:srgbClr val="48607D"/>
                 </a:solidFill>
               </a:rPr>
-              <a:t>DISCUSSION</a:t>
+              <a:t>DATA CLEANUP &amp; EXPLORATION</a:t>
             </a:r>
           </a:p>
         </p:txBody>
@@ -6175,7 +6397,7 @@
         <p:spPr>
           <a:xfrm>
             <a:off x="524932" y="2114521"/>
-            <a:ext cx="10905067" cy="1384995"/>
+            <a:ext cx="10905067" cy="4216539"/>
           </a:xfrm>
           <a:prstGeom prst="rect">
             <a:avLst/>
@@ -6192,13 +6414,177 @@
           </a:bodyPr>
           <a:lstStyle/>
           <a:p>
-            <a:pPr marL="857250" indent="-857250">
+            <a:pPr marL="457200" indent="-457200">
               <a:buFont typeface="Arial" panose="020B0604020202020204" pitchFamily="34" charset="0"/>
               <a:buChar char="•"/>
             </a:pPr>
             <a:r>
-              <a:rPr lang="en-US" sz="2800" dirty="0"/>
-              <a:t>Discuss your findings. Did you find what you expected to find? If not, why not? What inferences or general conclusions can you draw from your analysis?</a:t>
+              <a:rPr lang="en-US" sz="2400" dirty="0"/>
+              <a:t>Exploration and cleanup process </a:t>
+            </a:r>
+          </a:p>
+          <a:p>
+            <a:pPr marL="457200" indent="-457200">
+              <a:buFont typeface="Arial" panose="020B0604020202020204" pitchFamily="34" charset="0"/>
+              <a:buChar char="•"/>
+            </a:pPr>
+            <a:r>
+              <a:rPr lang="en-US" sz="2000" dirty="0">
+                <a:solidFill>
+                  <a:schemeClr val="bg1"/>
+                </a:solidFill>
+              </a:rPr>
+              <a:t>Countries selected representing the various public health responses ranging from:</a:t>
+            </a:r>
+          </a:p>
+          <a:p>
+            <a:pPr marL="914400" lvl="1" indent="-457200">
+              <a:buFont typeface="Arial" panose="020B0604020202020204" pitchFamily="34" charset="0"/>
+              <a:buChar char="•"/>
+            </a:pPr>
+            <a:r>
+              <a:rPr lang="en-US" sz="2000" dirty="0">
+                <a:solidFill>
+                  <a:schemeClr val="bg1"/>
+                </a:solidFill>
+              </a:rPr>
+              <a:t>Lockdowns: China, Italy, India, South Korea  </a:t>
+            </a:r>
+          </a:p>
+          <a:p>
+            <a:pPr marL="914400" lvl="1" indent="-457200">
+              <a:buFont typeface="Arial" panose="020B0604020202020204" pitchFamily="34" charset="0"/>
+              <a:buChar char="•"/>
+            </a:pPr>
+            <a:r>
+              <a:rPr lang="en-US" sz="2000" dirty="0">
+                <a:solidFill>
+                  <a:schemeClr val="bg1"/>
+                </a:solidFill>
+              </a:rPr>
+              <a:t>Recommending Social distancing/Decisions made regionally: US, Australia</a:t>
+            </a:r>
+          </a:p>
+          <a:p>
+            <a:pPr marL="914400" lvl="1" indent="-457200">
+              <a:buFont typeface="Arial" panose="020B0604020202020204" pitchFamily="34" charset="0"/>
+              <a:buChar char="•"/>
+            </a:pPr>
+            <a:r>
+              <a:rPr lang="en-US" sz="2000" dirty="0">
+                <a:solidFill>
+                  <a:schemeClr val="bg1"/>
+                </a:solidFill>
+              </a:rPr>
+              <a:t>Preserving open economy: Sweden</a:t>
+            </a:r>
+          </a:p>
+          <a:p>
+            <a:pPr marL="457200" indent="-457200">
+              <a:buFont typeface="Arial" panose="020B0604020202020204" pitchFamily="34" charset="0"/>
+              <a:buChar char="•"/>
+            </a:pPr>
+            <a:r>
+              <a:rPr lang="en-US" sz="2000" dirty="0">
+                <a:solidFill>
+                  <a:schemeClr val="bg1"/>
+                </a:solidFill>
+              </a:rPr>
+              <a:t> Finding historical AQI rates in 16 cities over the same timespan as COVID-19</a:t>
+            </a:r>
+          </a:p>
+          <a:p>
+            <a:pPr marL="457200" indent="-457200">
+              <a:buFont typeface="Arial" panose="020B0604020202020204" pitchFamily="34" charset="0"/>
+              <a:buChar char="•"/>
+            </a:pPr>
+            <a:r>
+              <a:rPr lang="en-US" sz="2000" dirty="0">
+                <a:solidFill>
+                  <a:schemeClr val="bg1"/>
+                </a:solidFill>
+              </a:rPr>
+              <a:t>AQI data: aggregating mean AQI</a:t>
+            </a:r>
+          </a:p>
+          <a:p>
+            <a:pPr marL="457200" indent="-457200">
+              <a:buFont typeface="Arial" panose="020B0604020202020204" pitchFamily="34" charset="0"/>
+              <a:buChar char="•"/>
+            </a:pPr>
+            <a:r>
+              <a:rPr lang="en-US" sz="2000" dirty="0">
+                <a:solidFill>
+                  <a:schemeClr val="bg1"/>
+                </a:solidFill>
+              </a:rPr>
+              <a:t>Selecting a measure to explore how AQI might correlate with COVID-19: number of deaths</a:t>
+            </a:r>
+          </a:p>
+          <a:p>
+            <a:pPr marL="457200" indent="-457200">
+              <a:buFont typeface="Arial" panose="020B0604020202020204" pitchFamily="34" charset="0"/>
+              <a:buChar char="•"/>
+            </a:pPr>
+            <a:r>
+              <a:rPr lang="en-US" sz="2400" dirty="0"/>
+              <a:t>Insights while exploring the data</a:t>
+            </a:r>
+          </a:p>
+          <a:p>
+            <a:pPr marL="457200" indent="-457200">
+              <a:buFont typeface="Arial" panose="020B0604020202020204" pitchFamily="34" charset="0"/>
+              <a:buChar char="•"/>
+            </a:pPr>
+            <a:r>
+              <a:rPr lang="en-US" sz="2000" dirty="0">
+                <a:solidFill>
+                  <a:schemeClr val="bg1"/>
+                </a:solidFill>
+              </a:rPr>
+              <a:t> Air pollution determined by several measures. We selected PM2.5 and converted to AQI</a:t>
+            </a:r>
+          </a:p>
+          <a:p>
+            <a:pPr marL="457200" indent="-457200">
+              <a:buFont typeface="Arial" panose="020B0604020202020204" pitchFamily="34" charset="0"/>
+              <a:buChar char="•"/>
+            </a:pPr>
+            <a:r>
+              <a:rPr lang="en-US" sz="2000" dirty="0">
+                <a:solidFill>
+                  <a:schemeClr val="bg1"/>
+                </a:solidFill>
+              </a:rPr>
+              <a:t>Not all cities had same amount observation points, lack of data for certain year or months</a:t>
+            </a:r>
+          </a:p>
+          <a:p>
+            <a:pPr marL="457200" indent="-457200">
+              <a:buFont typeface="Arial" panose="020B0604020202020204" pitchFamily="34" charset="0"/>
+              <a:buChar char="•"/>
+            </a:pPr>
+            <a:r>
+              <a:rPr lang="en-US" sz="2000" dirty="0">
+                <a:solidFill>
+                  <a:schemeClr val="bg1"/>
+                </a:solidFill>
+              </a:rPr>
+              <a:t>COVID-deaths were collected by cumulative deaths, not daily</a:t>
+            </a:r>
+          </a:p>
+          <a:p>
+            <a:pPr marL="457200" indent="-457200">
+              <a:buFont typeface="Arial" panose="020B0604020202020204" pitchFamily="34" charset="0"/>
+              <a:buChar char="•"/>
+            </a:pPr>
+            <a:r>
+              <a:rPr lang="en-US" sz="2000" dirty="0">
+                <a:solidFill>
+                  <a:schemeClr val="bg1"/>
+                </a:solidFill>
+              </a:rPr>
+              <a:t>Quantifying categorical data (COVID responses) to get a statistical analysis</a:t>
             </a:r>
           </a:p>
         </p:txBody>
@@ -6206,7 +6592,7 @@
     </p:spTree>
     <p:extLst>
       <p:ext uri="{BB962C8B-B14F-4D97-AF65-F5344CB8AC3E}">
-        <p14:creationId xmlns:p14="http://schemas.microsoft.com/office/powerpoint/2010/main" val="2427263753"/>
+        <p14:creationId xmlns:p14="http://schemas.microsoft.com/office/powerpoint/2010/main" val="1906421391"/>
       </p:ext>
     </p:extLst>
   </p:cSld>
@@ -6216,7 +6602,7 @@
 </p:sld>
 </file>
 
-<file path=ppt/slides/slide9.xml><?xml version="1.0" encoding="utf-8"?>
+<file path=ppt/slides/slide7.xml><?xml version="1.0" encoding="utf-8"?>
 <p:sld xmlns:a="http://schemas.openxmlformats.org/drawingml/2006/main" xmlns:r="http://schemas.openxmlformats.org/officeDocument/2006/relationships" xmlns:p="http://schemas.openxmlformats.org/presentationml/2006/main">
   <p:cSld>
     <p:spTree>
@@ -6416,7 +6802,7 @@
                   <a:srgbClr val="48607D"/>
                 </a:solidFill>
               </a:rPr>
-              <a:t>PROJECT POST MORTEM</a:t>
+              <a:t>DATA CLEANUP &amp; EXPLORATION</a:t>
             </a:r>
           </a:p>
         </p:txBody>
@@ -6436,7 +6822,7 @@
         <p:spPr>
           <a:xfrm>
             <a:off x="524932" y="2114521"/>
-            <a:ext cx="10905067" cy="1815882"/>
+            <a:ext cx="10905067" cy="2492990"/>
           </a:xfrm>
           <a:prstGeom prst="rect">
             <a:avLst/>
@@ -6453,13 +6839,293 @@
           </a:bodyPr>
           <a:lstStyle/>
           <a:p>
+            <a:pPr marL="457200" indent="-457200">
+              <a:buFont typeface="Arial" panose="020B0604020202020204" pitchFamily="34" charset="0"/>
+              <a:buChar char="•"/>
+            </a:pPr>
+            <a:r>
+              <a:rPr lang="en-US" sz="2400" dirty="0"/>
+              <a:t>Discuss any problems that arose after exploring the data, and how you resolved them </a:t>
+            </a:r>
+          </a:p>
+          <a:p>
+            <a:pPr marL="457200" indent="-457200">
+              <a:buFont typeface="Arial" panose="020B0604020202020204" pitchFamily="34" charset="0"/>
+              <a:buChar char="•"/>
+            </a:pPr>
+            <a:r>
+              <a:rPr lang="en-US" b="0" i="0" dirty="0">
+                <a:solidFill>
+                  <a:srgbClr val="1D1C1D"/>
+                </a:solidFill>
+                <a:effectLst/>
+                <a:latin typeface="Roboto"/>
+              </a:rPr>
+              <a:t>The main issue that arose was that there was not enough data for some cities. For example, Moscow and Johannesburg did not have enough daily data to compute our average monthly AQI calculations. Fortunately, there was enough data in 2020 for every city. The years prior to 2020 were used for comparison. Furthermore, we wanted to compare the years that COVID-19 was non-existent to the year that it was existent. Because of this, we had to use data from different years that did have enough data for us to work with.</a:t>
+            </a:r>
+            <a:endParaRPr lang="en-US" dirty="0">
+              <a:latin typeface="Roboto"/>
+            </a:endParaRPr>
+          </a:p>
+        </p:txBody>
+      </p:sp>
+    </p:spTree>
+    <p:extLst>
+      <p:ext uri="{BB962C8B-B14F-4D97-AF65-F5344CB8AC3E}">
+        <p14:creationId xmlns:p14="http://schemas.microsoft.com/office/powerpoint/2010/main" val="2070413014"/>
+      </p:ext>
+    </p:extLst>
+  </p:cSld>
+  <p:clrMapOvr>
+    <a:masterClrMapping/>
+  </p:clrMapOvr>
+</p:sld>
+</file>
+
+<file path=ppt/slides/slide8.xml><?xml version="1.0" encoding="utf-8"?>
+<p:sld xmlns:a="http://schemas.openxmlformats.org/drawingml/2006/main" xmlns:r="http://schemas.openxmlformats.org/officeDocument/2006/relationships" xmlns:p="http://schemas.openxmlformats.org/presentationml/2006/main">
+  <p:cSld>
+    <p:spTree>
+      <p:nvGrpSpPr>
+        <p:cNvPr id="1" name=""/>
+        <p:cNvGrpSpPr/>
+        <p:nvPr/>
+      </p:nvGrpSpPr>
+      <p:grpSpPr>
+        <a:xfrm>
+          <a:off x="0" y="0"/>
+          <a:ext cx="0" cy="0"/>
+          <a:chOff x="0" y="0"/>
+          <a:chExt cx="0" cy="0"/>
+        </a:xfrm>
+      </p:grpSpPr>
+      <p:sp useBgFill="1">
+        <p:nvSpPr>
+          <p:cNvPr id="13" name="Rectangle 8">
+            <a:extLst>
+              <a:ext uri="{FF2B5EF4-FFF2-40B4-BE49-F238E27FC236}">
+                <a16:creationId xmlns:a16="http://schemas.microsoft.com/office/drawing/2014/main" id="{9B37791B-B040-4694-BFDC-8DD132D86E8E}"/>
+              </a:ext>
+              <a:ext uri="{C183D7F6-B498-43B3-948B-1728B52AA6E4}">
+                <adec:decorative xmlns:adec="http://schemas.microsoft.com/office/drawing/2017/decorative" val="1"/>
+              </a:ext>
+            </a:extLst>
+          </p:cNvPr>
+          <p:cNvSpPr>
+            <a:spLocks noGrp="1" noRot="1" noChangeAspect="1" noMove="1" noResize="1" noEditPoints="1" noAdjustHandles="1" noChangeArrowheads="1" noChangeShapeType="1" noTextEdit="1"/>
+          </p:cNvSpPr>
+          <p:nvPr>
+            <p:extLst>
+              <p:ext uri="{386F3935-93C4-4BCD-93E2-E3B085C9AB24}">
+                <p16:designElem xmlns:p16="http://schemas.microsoft.com/office/powerpoint/2015/main" val="1"/>
+              </p:ext>
+            </p:extLst>
+          </p:nvPr>
+        </p:nvSpPr>
+        <p:spPr>
+          <a:xfrm>
+            <a:off x="0" y="0"/>
+            <a:ext cx="12192000" cy="6858000"/>
+          </a:xfrm>
+          <a:prstGeom prst="rect">
+            <a:avLst/>
+          </a:prstGeom>
+          <a:ln w="12700" cap="flat" cmpd="sng" algn="ctr">
+            <a:noFill/>
+            <a:prstDash val="solid"/>
+            <a:miter lim="800000"/>
+          </a:ln>
+          <a:effectLst/>
+        </p:spPr>
+        <p:style>
+          <a:lnRef idx="2">
+            <a:schemeClr val="accent1">
+              <a:shade val="50000"/>
+            </a:schemeClr>
+          </a:lnRef>
+          <a:fillRef idx="1">
+            <a:schemeClr val="accent1"/>
+          </a:fillRef>
+          <a:effectRef idx="0">
+            <a:schemeClr val="accent1"/>
+          </a:effectRef>
+          <a:fontRef idx="minor">
+            <a:schemeClr val="lt1"/>
+          </a:fontRef>
+        </p:style>
+        <p:txBody>
+          <a:bodyPr rtlCol="0" anchor="ctr"/>
+          <a:lstStyle/>
+          <a:p>
+            <a:pPr algn="ctr"/>
+            <a:endParaRPr lang="en-US"/>
+          </a:p>
+        </p:txBody>
+      </p:sp>
+      <p:sp>
+        <p:nvSpPr>
+          <p:cNvPr id="15" name="Rectangle 10">
+            <a:extLst>
+              <a:ext uri="{FF2B5EF4-FFF2-40B4-BE49-F238E27FC236}">
+                <a16:creationId xmlns:a16="http://schemas.microsoft.com/office/drawing/2014/main" id="{F0F395FD-89E0-4B7B-95B1-C6DC06DE9DB3}"/>
+              </a:ext>
+              <a:ext uri="{C183D7F6-B498-43B3-948B-1728B52AA6E4}">
+                <adec:decorative xmlns:adec="http://schemas.microsoft.com/office/drawing/2017/decorative" val="1"/>
+              </a:ext>
+            </a:extLst>
+          </p:cNvPr>
+          <p:cNvSpPr>
+            <a:spLocks noGrp="1" noRot="1" noChangeAspect="1" noMove="1" noResize="1" noEditPoints="1" noAdjustHandles="1" noChangeArrowheads="1" noChangeShapeType="1" noTextEdit="1"/>
+          </p:cNvSpPr>
+          <p:nvPr>
+            <p:extLst>
+              <p:ext uri="{386F3935-93C4-4BCD-93E2-E3B085C9AB24}">
+                <p16:designElem xmlns:p16="http://schemas.microsoft.com/office/powerpoint/2015/main" val="1"/>
+              </p:ext>
+            </p:extLst>
+          </p:nvPr>
+        </p:nvSpPr>
+        <p:spPr>
+          <a:xfrm>
+            <a:off x="0" y="1362074"/>
+            <a:ext cx="12192001" cy="4733924"/>
+          </a:xfrm>
+          <a:prstGeom prst="rect">
+            <a:avLst/>
+          </a:prstGeom>
+          <a:gradFill flip="none" rotWithShape="1">
+            <a:gsLst>
+              <a:gs pos="41000">
+                <a:srgbClr val="000000">
+                  <a:alpha val="30000"/>
+                </a:srgbClr>
+              </a:gs>
+              <a:gs pos="60000">
+                <a:srgbClr val="000000">
+                  <a:alpha val="30000"/>
+                </a:srgbClr>
+              </a:gs>
+              <a:gs pos="0">
+                <a:schemeClr val="bg1">
+                  <a:alpha val="0"/>
+                </a:schemeClr>
+              </a:gs>
+              <a:gs pos="100000">
+                <a:schemeClr val="bg1">
+                  <a:alpha val="0"/>
+                </a:schemeClr>
+              </a:gs>
+            </a:gsLst>
+            <a:lin ang="5400000" scaled="1"/>
+            <a:tileRect/>
+          </a:gradFill>
+          <a:ln>
+            <a:noFill/>
+          </a:ln>
+        </p:spPr>
+        <p:style>
+          <a:lnRef idx="2">
+            <a:schemeClr val="accent1">
+              <a:shade val="50000"/>
+            </a:schemeClr>
+          </a:lnRef>
+          <a:fillRef idx="1">
+            <a:schemeClr val="accent1"/>
+          </a:fillRef>
+          <a:effectRef idx="0">
+            <a:schemeClr val="accent1"/>
+          </a:effectRef>
+          <a:fontRef idx="minor">
+            <a:schemeClr val="lt1"/>
+          </a:fontRef>
+        </p:style>
+        <p:txBody>
+          <a:bodyPr rtlCol="0" anchor="ctr"/>
+          <a:lstStyle/>
+          <a:p>
+            <a:pPr algn="ctr"/>
+            <a:endParaRPr lang="en-US"/>
+          </a:p>
+        </p:txBody>
+      </p:sp>
+      <p:sp>
+        <p:nvSpPr>
+          <p:cNvPr id="10" name="TextBox 9">
+            <a:extLst>
+              <a:ext uri="{FF2B5EF4-FFF2-40B4-BE49-F238E27FC236}">
+                <a16:creationId xmlns:a16="http://schemas.microsoft.com/office/drawing/2014/main" id="{6FAF9FA8-F5E0-8344-BABF-6B028732143A}"/>
+              </a:ext>
+            </a:extLst>
+          </p:cNvPr>
+          <p:cNvSpPr txBox="1"/>
+          <p:nvPr/>
+        </p:nvSpPr>
+        <p:spPr>
+          <a:xfrm>
+            <a:off x="524933" y="854242"/>
+            <a:ext cx="11142133" cy="1015663"/>
+          </a:xfrm>
+          <a:prstGeom prst="rect">
+            <a:avLst/>
+          </a:prstGeom>
+          <a:noFill/>
+        </p:spPr>
+        <p:txBody>
+          <a:bodyPr wrap="square" rtlCol="0">
+            <a:spAutoFit/>
+          </a:bodyPr>
+          <a:lstStyle/>
+          <a:p>
+            <a:r>
+              <a:rPr lang="en-US" sz="6000" dirty="0">
+                <a:solidFill>
+                  <a:srgbClr val="48607D"/>
+                </a:solidFill>
+              </a:rPr>
+              <a:t>DATA ANALYSIS</a:t>
+            </a:r>
+          </a:p>
+        </p:txBody>
+      </p:sp>
+      <p:sp>
+        <p:nvSpPr>
+          <p:cNvPr id="7" name="Rectangle 6">
+            <a:extLst>
+              <a:ext uri="{FF2B5EF4-FFF2-40B4-BE49-F238E27FC236}">
+                <a16:creationId xmlns:a16="http://schemas.microsoft.com/office/drawing/2014/main" id="{8C88652C-06BF-8D4B-BF0F-7EDAEA97ABAF}"/>
+              </a:ext>
+            </a:extLst>
+          </p:cNvPr>
+          <p:cNvSpPr/>
+          <p:nvPr/>
+        </p:nvSpPr>
+        <p:spPr>
+          <a:xfrm>
+            <a:off x="524932" y="2114521"/>
+            <a:ext cx="10905067" cy="3508653"/>
+          </a:xfrm>
+          <a:prstGeom prst="rect">
+            <a:avLst/>
+          </a:prstGeom>
+          <a:solidFill>
+            <a:srgbClr val="575757">
+              <a:alpha val="50000"/>
+            </a:srgbClr>
+          </a:solidFill>
+        </p:spPr>
+        <p:txBody>
+          <a:bodyPr wrap="square">
+            <a:spAutoFit/>
+          </a:bodyPr>
+          <a:lstStyle/>
+          <a:p>
             <a:pPr marL="857250" indent="-857250">
               <a:buFont typeface="Arial" panose="020B0604020202020204" pitchFamily="34" charset="0"/>
               <a:buChar char="•"/>
             </a:pPr>
             <a:r>
-              <a:rPr lang="en-US" sz="2800" dirty="0"/>
-              <a:t>Discuss any difficulties that arose, and how you dealt with them </a:t>
+              <a:rPr lang="en-US" sz="2400" dirty="0"/>
+              <a:t>Discuss the steps you took to analyze the data and answer each question you asked in your proposal</a:t>
             </a:r>
           </a:p>
           <a:p>
@@ -6468,8 +7134,35 @@
               <a:buChar char="•"/>
             </a:pPr>
             <a:r>
-              <a:rPr lang="en-US" sz="2800" dirty="0"/>
-              <a:t>Discuss any additional questions that came up, but which you didn't have time to answer: What would you research next, if you had two more weeks?</a:t>
+              <a:rPr lang="en-US" b="0" i="0" dirty="0">
+                <a:solidFill>
+                  <a:srgbClr val="1D1C1D"/>
+                </a:solidFill>
+                <a:effectLst/>
+                <a:latin typeface="Roboto"/>
+              </a:rPr>
+              <a:t>The first step was to find and import the correct csv’s. It was important to find daily data for 2020 and daily data for a couple of years prior to 2020. The next big step was cleaning our data, setting it up into data frames, and figuring out our AQI numbers. We did this buy converting the daily PM2.5 numbers into monthly AQI numbers. After we had monthly AQI numbers for 2020 and the years leading up to it, it was easy to plot our info into line charts, showing historical AQI trends for each city. Also, we were able to create a heat map of the levels of AQI from each city over the years using an API.</a:t>
+            </a:r>
+            <a:endParaRPr lang="en-US" dirty="0">
+              <a:latin typeface="Roboto"/>
+            </a:endParaRPr>
+          </a:p>
+          <a:p>
+            <a:pPr marL="857250" indent="-857250">
+              <a:buFont typeface="Arial" panose="020B0604020202020204" pitchFamily="34" charset="0"/>
+              <a:buChar char="•"/>
+            </a:pPr>
+            <a:r>
+              <a:rPr lang="en-US" sz="2400" dirty="0"/>
+              <a:t>Present and discuss interesting figures developed during analysis, ideally with the help of </a:t>
+            </a:r>
+            <a:r>
+              <a:rPr lang="en-US" sz="2400" dirty="0" err="1"/>
+              <a:t>Jupyter</a:t>
+            </a:r>
+            <a:r>
+              <a:rPr lang="en-US" sz="2400" dirty="0"/>
+              <a:t> Notebook</a:t>
             </a:r>
           </a:p>
         </p:txBody>
@@ -6477,7 +7170,404 @@
     </p:spTree>
     <p:extLst>
       <p:ext uri="{BB962C8B-B14F-4D97-AF65-F5344CB8AC3E}">
-        <p14:creationId xmlns:p14="http://schemas.microsoft.com/office/powerpoint/2010/main" val="2674845039"/>
+        <p14:creationId xmlns:p14="http://schemas.microsoft.com/office/powerpoint/2010/main" val="371008687"/>
+      </p:ext>
+    </p:extLst>
+  </p:cSld>
+  <p:clrMapOvr>
+    <a:masterClrMapping/>
+  </p:clrMapOvr>
+</p:sld>
+</file>
+
+<file path=ppt/slides/slide9.xml><?xml version="1.0" encoding="utf-8"?>
+<p:sld xmlns:a="http://schemas.openxmlformats.org/drawingml/2006/main" xmlns:r="http://schemas.openxmlformats.org/officeDocument/2006/relationships" xmlns:p="http://schemas.openxmlformats.org/presentationml/2006/main">
+  <p:cSld>
+    <p:spTree>
+      <p:nvGrpSpPr>
+        <p:cNvPr id="1" name=""/>
+        <p:cNvGrpSpPr/>
+        <p:nvPr/>
+      </p:nvGrpSpPr>
+      <p:grpSpPr>
+        <a:xfrm>
+          <a:off x="0" y="0"/>
+          <a:ext cx="0" cy="0"/>
+          <a:chOff x="0" y="0"/>
+          <a:chExt cx="0" cy="0"/>
+        </a:xfrm>
+      </p:grpSpPr>
+      <p:sp useBgFill="1">
+        <p:nvSpPr>
+          <p:cNvPr id="13" name="Rectangle 8">
+            <a:extLst>
+              <a:ext uri="{FF2B5EF4-FFF2-40B4-BE49-F238E27FC236}">
+                <a16:creationId xmlns:a16="http://schemas.microsoft.com/office/drawing/2014/main" id="{9B37791B-B040-4694-BFDC-8DD132D86E8E}"/>
+              </a:ext>
+              <a:ext uri="{C183D7F6-B498-43B3-948B-1728B52AA6E4}">
+                <adec:decorative xmlns:adec="http://schemas.microsoft.com/office/drawing/2017/decorative" val="1"/>
+              </a:ext>
+            </a:extLst>
+          </p:cNvPr>
+          <p:cNvSpPr>
+            <a:spLocks noGrp="1" noRot="1" noChangeAspect="1" noMove="1" noResize="1" noEditPoints="1" noAdjustHandles="1" noChangeArrowheads="1" noChangeShapeType="1" noTextEdit="1"/>
+          </p:cNvSpPr>
+          <p:nvPr>
+            <p:extLst>
+              <p:ext uri="{386F3935-93C4-4BCD-93E2-E3B085C9AB24}">
+                <p16:designElem xmlns:p16="http://schemas.microsoft.com/office/powerpoint/2015/main" val="1"/>
+              </p:ext>
+            </p:extLst>
+          </p:nvPr>
+        </p:nvSpPr>
+        <p:spPr>
+          <a:xfrm>
+            <a:off x="0" y="0"/>
+            <a:ext cx="12192000" cy="6858000"/>
+          </a:xfrm>
+          <a:prstGeom prst="rect">
+            <a:avLst/>
+          </a:prstGeom>
+          <a:ln w="12700" cap="flat" cmpd="sng" algn="ctr">
+            <a:noFill/>
+            <a:prstDash val="solid"/>
+            <a:miter lim="800000"/>
+          </a:ln>
+          <a:effectLst/>
+        </p:spPr>
+        <p:style>
+          <a:lnRef idx="2">
+            <a:schemeClr val="accent1">
+              <a:shade val="50000"/>
+            </a:schemeClr>
+          </a:lnRef>
+          <a:fillRef idx="1">
+            <a:schemeClr val="accent1"/>
+          </a:fillRef>
+          <a:effectRef idx="0">
+            <a:schemeClr val="accent1"/>
+          </a:effectRef>
+          <a:fontRef idx="minor">
+            <a:schemeClr val="lt1"/>
+          </a:fontRef>
+        </p:style>
+        <p:txBody>
+          <a:bodyPr rtlCol="0" anchor="ctr"/>
+          <a:lstStyle/>
+          <a:p>
+            <a:pPr algn="ctr"/>
+            <a:endParaRPr lang="en-US"/>
+          </a:p>
+        </p:txBody>
+      </p:sp>
+      <p:sp>
+        <p:nvSpPr>
+          <p:cNvPr id="15" name="Rectangle 10">
+            <a:extLst>
+              <a:ext uri="{FF2B5EF4-FFF2-40B4-BE49-F238E27FC236}">
+                <a16:creationId xmlns:a16="http://schemas.microsoft.com/office/drawing/2014/main" id="{F0F395FD-89E0-4B7B-95B1-C6DC06DE9DB3}"/>
+              </a:ext>
+              <a:ext uri="{C183D7F6-B498-43B3-948B-1728B52AA6E4}">
+                <adec:decorative xmlns:adec="http://schemas.microsoft.com/office/drawing/2017/decorative" val="1"/>
+              </a:ext>
+            </a:extLst>
+          </p:cNvPr>
+          <p:cNvSpPr>
+            <a:spLocks noGrp="1" noRot="1" noChangeAspect="1" noMove="1" noResize="1" noEditPoints="1" noAdjustHandles="1" noChangeArrowheads="1" noChangeShapeType="1" noTextEdit="1"/>
+          </p:cNvSpPr>
+          <p:nvPr>
+            <p:extLst>
+              <p:ext uri="{386F3935-93C4-4BCD-93E2-E3B085C9AB24}">
+                <p16:designElem xmlns:p16="http://schemas.microsoft.com/office/powerpoint/2015/main" val="1"/>
+              </p:ext>
+            </p:extLst>
+          </p:nvPr>
+        </p:nvSpPr>
+        <p:spPr>
+          <a:xfrm>
+            <a:off x="0" y="1362074"/>
+            <a:ext cx="12192001" cy="4733924"/>
+          </a:xfrm>
+          <a:prstGeom prst="rect">
+            <a:avLst/>
+          </a:prstGeom>
+          <a:gradFill flip="none" rotWithShape="1">
+            <a:gsLst>
+              <a:gs pos="41000">
+                <a:srgbClr val="000000">
+                  <a:alpha val="30000"/>
+                </a:srgbClr>
+              </a:gs>
+              <a:gs pos="60000">
+                <a:srgbClr val="000000">
+                  <a:alpha val="30000"/>
+                </a:srgbClr>
+              </a:gs>
+              <a:gs pos="0">
+                <a:schemeClr val="bg1">
+                  <a:alpha val="0"/>
+                </a:schemeClr>
+              </a:gs>
+              <a:gs pos="100000">
+                <a:schemeClr val="bg1">
+                  <a:alpha val="0"/>
+                </a:schemeClr>
+              </a:gs>
+            </a:gsLst>
+            <a:lin ang="5400000" scaled="1"/>
+            <a:tileRect/>
+          </a:gradFill>
+          <a:ln>
+            <a:noFill/>
+          </a:ln>
+        </p:spPr>
+        <p:style>
+          <a:lnRef idx="2">
+            <a:schemeClr val="accent1">
+              <a:shade val="50000"/>
+            </a:schemeClr>
+          </a:lnRef>
+          <a:fillRef idx="1">
+            <a:schemeClr val="accent1"/>
+          </a:fillRef>
+          <a:effectRef idx="0">
+            <a:schemeClr val="accent1"/>
+          </a:effectRef>
+          <a:fontRef idx="minor">
+            <a:schemeClr val="lt1"/>
+          </a:fontRef>
+        </p:style>
+        <p:txBody>
+          <a:bodyPr rtlCol="0" anchor="ctr"/>
+          <a:lstStyle/>
+          <a:p>
+            <a:pPr algn="ctr"/>
+            <a:endParaRPr lang="en-US"/>
+          </a:p>
+        </p:txBody>
+      </p:sp>
+      <p:sp>
+        <p:nvSpPr>
+          <p:cNvPr id="10" name="TextBox 9">
+            <a:extLst>
+              <a:ext uri="{FF2B5EF4-FFF2-40B4-BE49-F238E27FC236}">
+                <a16:creationId xmlns:a16="http://schemas.microsoft.com/office/drawing/2014/main" id="{6FAF9FA8-F5E0-8344-BABF-6B028732143A}"/>
+              </a:ext>
+            </a:extLst>
+          </p:cNvPr>
+          <p:cNvSpPr txBox="1"/>
+          <p:nvPr/>
+        </p:nvSpPr>
+        <p:spPr>
+          <a:xfrm>
+            <a:off x="524933" y="854242"/>
+            <a:ext cx="11142133" cy="1015663"/>
+          </a:xfrm>
+          <a:prstGeom prst="rect">
+            <a:avLst/>
+          </a:prstGeom>
+          <a:noFill/>
+        </p:spPr>
+        <p:txBody>
+          <a:bodyPr wrap="square" rtlCol="0">
+            <a:spAutoFit/>
+          </a:bodyPr>
+          <a:lstStyle/>
+          <a:p>
+            <a:r>
+              <a:rPr lang="en-US" sz="6000" dirty="0">
+                <a:solidFill>
+                  <a:srgbClr val="48607D"/>
+                </a:solidFill>
+              </a:rPr>
+              <a:t>DATA ANALYSIS continued</a:t>
+            </a:r>
+          </a:p>
+        </p:txBody>
+      </p:sp>
+      <p:sp>
+        <p:nvSpPr>
+          <p:cNvPr id="7" name="Rectangle 6">
+            <a:extLst>
+              <a:ext uri="{FF2B5EF4-FFF2-40B4-BE49-F238E27FC236}">
+                <a16:creationId xmlns:a16="http://schemas.microsoft.com/office/drawing/2014/main" id="{8C88652C-06BF-8D4B-BF0F-7EDAEA97ABAF}"/>
+              </a:ext>
+            </a:extLst>
+          </p:cNvPr>
+          <p:cNvSpPr/>
+          <p:nvPr/>
+        </p:nvSpPr>
+        <p:spPr>
+          <a:xfrm>
+            <a:off x="524932" y="2114521"/>
+            <a:ext cx="10905067" cy="4154984"/>
+          </a:xfrm>
+          <a:prstGeom prst="rect">
+            <a:avLst/>
+          </a:prstGeom>
+          <a:solidFill>
+            <a:srgbClr val="575757">
+              <a:alpha val="50000"/>
+            </a:srgbClr>
+          </a:solidFill>
+        </p:spPr>
+        <p:txBody>
+          <a:bodyPr wrap="square">
+            <a:spAutoFit/>
+          </a:bodyPr>
+          <a:lstStyle/>
+          <a:p>
+            <a:pPr marL="857250" indent="-857250">
+              <a:buFont typeface="Arial" panose="020B0604020202020204" pitchFamily="34" charset="0"/>
+              <a:buChar char="•"/>
+            </a:pPr>
+            <a:r>
+              <a:rPr lang="en-US" sz="2400" dirty="0"/>
+              <a:t>Present and discuss interesting figures developed during analysis, ideally with the help of </a:t>
+            </a:r>
+            <a:r>
+              <a:rPr lang="en-US" sz="2400" dirty="0" err="1"/>
+              <a:t>Jupyter</a:t>
+            </a:r>
+            <a:r>
+              <a:rPr lang="en-US" sz="2400" dirty="0"/>
+              <a:t> Notebook</a:t>
+            </a:r>
+          </a:p>
+          <a:p>
+            <a:pPr marL="342900" indent="-342900">
+              <a:buFont typeface="Arial" panose="020B0604020202020204" pitchFamily="34" charset="0"/>
+              <a:buChar char="•"/>
+            </a:pPr>
+            <a:r>
+              <a:rPr lang="en-US" sz="2400" dirty="0">
+                <a:solidFill>
+                  <a:schemeClr val="bg1"/>
+                </a:solidFill>
+              </a:rPr>
+              <a:t>Comparing New </a:t>
+            </a:r>
+            <a:r>
+              <a:rPr lang="en-US" sz="2400" dirty="0" err="1">
+                <a:solidFill>
+                  <a:schemeClr val="bg1"/>
+                </a:solidFill>
+              </a:rPr>
+              <a:t>Dehli</a:t>
+            </a:r>
+            <a:r>
+              <a:rPr lang="en-US" sz="2400" dirty="0">
+                <a:solidFill>
+                  <a:schemeClr val="bg1"/>
+                </a:solidFill>
+              </a:rPr>
+              <a:t> and Mumbai: </a:t>
+            </a:r>
+          </a:p>
+          <a:p>
+            <a:pPr marL="800100" lvl="1" indent="-342900">
+              <a:buFont typeface="Arial" panose="020B0604020202020204" pitchFamily="34" charset="0"/>
+              <a:buChar char="•"/>
+            </a:pPr>
+            <a:r>
+              <a:rPr lang="en-US" sz="2400" dirty="0">
+                <a:solidFill>
+                  <a:schemeClr val="bg1"/>
+                </a:solidFill>
+              </a:rPr>
+              <a:t>New </a:t>
+            </a:r>
+            <a:r>
+              <a:rPr lang="en-US" sz="2400" dirty="0" err="1">
+                <a:solidFill>
+                  <a:schemeClr val="bg1"/>
+                </a:solidFill>
+              </a:rPr>
+              <a:t>Dehli</a:t>
+            </a:r>
+            <a:r>
+              <a:rPr lang="en-US" sz="2400" dirty="0">
+                <a:solidFill>
+                  <a:schemeClr val="bg1"/>
+                </a:solidFill>
+              </a:rPr>
+              <a:t> had higher AQI, but had no real distinguished difference through 2018,2019,2020. However, Mumbai had a significant drop around May, which would more than likely correlate to a shutdown. Would need further analysis.</a:t>
+            </a:r>
+          </a:p>
+          <a:p>
+            <a:pPr marL="342900" indent="-342900">
+              <a:buFont typeface="Arial" panose="020B0604020202020204" pitchFamily="34" charset="0"/>
+              <a:buChar char="•"/>
+            </a:pPr>
+            <a:r>
+              <a:rPr lang="en-US" sz="2400" dirty="0">
+                <a:solidFill>
+                  <a:schemeClr val="bg1"/>
+                </a:solidFill>
+              </a:rPr>
+              <a:t>Stockholm, Sweden never shut down, yet had a decline March – May lower than previous years</a:t>
+            </a:r>
+          </a:p>
+          <a:p>
+            <a:pPr marL="342900" indent="-342900">
+              <a:buFont typeface="Arial" panose="020B0604020202020204" pitchFamily="34" charset="0"/>
+              <a:buChar char="•"/>
+            </a:pPr>
+            <a:r>
+              <a:rPr lang="en-US" sz="2400" dirty="0">
+                <a:solidFill>
+                  <a:schemeClr val="bg1"/>
+                </a:solidFill>
+              </a:rPr>
+              <a:t>Wuhan in 2020 started at a lower AQI than past years, but the decrease over time </a:t>
+            </a:r>
+            <a:r>
+              <a:rPr lang="en-US" sz="2400">
+                <a:solidFill>
+                  <a:schemeClr val="bg1"/>
+                </a:solidFill>
+              </a:rPr>
+              <a:t>throughout the year </a:t>
+            </a:r>
+            <a:r>
+              <a:rPr lang="en-US" sz="2400" dirty="0">
+                <a:solidFill>
+                  <a:schemeClr val="bg1"/>
+                </a:solidFill>
+              </a:rPr>
+              <a:t>is not that much different </a:t>
+            </a:r>
+            <a:r>
+              <a:rPr lang="en-US" sz="2400">
+                <a:solidFill>
+                  <a:schemeClr val="bg1"/>
+                </a:solidFill>
+              </a:rPr>
+              <a:t>than previous years. </a:t>
+            </a:r>
+            <a:endParaRPr lang="en-US" sz="2400" dirty="0">
+              <a:solidFill>
+                <a:schemeClr val="bg1"/>
+              </a:solidFill>
+            </a:endParaRPr>
+          </a:p>
+          <a:p>
+            <a:pPr marL="342900" indent="-342900">
+              <a:buFont typeface="Arial" panose="020B0604020202020204" pitchFamily="34" charset="0"/>
+              <a:buChar char="•"/>
+            </a:pPr>
+            <a:endParaRPr lang="en-US" sz="2400" dirty="0">
+              <a:solidFill>
+                <a:schemeClr val="bg1"/>
+              </a:solidFill>
+            </a:endParaRPr>
+          </a:p>
+        </p:txBody>
+      </p:sp>
+    </p:spTree>
+    <p:extLst>
+      <p:ext uri="{BB962C8B-B14F-4D97-AF65-F5344CB8AC3E}">
+        <p14:creationId xmlns:p14="http://schemas.microsoft.com/office/powerpoint/2010/main" val="329798661"/>
       </p:ext>
     </p:extLst>
   </p:cSld>

--- a/Presentation_Slides.pptx
+++ b/Presentation_Slides.pptx
@@ -5,7 +5,7 @@
     <p:sldMasterId id="2147483744" r:id="rId1"/>
   </p:sldMasterIdLst>
   <p:notesMasterIdLst>
-    <p:notesMasterId r:id="rId13"/>
+    <p:notesMasterId r:id="rId14"/>
   </p:notesMasterIdLst>
   <p:sldIdLst>
     <p:sldId id="268" r:id="rId2"/>
@@ -18,7 +18,8 @@
     <p:sldId id="272" r:id="rId9"/>
     <p:sldId id="273" r:id="rId10"/>
     <p:sldId id="274" r:id="rId11"/>
-    <p:sldId id="275" r:id="rId12"/>
+    <p:sldId id="277" r:id="rId12"/>
+    <p:sldId id="275" r:id="rId13"/>
   </p:sldIdLst>
   <p:sldSz cx="12192000" cy="6858000"/>
   <p:notesSz cx="6858000" cy="9144000"/>
@@ -4027,6 +4028,30 @@
 <file path=ppt/slides/slide10.xml><?xml version="1.0" encoding="utf-8"?>
 <p:sld xmlns:a="http://schemas.openxmlformats.org/drawingml/2006/main" xmlns:r="http://schemas.openxmlformats.org/officeDocument/2006/relationships" xmlns:p="http://schemas.openxmlformats.org/presentationml/2006/main">
   <p:cSld>
+    <p:bg>
+      <p:bgPr>
+        <a:blipFill dpi="0" rotWithShape="1">
+          <a:blip r:embed="rId2">
+            <a:extLst>
+              <a:ext uri="{BEBA8EAE-BF5A-486C-A8C5-ECC9F3942E4B}">
+                <a14:imgProps xmlns:a14="http://schemas.microsoft.com/office/drawing/2010/main">
+                  <a14:imgLayer r:embed="rId3">
+                    <a14:imgEffect>
+                      <a14:artisticGlowDiffused/>
+                    </a14:imgEffect>
+                  </a14:imgLayer>
+                </a14:imgProps>
+              </a:ext>
+            </a:extLst>
+          </a:blip>
+          <a:srcRect/>
+          <a:stretch>
+            <a:fillRect/>
+          </a:stretch>
+        </a:blipFill>
+        <a:effectLst/>
+      </p:bgPr>
+    </p:bg>
     <p:spTree>
       <p:nvGrpSpPr>
         <p:cNvPr id="1" name=""/>
@@ -4244,7 +4269,7 @@
         <p:spPr>
           <a:xfrm>
             <a:off x="524932" y="2114521"/>
-            <a:ext cx="10905067" cy="2677656"/>
+            <a:ext cx="10905067" cy="3231654"/>
           </a:xfrm>
           <a:prstGeom prst="rect">
             <a:avLst/>
@@ -4276,7 +4301,7 @@
               <a:buChar char="•"/>
             </a:pPr>
             <a:r>
-              <a:rPr lang="en-US" dirty="0">
+              <a:rPr lang="en-US" b="1" dirty="0">
                 <a:solidFill>
                   <a:schemeClr val="bg1"/>
                 </a:solidFill>
@@ -4290,7 +4315,7 @@
               <a:buChar char="•"/>
             </a:pPr>
             <a:r>
-              <a:rPr lang="en-US" dirty="0">
+              <a:rPr lang="en-US" b="1" dirty="0">
                 <a:solidFill>
                   <a:schemeClr val="bg1"/>
                 </a:solidFill>
@@ -4304,7 +4329,7 @@
               <a:buChar char="•"/>
             </a:pPr>
             <a:r>
-              <a:rPr lang="en-US" dirty="0">
+              <a:rPr lang="en-US" b="1" dirty="0">
                 <a:solidFill>
                   <a:schemeClr val="bg1"/>
                 </a:solidFill>
@@ -4318,7 +4343,7 @@
               <a:buChar char="•"/>
             </a:pPr>
             <a:r>
-              <a:rPr lang="en-US" dirty="0">
+              <a:rPr lang="en-US" b="1" dirty="0">
                 <a:solidFill>
                   <a:schemeClr val="bg1"/>
                 </a:solidFill>
@@ -4332,15 +4357,15 @@
               <a:buChar char="•"/>
             </a:pPr>
             <a:r>
-              <a:rPr lang="en-US" dirty="0">
+              <a:rPr lang="en-US" b="1" dirty="0">
                 <a:solidFill>
                   <a:schemeClr val="bg1"/>
                 </a:solidFill>
               </a:rPr>
-              <a:t>Account for other variables impacting AQI: population, natural vs man-made factors in pollution, city location (port city, inland, </a:t>
-            </a:r>
-            <a:r>
-              <a:rPr lang="en-US" dirty="0" err="1">
+              <a:t>Account for other variables impacting AQI: population, natural vs man-made pollution, city location (port city, inland, </a:t>
+            </a:r>
+            <a:r>
+              <a:rPr lang="en-US" b="1" dirty="0" err="1">
                 <a:solidFill>
                   <a:schemeClr val="bg1"/>
                 </a:solidFill>
@@ -4348,12 +4373,40 @@
               <a:t>etc</a:t>
             </a:r>
             <a:r>
-              <a:rPr lang="en-US" dirty="0">
+              <a:rPr lang="en-US" b="1" dirty="0">
                 <a:solidFill>
                   <a:schemeClr val="bg1"/>
                 </a:solidFill>
               </a:rPr>
               <a:t>)</a:t>
+            </a:r>
+          </a:p>
+          <a:p>
+            <a:pPr marL="857250" indent="-857250">
+              <a:buFont typeface="Arial" panose="020B0604020202020204" pitchFamily="34" charset="0"/>
+              <a:buChar char="•"/>
+            </a:pPr>
+            <a:r>
+              <a:rPr lang="en-US" b="1" dirty="0">
+                <a:solidFill>
+                  <a:schemeClr val="bg1"/>
+                </a:solidFill>
+              </a:rPr>
+              <a:t>Insert timepoints in our plots showing significant </a:t>
+            </a:r>
+          </a:p>
+          <a:p>
+            <a:pPr marL="857250" indent="-857250">
+              <a:buFont typeface="Arial" panose="020B0604020202020204" pitchFamily="34" charset="0"/>
+              <a:buChar char="•"/>
+            </a:pPr>
+            <a:r>
+              <a:rPr lang="en-US" b="1" dirty="0">
+                <a:solidFill>
+                  <a:schemeClr val="bg1"/>
+                </a:solidFill>
+              </a:rPr>
+              <a:t>More practice on Git Hub!! </a:t>
             </a:r>
           </a:p>
         </p:txBody>
@@ -4374,6 +4427,30 @@
 <file path=ppt/slides/slide11.xml><?xml version="1.0" encoding="utf-8"?>
 <p:sld xmlns:a="http://schemas.openxmlformats.org/drawingml/2006/main" xmlns:r="http://schemas.openxmlformats.org/officeDocument/2006/relationships" xmlns:p="http://schemas.openxmlformats.org/presentationml/2006/main">
   <p:cSld>
+    <p:bg>
+      <p:bgPr>
+        <a:blipFill dpi="0" rotWithShape="1">
+          <a:blip r:embed="rId2">
+            <a:extLst>
+              <a:ext uri="{BEBA8EAE-BF5A-486C-A8C5-ECC9F3942E4B}">
+                <a14:imgProps xmlns:a14="http://schemas.microsoft.com/office/drawing/2010/main">
+                  <a14:imgLayer r:embed="rId3">
+                    <a14:imgEffect>
+                      <a14:artisticGlowDiffused/>
+                    </a14:imgEffect>
+                  </a14:imgLayer>
+                </a14:imgProps>
+              </a:ext>
+            </a:extLst>
+          </a:blip>
+          <a:srcRect/>
+          <a:stretch>
+            <a:fillRect/>
+          </a:stretch>
+        </a:blipFill>
+        <a:effectLst/>
+      </p:bgPr>
+    </p:bg>
     <p:spTree>
       <p:nvGrpSpPr>
         <p:cNvPr id="1" name=""/>
@@ -4571,7 +4648,7 @@
                   <a:srgbClr val="48607D"/>
                 </a:solidFill>
               </a:rPr>
-              <a:t>QUESTIONS</a:t>
+              <a:t>Resources</a:t>
             </a:r>
           </a:p>
         </p:txBody>
@@ -4591,7 +4668,7 @@
         <p:spPr>
           <a:xfrm>
             <a:off x="524932" y="2114521"/>
-            <a:ext cx="10905067" cy="584775"/>
+            <a:ext cx="10905067" cy="3539430"/>
           </a:xfrm>
           <a:prstGeom prst="rect">
             <a:avLst/>
@@ -4608,9 +4685,204 @@
           </a:bodyPr>
           <a:lstStyle/>
           <a:p>
-            <a:r>
-              <a:rPr lang="en-US" sz="3200" dirty="0"/>
-              <a:t>DOES ANYONE HAVE ANY QUESTIONS FOR US THIS EVENING?</a:t>
+            <a:pPr marL="857250" indent="-857250">
+              <a:buFont typeface="Arial" panose="020B0604020202020204" pitchFamily="34" charset="0"/>
+              <a:buChar char="•"/>
+            </a:pPr>
+            <a:r>
+              <a:rPr lang="en-US" sz="2000" dirty="0"/>
+              <a:t>AQI DATA</a:t>
+            </a:r>
+          </a:p>
+          <a:p>
+            <a:pPr marL="1314450" lvl="1" indent="-857250">
+              <a:buFont typeface="Arial" panose="020B0604020202020204" pitchFamily="34" charset="0"/>
+              <a:buChar char="•"/>
+            </a:pPr>
+            <a:r>
+              <a:rPr lang="en-US" sz="2000" dirty="0">
+                <a:solidFill>
+                  <a:srgbClr val="00B0F0"/>
+                </a:solidFill>
+                <a:hlinkClick r:id="rId4">
+                  <a:extLst>
+                    <a:ext uri="{A12FA001-AC4F-418D-AE19-62706E023703}">
+                      <ahyp:hlinkClr xmlns:ahyp="http://schemas.microsoft.com/office/drawing/2018/hyperlinkcolor" val="tx"/>
+                    </a:ext>
+                  </a:extLst>
+                </a:hlinkClick>
+              </a:rPr>
+              <a:t>https://waqi.info</a:t>
+            </a:r>
+            <a:r>
+              <a:rPr lang="en-US" sz="2000" dirty="0">
+                <a:solidFill>
+                  <a:srgbClr val="898453"/>
+                </a:solidFill>
+                <a:hlinkClick r:id="rId4">
+                  <a:extLst>
+                    <a:ext uri="{A12FA001-AC4F-418D-AE19-62706E023703}">
+                      <ahyp:hlinkClr xmlns:ahyp="http://schemas.microsoft.com/office/drawing/2018/hyperlinkcolor" val="tx"/>
+                    </a:ext>
+                  </a:extLst>
+                </a:hlinkClick>
+              </a:rPr>
+              <a:t>/</a:t>
+            </a:r>
+            <a:endParaRPr lang="en-US" sz="2000" dirty="0"/>
+          </a:p>
+          <a:p>
+            <a:pPr marL="857250" indent="-857250">
+              <a:buFont typeface="Arial" panose="020B0604020202020204" pitchFamily="34" charset="0"/>
+              <a:buChar char="•"/>
+            </a:pPr>
+            <a:r>
+              <a:rPr lang="en-US" sz="2000" dirty="0"/>
+              <a:t>COVID 19 DATA</a:t>
+            </a:r>
+          </a:p>
+          <a:p>
+            <a:pPr marL="1314450" lvl="1" indent="-857250">
+              <a:buFont typeface="Arial" panose="020B0604020202020204" pitchFamily="34" charset="0"/>
+              <a:buChar char="•"/>
+            </a:pPr>
+            <a:r>
+              <a:rPr lang="en-US" sz="2000" dirty="0"/>
+              <a:t>Raw Data for COVID-19 Deaths, Recovery, Confirmed Cases</a:t>
+            </a:r>
+          </a:p>
+          <a:p>
+            <a:pPr marL="1771650" lvl="2" indent="-857250">
+              <a:buFont typeface="Arial" panose="020B0604020202020204" pitchFamily="34" charset="0"/>
+              <a:buChar char="•"/>
+            </a:pPr>
+            <a:r>
+              <a:rPr lang="en-US" sz="2000" dirty="0"/>
+              <a:t>Johns Hopkins Univ Center for Systems Science and Engineering</a:t>
+            </a:r>
+          </a:p>
+          <a:p>
+            <a:pPr marL="2228850" lvl="3" indent="-857250">
+              <a:buFont typeface="Arial" panose="020B0604020202020204" pitchFamily="34" charset="0"/>
+              <a:buChar char="•"/>
+            </a:pPr>
+            <a:r>
+              <a:rPr lang="en-US" sz="2000" dirty="0">
+                <a:solidFill>
+                  <a:srgbClr val="00B0F0"/>
+                </a:solidFill>
+                <a:hlinkClick r:id="rId5">
+                  <a:extLst>
+                    <a:ext uri="{A12FA001-AC4F-418D-AE19-62706E023703}">
+                      <ahyp:hlinkClr xmlns:ahyp="http://schemas.microsoft.com/office/drawing/2018/hyperlinkcolor" val="tx"/>
+                    </a:ext>
+                  </a:extLst>
+                </a:hlinkClick>
+              </a:rPr>
+              <a:t>https://data.humdata.org/dataset/novel-coronavirus-2019-ncov-cases</a:t>
+            </a:r>
+            <a:endParaRPr lang="en-US" sz="2000" dirty="0">
+              <a:solidFill>
+                <a:srgbClr val="00B0F0"/>
+              </a:solidFill>
+            </a:endParaRPr>
+          </a:p>
+          <a:p>
+            <a:pPr marL="1771650" lvl="2" indent="-857250">
+              <a:buFont typeface="Arial" panose="020B0604020202020204" pitchFamily="34" charset="0"/>
+              <a:buChar char="•"/>
+            </a:pPr>
+            <a:r>
+              <a:rPr lang="en-US" sz="2000" dirty="0"/>
+              <a:t>World Health Organization</a:t>
+            </a:r>
+          </a:p>
+          <a:p>
+            <a:pPr marL="2228850" lvl="3" indent="-857250">
+              <a:buFont typeface="Arial" panose="020B0604020202020204" pitchFamily="34" charset="0"/>
+              <a:buChar char="•"/>
+            </a:pPr>
+            <a:r>
+              <a:rPr lang="en-US" sz="2000" dirty="0">
+                <a:solidFill>
+                  <a:srgbClr val="00B0F0"/>
+                </a:solidFill>
+                <a:hlinkClick r:id="rId6">
+                  <a:extLst>
+                    <a:ext uri="{A12FA001-AC4F-418D-AE19-62706E023703}">
+                      <ahyp:hlinkClr xmlns:ahyp="http://schemas.microsoft.com/office/drawing/2018/hyperlinkcolor" val="tx"/>
+                    </a:ext>
+                  </a:extLst>
+                </a:hlinkClick>
+              </a:rPr>
+              <a:t>https://data.humdata.org/dataset/coronavirus-covid-19-cases-and-deaths</a:t>
+            </a:r>
+            <a:endParaRPr lang="en-US" sz="2000" dirty="0">
+              <a:solidFill>
+                <a:srgbClr val="00B0F0"/>
+              </a:solidFill>
+            </a:endParaRPr>
+          </a:p>
+          <a:p>
+            <a:pPr marL="1314450" lvl="1" indent="-857250">
+              <a:buFont typeface="Arial" panose="020B0604020202020204" pitchFamily="34" charset="0"/>
+              <a:buChar char="•"/>
+            </a:pPr>
+            <a:r>
+              <a:rPr lang="en-US" sz="2000" dirty="0"/>
+              <a:t>Public health policy responses to COVID-19</a:t>
+            </a:r>
+            <a:endParaRPr lang="en-US" sz="2000" dirty="0">
+              <a:solidFill>
+                <a:srgbClr val="00B0F0"/>
+              </a:solidFill>
+              <a:hlinkClick r:id="rId7">
+                <a:extLst>
+                  <a:ext uri="{A12FA001-AC4F-418D-AE19-62706E023703}">
+                    <ahyp:hlinkClr xmlns:ahyp="http://schemas.microsoft.com/office/drawing/2018/hyperlinkcolor" val="tx"/>
+                  </a:ext>
+                </a:extLst>
+              </a:hlinkClick>
+            </a:endParaRPr>
+          </a:p>
+          <a:p>
+            <a:pPr marL="1771650" lvl="2" indent="-857250">
+              <a:buFont typeface="Arial" panose="020B0604020202020204" pitchFamily="34" charset="0"/>
+              <a:buChar char="•"/>
+            </a:pPr>
+            <a:r>
+              <a:rPr lang="en-US" sz="2000" dirty="0">
+                <a:solidFill>
+                  <a:srgbClr val="00B0F0"/>
+                </a:solidFill>
+                <a:hlinkClick r:id="rId7">
+                  <a:extLst>
+                    <a:ext uri="{A12FA001-AC4F-418D-AE19-62706E023703}">
+                      <ahyp:hlinkClr xmlns:ahyp="http://schemas.microsoft.com/office/drawing/2018/hyperlinkcolor" val="tx"/>
+                    </a:ext>
+                  </a:extLst>
+                </a:hlinkClick>
+              </a:rPr>
+              <a:t>https://www.imf.org/en/Topics/imf-and-covid19/Policy-Responses-to-COVID-19</a:t>
+            </a:r>
+            <a:endParaRPr lang="en-US" sz="2000" dirty="0">
+              <a:solidFill>
+                <a:srgbClr val="00B0F0"/>
+              </a:solidFill>
+            </a:endParaRPr>
+          </a:p>
+          <a:p>
+            <a:pPr marL="857250" indent="-857250">
+              <a:buFont typeface="Arial" panose="020B0604020202020204" pitchFamily="34" charset="0"/>
+              <a:buChar char="•"/>
+            </a:pPr>
+            <a:r>
+              <a:rPr lang="en-US" sz="2400" dirty="0" err="1"/>
+              <a:t>GeoMaps</a:t>
+            </a:r>
+            <a:r>
+              <a:rPr lang="en-US" sz="2400" dirty="0"/>
+              <a:t> </a:t>
             </a:r>
           </a:p>
         </p:txBody>
@@ -4618,7 +4890,7 @@
     </p:spTree>
     <p:extLst>
       <p:ext uri="{BB962C8B-B14F-4D97-AF65-F5344CB8AC3E}">
-        <p14:creationId xmlns:p14="http://schemas.microsoft.com/office/powerpoint/2010/main" val="320314992"/>
+        <p14:creationId xmlns:p14="http://schemas.microsoft.com/office/powerpoint/2010/main" val="1115124109"/>
       </p:ext>
     </p:extLst>
   </p:cSld>
@@ -4628,7 +4900,7 @@
 </p:sld>
 </file>
 
-<file path=ppt/slides/slide2.xml><?xml version="1.0" encoding="utf-8"?>
+<file path=ppt/slides/slide12.xml><?xml version="1.0" encoding="utf-8"?>
 <p:sld xmlns:a="http://schemas.openxmlformats.org/drawingml/2006/main" xmlns:r="http://schemas.openxmlformats.org/officeDocument/2006/relationships" xmlns:p="http://schemas.openxmlformats.org/presentationml/2006/main">
   <p:cSld>
     <p:spTree>
@@ -4794,82 +5066,51 @@
           </a:p>
         </p:txBody>
       </p:sp>
-      <p:pic>
-        <p:nvPicPr>
-          <p:cNvPr id="12" name="Picture 11" descr="A group of people posing for the camera&#10;&#10;Description automatically generated">
-            <a:extLst>
-              <a:ext uri="{FF2B5EF4-FFF2-40B4-BE49-F238E27FC236}">
-                <a16:creationId xmlns:a16="http://schemas.microsoft.com/office/drawing/2014/main" id="{FF73C9AD-1FF0-D845-8421-CF030AFC2E2B}"/>
-              </a:ext>
-            </a:extLst>
-          </p:cNvPr>
-          <p:cNvPicPr>
-            <a:picLocks noChangeAspect="1"/>
-          </p:cNvPicPr>
+      <p:sp>
+        <p:nvSpPr>
+          <p:cNvPr id="10" name="TextBox 9">
+            <a:extLst>
+              <a:ext uri="{FF2B5EF4-FFF2-40B4-BE49-F238E27FC236}">
+                <a16:creationId xmlns:a16="http://schemas.microsoft.com/office/drawing/2014/main" id="{6FAF9FA8-F5E0-8344-BABF-6B028732143A}"/>
+              </a:ext>
+            </a:extLst>
+          </p:cNvPr>
+          <p:cNvSpPr txBox="1"/>
           <p:nvPr/>
-        </p:nvPicPr>
-        <p:blipFill>
-          <a:blip r:embed="rId2"/>
-          <a:stretch>
-            <a:fillRect/>
-          </a:stretch>
-        </p:blipFill>
+        </p:nvSpPr>
         <p:spPr>
           <a:xfrm>
-            <a:off x="2807041" y="1601725"/>
-            <a:ext cx="6577918" cy="3758184"/>
+            <a:off x="524933" y="854242"/>
+            <a:ext cx="11142133" cy="1015663"/>
           </a:xfrm>
           <a:prstGeom prst="rect">
             <a:avLst/>
           </a:prstGeom>
+          <a:noFill/>
         </p:spPr>
-      </p:pic>
-      <p:sp>
-        <p:nvSpPr>
-          <p:cNvPr id="16" name="Subtitle 2">
-            <a:extLst>
-              <a:ext uri="{FF2B5EF4-FFF2-40B4-BE49-F238E27FC236}">
-                <a16:creationId xmlns:a16="http://schemas.microsoft.com/office/drawing/2014/main" id="{0EFB71A2-678F-C54F-9A57-21CA9DEB031D}"/>
-              </a:ext>
-            </a:extLst>
-          </p:cNvPr>
-          <p:cNvSpPr>
-            <a:spLocks noGrp="1"/>
-          </p:cNvSpPr>
-          <p:nvPr>
-            <p:ph type="subTitle" idx="1"/>
-          </p:nvPr>
-        </p:nvSpPr>
-        <p:spPr>
-          <a:xfrm>
-            <a:off x="1986465" y="600074"/>
-            <a:ext cx="2637693" cy="762000"/>
-          </a:xfrm>
-        </p:spPr>
-        <p:txBody>
-          <a:bodyPr anchor="t">
-            <a:normAutofit/>
+        <p:txBody>
+          <a:bodyPr wrap="square" rtlCol="0">
+            <a:spAutoFit/>
           </a:bodyPr>
           <a:lstStyle/>
           <a:p>
-            <a:pPr algn="l"/>
-            <a:r>
-              <a:rPr lang="en-US" sz="3600" dirty="0">
+            <a:r>
+              <a:rPr lang="en-US" sz="6000" dirty="0">
                 <a:solidFill>
                   <a:srgbClr val="48607D"/>
                 </a:solidFill>
               </a:rPr>
-              <a:t>Team Zebra:</a:t>
-            </a:r>
-          </a:p>
-        </p:txBody>
-      </p:sp>
-      <p:sp>
-        <p:nvSpPr>
-          <p:cNvPr id="9" name="Rectangle 8">
-            <a:extLst>
-              <a:ext uri="{FF2B5EF4-FFF2-40B4-BE49-F238E27FC236}">
-                <a16:creationId xmlns:a16="http://schemas.microsoft.com/office/drawing/2014/main" id="{8F237105-8160-7445-B5F3-D93B7ED15BD6}"/>
+              <a:t>QUESTIONS</a:t>
+            </a:r>
+          </a:p>
+        </p:txBody>
+      </p:sp>
+      <p:sp>
+        <p:nvSpPr>
+          <p:cNvPr id="7" name="Rectangle 6">
+            <a:extLst>
+              <a:ext uri="{FF2B5EF4-FFF2-40B4-BE49-F238E27FC236}">
+                <a16:creationId xmlns:a16="http://schemas.microsoft.com/office/drawing/2014/main" id="{8C88652C-06BF-8D4B-BF0F-7EDAEA97ABAF}"/>
               </a:ext>
             </a:extLst>
           </p:cNvPr>
@@ -4878,28 +5119,27 @@
         </p:nvSpPr>
         <p:spPr>
           <a:xfrm>
-            <a:off x="4624159" y="600072"/>
-            <a:ext cx="6096000" cy="707886"/>
+            <a:off x="524932" y="2114521"/>
+            <a:ext cx="10905067" cy="584775"/>
           </a:xfrm>
           <a:prstGeom prst="rect">
             <a:avLst/>
           </a:prstGeom>
+          <a:solidFill>
+            <a:srgbClr val="575757">
+              <a:alpha val="50000"/>
+            </a:srgbClr>
+          </a:solidFill>
         </p:spPr>
         <p:txBody>
-          <a:bodyPr>
+          <a:bodyPr wrap="square">
             <a:spAutoFit/>
           </a:bodyPr>
           <a:lstStyle/>
           <a:p>
             <a:r>
-              <a:rPr lang="en-US" sz="2000" b="1" dirty="0"/>
-              <a:t>Kathryn Rigsby, Alvaro McRae,</a:t>
-            </a:r>
-          </a:p>
-          <a:p>
-            <a:r>
-              <a:rPr lang="en-US" sz="2000" b="1" dirty="0"/>
-              <a:t>Gage Thompson, Aaron Ecker</a:t>
+              <a:rPr lang="en-US" sz="3200" dirty="0"/>
+              <a:t>DOES ANYONE HAVE ANY QUESTIONS FOR US THIS EVENING?</a:t>
             </a:r>
           </a:p>
         </p:txBody>
@@ -4907,7 +5147,7 @@
     </p:spTree>
     <p:extLst>
       <p:ext uri="{BB962C8B-B14F-4D97-AF65-F5344CB8AC3E}">
-        <p14:creationId xmlns:p14="http://schemas.microsoft.com/office/powerpoint/2010/main" val="1148271400"/>
+        <p14:creationId xmlns:p14="http://schemas.microsoft.com/office/powerpoint/2010/main" val="320314992"/>
       </p:ext>
     </p:extLst>
   </p:cSld>
@@ -4917,7 +5157,7 @@
 </p:sld>
 </file>
 
-<file path=ppt/slides/slide3.xml><?xml version="1.0" encoding="utf-8"?>
+<file path=ppt/slides/slide2.xml><?xml version="1.0" encoding="utf-8"?>
 <p:sld xmlns:a="http://schemas.openxmlformats.org/drawingml/2006/main" xmlns:r="http://schemas.openxmlformats.org/officeDocument/2006/relationships" xmlns:p="http://schemas.openxmlformats.org/presentationml/2006/main">
   <p:cSld>
     <p:spTree>
@@ -5083,52 +5323,82 @@
           </a:p>
         </p:txBody>
       </p:sp>
-      <p:sp>
-        <p:nvSpPr>
-          <p:cNvPr id="10" name="TextBox 9">
-            <a:extLst>
-              <a:ext uri="{FF2B5EF4-FFF2-40B4-BE49-F238E27FC236}">
-                <a16:creationId xmlns:a16="http://schemas.microsoft.com/office/drawing/2014/main" id="{6FAF9FA8-F5E0-8344-BABF-6B028732143A}"/>
-              </a:ext>
-            </a:extLst>
-          </p:cNvPr>
-          <p:cNvSpPr txBox="1"/>
+      <p:pic>
+        <p:nvPicPr>
+          <p:cNvPr id="12" name="Picture 11" descr="A group of people posing for the camera&#10;&#10;Description automatically generated">
+            <a:extLst>
+              <a:ext uri="{FF2B5EF4-FFF2-40B4-BE49-F238E27FC236}">
+                <a16:creationId xmlns:a16="http://schemas.microsoft.com/office/drawing/2014/main" id="{FF73C9AD-1FF0-D845-8421-CF030AFC2E2B}"/>
+              </a:ext>
+            </a:extLst>
+          </p:cNvPr>
+          <p:cNvPicPr>
+            <a:picLocks noChangeAspect="1"/>
+          </p:cNvPicPr>
           <p:nvPr/>
-        </p:nvSpPr>
+        </p:nvPicPr>
+        <p:blipFill>
+          <a:blip r:embed="rId2"/>
+          <a:stretch>
+            <a:fillRect/>
+          </a:stretch>
+        </p:blipFill>
         <p:spPr>
           <a:xfrm>
-            <a:off x="524933" y="854242"/>
-            <a:ext cx="11142133" cy="1015663"/>
+            <a:off x="2807041" y="1601725"/>
+            <a:ext cx="6577918" cy="3758184"/>
           </a:xfrm>
           <a:prstGeom prst="rect">
             <a:avLst/>
           </a:prstGeom>
-          <a:noFill/>
         </p:spPr>
-        <p:txBody>
-          <a:bodyPr wrap="square" rtlCol="0">
-            <a:spAutoFit/>
+      </p:pic>
+      <p:sp>
+        <p:nvSpPr>
+          <p:cNvPr id="16" name="Subtitle 2">
+            <a:extLst>
+              <a:ext uri="{FF2B5EF4-FFF2-40B4-BE49-F238E27FC236}">
+                <a16:creationId xmlns:a16="http://schemas.microsoft.com/office/drawing/2014/main" id="{0EFB71A2-678F-C54F-9A57-21CA9DEB031D}"/>
+              </a:ext>
+            </a:extLst>
+          </p:cNvPr>
+          <p:cNvSpPr>
+            <a:spLocks noGrp="1"/>
+          </p:cNvSpPr>
+          <p:nvPr>
+            <p:ph type="subTitle" idx="1"/>
+          </p:nvPr>
+        </p:nvSpPr>
+        <p:spPr>
+          <a:xfrm>
+            <a:off x="1986465" y="600074"/>
+            <a:ext cx="2637693" cy="762000"/>
+          </a:xfrm>
+        </p:spPr>
+        <p:txBody>
+          <a:bodyPr anchor="t">
+            <a:normAutofit/>
           </a:bodyPr>
           <a:lstStyle/>
           <a:p>
-            <a:r>
-              <a:rPr lang="en-US" sz="6000" dirty="0">
+            <a:pPr algn="l"/>
+            <a:r>
+              <a:rPr lang="en-US" sz="3600" dirty="0">
                 <a:solidFill>
                   <a:srgbClr val="48607D"/>
                 </a:solidFill>
-                <a:latin typeface="Avenir Next Condensed" panose="020B0506020202020204" pitchFamily="34" charset="0"/>
               </a:rPr>
-              <a:t>HYPOTHESIS</a:t>
-            </a:r>
-          </a:p>
-        </p:txBody>
-      </p:sp>
-      <p:sp>
-        <p:nvSpPr>
-          <p:cNvPr id="7" name="Rectangle 6">
-            <a:extLst>
-              <a:ext uri="{FF2B5EF4-FFF2-40B4-BE49-F238E27FC236}">
-                <a16:creationId xmlns:a16="http://schemas.microsoft.com/office/drawing/2014/main" id="{8C88652C-06BF-8D4B-BF0F-7EDAEA97ABAF}"/>
+              <a:t>Team Zebra:</a:t>
+            </a:r>
+          </a:p>
+        </p:txBody>
+      </p:sp>
+      <p:sp>
+        <p:nvSpPr>
+          <p:cNvPr id="9" name="Rectangle 8">
+            <a:extLst>
+              <a:ext uri="{FF2B5EF4-FFF2-40B4-BE49-F238E27FC236}">
+                <a16:creationId xmlns:a16="http://schemas.microsoft.com/office/drawing/2014/main" id="{8F237105-8160-7445-B5F3-D93B7ED15BD6}"/>
               </a:ext>
             </a:extLst>
           </p:cNvPr>
@@ -5137,27 +5407,28 @@
         </p:nvSpPr>
         <p:spPr>
           <a:xfrm>
-            <a:off x="524932" y="2114521"/>
-            <a:ext cx="10905067" cy="4401205"/>
+            <a:off x="4624159" y="600072"/>
+            <a:ext cx="6096000" cy="707886"/>
           </a:xfrm>
           <a:prstGeom prst="rect">
             <a:avLst/>
           </a:prstGeom>
-          <a:solidFill>
-            <a:srgbClr val="575757">
-              <a:alpha val="50000"/>
-            </a:srgbClr>
-          </a:solidFill>
         </p:spPr>
         <p:txBody>
-          <a:bodyPr wrap="square">
+          <a:bodyPr>
             <a:spAutoFit/>
           </a:bodyPr>
           <a:lstStyle/>
           <a:p>
             <a:r>
-              <a:rPr lang="en-US" sz="2800" dirty="0"/>
-              <a:t>We believe that overall air quality, measured by Air Quality Index (AQI), has improved worldwide during the COVID-19 crisis and will explore this theme by researching data on air quality indexes before COVID-19 and throughout the crisis. In regions where the public health response has been strict, enacting policies such as travel bans and lockdowns, we expect to see improved levels of air quality. Conversely, regions that enacted less strict responses, we believe that air quality indexes will have improved at a lower rate. We also want to explore how air quality impacts the rate of infection, expecting to see a strong positive correlation of rates of infection(deaths) in regions with poorer air quality.</a:t>
+              <a:rPr lang="en-US" sz="2000" b="1" dirty="0"/>
+              <a:t>Kathryn Rigsby, Alvaro McRae,</a:t>
+            </a:r>
+          </a:p>
+          <a:p>
+            <a:r>
+              <a:rPr lang="en-US" sz="2000" b="1" dirty="0"/>
+              <a:t>Gage Thompson, Aaron Ecker</a:t>
             </a:r>
           </a:p>
         </p:txBody>
@@ -5165,7 +5436,7 @@
     </p:spTree>
     <p:extLst>
       <p:ext uri="{BB962C8B-B14F-4D97-AF65-F5344CB8AC3E}">
-        <p14:creationId xmlns:p14="http://schemas.microsoft.com/office/powerpoint/2010/main" val="1839433049"/>
+        <p14:creationId xmlns:p14="http://schemas.microsoft.com/office/powerpoint/2010/main" val="1148271400"/>
       </p:ext>
     </p:extLst>
   </p:cSld>
@@ -5175,7 +5446,7 @@
 </p:sld>
 </file>
 
-<file path=ppt/slides/slide4.xml><?xml version="1.0" encoding="utf-8"?>
+<file path=ppt/slides/slide3.xml><?xml version="1.0" encoding="utf-8"?>
 <p:sld xmlns:a="http://schemas.openxmlformats.org/drawingml/2006/main" xmlns:r="http://schemas.openxmlformats.org/officeDocument/2006/relationships" xmlns:p="http://schemas.openxmlformats.org/presentationml/2006/main">
   <p:cSld>
     <p:spTree>
@@ -5374,8 +5645,9 @@
                 <a:solidFill>
                   <a:srgbClr val="48607D"/>
                 </a:solidFill>
+                <a:latin typeface="Avenir Next Condensed" panose="020B0506020202020204" pitchFamily="34" charset="0"/>
               </a:rPr>
-              <a:t>MOTIVATION &amp; SUMMARY SLIDE</a:t>
+              <a:t>HYPOTHESIS</a:t>
             </a:r>
           </a:p>
         </p:txBody>
@@ -5395,7 +5667,7 @@
         <p:spPr>
           <a:xfrm>
             <a:off x="524932" y="2114521"/>
-            <a:ext cx="10905067" cy="3847207"/>
+            <a:ext cx="10905067" cy="4401205"/>
           </a:xfrm>
           <a:prstGeom prst="rect">
             <a:avLst/>
@@ -5412,109 +5684,17 @@
           </a:bodyPr>
           <a:lstStyle/>
           <a:p>
-            <a:pPr marL="457200" indent="-457200">
-              <a:buFont typeface="Arial" panose="020B0604020202020204" pitchFamily="34" charset="0"/>
-              <a:buChar char="•"/>
-            </a:pPr>
             <a:r>
               <a:rPr lang="en-US" sz="2800" dirty="0"/>
-              <a:t>Describe the questions you asked, and </a:t>
-            </a:r>
-            <a:r>
-              <a:rPr lang="en-US" sz="2800" i="1" dirty="0"/>
-              <a:t>why</a:t>
-            </a:r>
-            <a:r>
-              <a:rPr lang="en-US" sz="2800" dirty="0"/>
-              <a:t> you asked them </a:t>
-            </a:r>
-          </a:p>
-          <a:p>
-            <a:pPr marL="457200" indent="-457200">
-              <a:buFont typeface="Arial" panose="020B0604020202020204" pitchFamily="34" charset="0"/>
-              <a:buChar char="•"/>
-            </a:pPr>
-            <a:r>
-              <a:rPr lang="en-US" sz="2000" b="0" i="0" u="none" strike="noStrike" dirty="0">
-                <a:solidFill>
-                  <a:srgbClr val="000000"/>
-                </a:solidFill>
-                <a:effectLst/>
-                <a:latin typeface="Roboto"/>
-              </a:rPr>
-              <a:t>What is the correlation between air quality around the world and public health response to Novel Coronavirus?</a:t>
-            </a:r>
-          </a:p>
-          <a:p>
-            <a:pPr marL="914400" lvl="1" indent="-457200">
-              <a:buFont typeface="Arial" panose="020B0604020202020204" pitchFamily="34" charset="0"/>
-              <a:buChar char="•"/>
-            </a:pPr>
-            <a:r>
-              <a:rPr lang="en-US" sz="2000" dirty="0">
-                <a:solidFill>
-                  <a:srgbClr val="000000"/>
-                </a:solidFill>
-                <a:latin typeface="Roboto"/>
-              </a:rPr>
-              <a:t>To learn how various global public health responses to COVID19 affect AQI in different cities around the world</a:t>
-            </a:r>
-            <a:endParaRPr lang="en-US" sz="2800" dirty="0">
-              <a:latin typeface="Roboto"/>
-            </a:endParaRPr>
-          </a:p>
-          <a:p>
-            <a:pPr marL="457200" indent="-457200">
-              <a:buFont typeface="Arial" panose="020B0604020202020204" pitchFamily="34" charset="0"/>
-              <a:buChar char="•"/>
-            </a:pPr>
-            <a:r>
-              <a:rPr lang="en-US" sz="2800" dirty="0"/>
-              <a:t>Describe whether you were able to answer these questions to your satisfaction, and briefly summarize your findings</a:t>
-            </a:r>
-          </a:p>
-          <a:p>
-            <a:pPr marL="457200" indent="-457200">
-              <a:buFont typeface="Arial" panose="020B0604020202020204" pitchFamily="34" charset="0"/>
-              <a:buChar char="•"/>
-            </a:pPr>
-            <a:r>
-              <a:rPr lang="en-US" sz="2000" dirty="0">
-                <a:solidFill>
-                  <a:schemeClr val="bg1"/>
-                </a:solidFill>
-                <a:latin typeface="Roboto"/>
-              </a:rPr>
-              <a:t>We used historical and current AQI data to compare levels of air quality in 16 cities around the world and found surprising trends. Generally, AQI was lower worldwide in 2020 from January to July. </a:t>
-            </a:r>
-          </a:p>
-          <a:p>
-            <a:pPr marL="457200" indent="-457200">
-              <a:buFont typeface="Arial" panose="020B0604020202020204" pitchFamily="34" charset="0"/>
-              <a:buChar char="•"/>
-            </a:pPr>
-            <a:r>
-              <a:rPr lang="en-US" sz="2000" dirty="0">
-                <a:solidFill>
-                  <a:schemeClr val="bg1"/>
-                </a:solidFill>
-                <a:latin typeface="Roboto"/>
-              </a:rPr>
-              <a:t>Not statistically proven and further analysis needs to be made </a:t>
-            </a:r>
-            <a:endParaRPr lang="en-US" dirty="0">
-              <a:solidFill>
-                <a:schemeClr val="bg1"/>
-              </a:solidFill>
-              <a:latin typeface="Roboto"/>
-            </a:endParaRPr>
+              <a:t>We believe that overall air quality, measured by Air Quality Index (AQI), has improved worldwide during the COVID-19 crisis and will explore this theme by researching data on air quality indexes before COVID-19 and throughout the crisis. In regions where the public health response has been strict, enacting policies such as travel bans and lockdowns, we expect to see improved levels of air quality. Conversely, regions that enacted less strict responses, we believe that air quality indexes will have improved at a lower rate. We also want to explore how air quality impacts the rate of infection, expecting to see a strong positive correlation of rates of infection(deaths) in regions with poorer air quality.</a:t>
+            </a:r>
           </a:p>
         </p:txBody>
       </p:sp>
     </p:spTree>
     <p:extLst>
       <p:ext uri="{BB962C8B-B14F-4D97-AF65-F5344CB8AC3E}">
-        <p14:creationId xmlns:p14="http://schemas.microsoft.com/office/powerpoint/2010/main" val="354989871"/>
+        <p14:creationId xmlns:p14="http://schemas.microsoft.com/office/powerpoint/2010/main" val="1839433049"/>
       </p:ext>
     </p:extLst>
   </p:cSld>
@@ -5524,36 +5704,9 @@
 </p:sld>
 </file>
 
-<file path=ppt/slides/slide5.xml><?xml version="1.0" encoding="utf-8"?>
+<file path=ppt/slides/slide4.xml><?xml version="1.0" encoding="utf-8"?>
 <p:sld xmlns:a="http://schemas.openxmlformats.org/drawingml/2006/main" xmlns:r="http://schemas.openxmlformats.org/officeDocument/2006/relationships" xmlns:p="http://schemas.openxmlformats.org/presentationml/2006/main">
   <p:cSld>
-    <p:bg>
-      <p:bgPr>
-        <a:blipFill dpi="0" rotWithShape="1">
-          <a:blip r:embed="rId2">
-            <a:extLst>
-              <a:ext uri="{BEBA8EAE-BF5A-486C-A8C5-ECC9F3942E4B}">
-                <a14:imgProps xmlns:a14="http://schemas.microsoft.com/office/drawing/2010/main">
-                  <a14:imgLayer r:embed="rId3">
-                    <a14:imgEffect>
-                      <a14:sharpenSoften amount="-100000"/>
-                    </a14:imgEffect>
-                    <a14:imgEffect>
-                      <a14:brightnessContrast bright="40000" contrast="20000"/>
-                    </a14:imgEffect>
-                  </a14:imgLayer>
-                </a14:imgProps>
-              </a:ext>
-            </a:extLst>
-          </a:blip>
-          <a:srcRect/>
-          <a:stretch>
-            <a:fillRect/>
-          </a:stretch>
-        </a:blipFill>
-        <a:effectLst/>
-      </p:bgPr>
-    </p:bg>
     <p:spTree>
       <p:nvGrpSpPr>
         <p:cNvPr id="1" name=""/>
@@ -5751,7 +5904,7 @@
                   <a:srgbClr val="48607D"/>
                 </a:solidFill>
               </a:rPr>
-              <a:t>QUESTIONS &amp; DATA</a:t>
+              <a:t>MOTIVATION &amp; SUMMARY SLIDE</a:t>
             </a:r>
           </a:p>
         </p:txBody>
@@ -5771,7 +5924,7 @@
         <p:spPr>
           <a:xfrm>
             <a:off x="524932" y="2114521"/>
-            <a:ext cx="10905067" cy="4185761"/>
+            <a:ext cx="10905067" cy="3847207"/>
           </a:xfrm>
           <a:prstGeom prst="rect">
             <a:avLst/>
@@ -5794,7 +5947,15 @@
             </a:pPr>
             <a:r>
               <a:rPr lang="en-US" sz="2800" dirty="0"/>
-              <a:t>Elaborate on the questions you asked, describing what kinds of data you needed to answer them, and where you found it</a:t>
+              <a:t>Describe the questions you asked, and </a:t>
+            </a:r>
+            <a:r>
+              <a:rPr lang="en-US" sz="2800" i="1" dirty="0"/>
+              <a:t>why</a:t>
+            </a:r>
+            <a:r>
+              <a:rPr lang="en-US" sz="2800" dirty="0"/>
+              <a:t> you asked them </a:t>
             </a:r>
           </a:p>
           <a:p>
@@ -5803,7 +5964,7 @@
               <a:buChar char="•"/>
             </a:pPr>
             <a:r>
-              <a:rPr lang="en-US" sz="1800" b="0" i="0" u="none" strike="noStrike" dirty="0">
+              <a:rPr lang="en-US" sz="2000" b="1" i="0" u="none" strike="noStrike" dirty="0">
                 <a:solidFill>
                   <a:srgbClr val="000000"/>
                 </a:solidFill>
@@ -5814,81 +5975,75 @@
             </a:r>
           </a:p>
           <a:p>
+            <a:pPr marL="914400" lvl="1" indent="-457200">
+              <a:buFont typeface="Arial" panose="020B0604020202020204" pitchFamily="34" charset="0"/>
+              <a:buChar char="•"/>
+            </a:pPr>
+            <a:r>
+              <a:rPr lang="en-US" sz="2000" b="1" dirty="0">
+                <a:solidFill>
+                  <a:srgbClr val="000000"/>
+                </a:solidFill>
+                <a:latin typeface="Roboto"/>
+              </a:rPr>
+              <a:t>To learn how various global public health responses to COVID19 affect AQI in different cities around the world</a:t>
+            </a:r>
+            <a:endParaRPr lang="en-US" sz="2800" b="1" dirty="0">
+              <a:latin typeface="Roboto"/>
+            </a:endParaRPr>
+          </a:p>
+          <a:p>
             <a:pPr marL="457200" indent="-457200">
               <a:buFont typeface="Arial" panose="020B0604020202020204" pitchFamily="34" charset="0"/>
               <a:buChar char="•"/>
             </a:pPr>
             <a:r>
-              <a:rPr lang="en-US" b="0" i="0" dirty="0">
+              <a:rPr lang="en-US" sz="2800" dirty="0"/>
+              <a:t>Describe whether you were able to answer these questions to your satisfaction, and briefly summarize your findings</a:t>
+            </a:r>
+          </a:p>
+          <a:p>
+            <a:pPr marL="457200" indent="-457200">
+              <a:buFont typeface="Arial" panose="020B0604020202020204" pitchFamily="34" charset="0"/>
+              <a:buChar char="•"/>
+            </a:pPr>
+            <a:r>
+              <a:rPr lang="en-US" sz="2000" b="1" dirty="0">
                 <a:solidFill>
-                  <a:srgbClr val="1D1C1D"/>
+                  <a:schemeClr val="bg1"/>
                 </a:solidFill>
-                <a:effectLst/>
                 <a:latin typeface="Roboto"/>
               </a:rPr>
-              <a:t>We were able to obtain successful data from </a:t>
-            </a:r>
-            <a:r>
-              <a:rPr lang="en-US" b="0" i="0" u="none" strike="noStrike" dirty="0">
-                <a:effectLst/>
-                <a:latin typeface="Roboto"/>
-                <a:hlinkClick r:id="rId4">
-                  <a:extLst>
-                    <a:ext uri="{A12FA001-AC4F-418D-AE19-62706E023703}">
-                      <ahyp:hlinkClr xmlns:ahyp="http://schemas.microsoft.com/office/drawing/2018/hyperlinkcolor" val="tx"/>
-                    </a:ext>
-                  </a:extLst>
-                </a:hlinkClick>
-              </a:rPr>
-              <a:t>https://waqi.info</a:t>
-            </a:r>
-            <a:r>
-              <a:rPr lang="en-US" b="0" i="0" u="none" strike="noStrike" dirty="0">
+              <a:t>We used historical and current AQI data to compare levels of air quality in 16 cities around the world and found surprising trends. Generally, AQI was lower worldwide in 2020 from January to July. </a:t>
+            </a:r>
+          </a:p>
+          <a:p>
+            <a:pPr marL="457200" indent="-457200">
+              <a:buFont typeface="Arial" panose="020B0604020202020204" pitchFamily="34" charset="0"/>
+              <a:buChar char="•"/>
+            </a:pPr>
+            <a:r>
+              <a:rPr lang="en-US" sz="2000" b="1" dirty="0">
                 <a:solidFill>
-                  <a:srgbClr val="898453"/>
+                  <a:schemeClr val="bg1"/>
                 </a:solidFill>
-                <a:effectLst/>
-                <a:latin typeface="Roboto"/>
-                <a:hlinkClick r:id="rId4">
-                  <a:extLst>
-                    <a:ext uri="{A12FA001-AC4F-418D-AE19-62706E023703}">
-                      <ahyp:hlinkClr xmlns:ahyp="http://schemas.microsoft.com/office/drawing/2018/hyperlinkcolor" val="tx"/>
-                    </a:ext>
-                  </a:extLst>
-                </a:hlinkClick>
-              </a:rPr>
-              <a:t>/</a:t>
-            </a:r>
-            <a:r>
-              <a:rPr lang="en-US" b="0" i="0" dirty="0">
-                <a:solidFill>
-                  <a:srgbClr val="1D1C1D"/>
-                </a:solidFill>
-                <a:effectLst/>
                 <a:latin typeface="Roboto"/>
               </a:rPr>
-              <a:t>. From here, we pulled daily pm25 data from 16 major cities around the world via csv files and were able to convert pm25 to AQI. PM2.5 or Fine Particular Matter is an air pollutant that is a concern for people’s health when levels are too high and is also a universal measure of pollution. AQI is what governments use to report to the public how polluted the air currently is. The lower the AQI, the cleaner the air. </a:t>
-            </a:r>
-            <a:endParaRPr lang="en-US" b="0" dirty="0">
-              <a:effectLst/>
+              <a:t>Not statistically proven and further analysis needs to be made </a:t>
+            </a:r>
+            <a:endParaRPr lang="en-US" b="1" dirty="0">
+              <a:solidFill>
+                <a:schemeClr val="bg1"/>
+              </a:solidFill>
               <a:latin typeface="Roboto"/>
             </a:endParaRPr>
-          </a:p>
-          <a:p>
-            <a:br>
-              <a:rPr lang="en-US" sz="2800" dirty="0"/>
-            </a:br>
-            <a:endParaRPr lang="en-US" sz="2800" dirty="0"/>
-          </a:p>
-          <a:p>
-            <a:endParaRPr lang="en-US" sz="2800" dirty="0"/>
           </a:p>
         </p:txBody>
       </p:sp>
     </p:spTree>
     <p:extLst>
       <p:ext uri="{BB962C8B-B14F-4D97-AF65-F5344CB8AC3E}">
-        <p14:creationId xmlns:p14="http://schemas.microsoft.com/office/powerpoint/2010/main" val="2598303805"/>
+        <p14:creationId xmlns:p14="http://schemas.microsoft.com/office/powerpoint/2010/main" val="354989871"/>
       </p:ext>
     </p:extLst>
   </p:cSld>
@@ -5898,9 +6053,36 @@
 </p:sld>
 </file>
 
-<file path=ppt/slides/slide6.xml><?xml version="1.0" encoding="utf-8"?>
+<file path=ppt/slides/slide5.xml><?xml version="1.0" encoding="utf-8"?>
 <p:sld xmlns:a="http://schemas.openxmlformats.org/drawingml/2006/main" xmlns:r="http://schemas.openxmlformats.org/officeDocument/2006/relationships" xmlns:p="http://schemas.openxmlformats.org/presentationml/2006/main">
   <p:cSld>
+    <p:bg>
+      <p:bgPr>
+        <a:blipFill dpi="0" rotWithShape="1">
+          <a:blip r:embed="rId2">
+            <a:extLst>
+              <a:ext uri="{BEBA8EAE-BF5A-486C-A8C5-ECC9F3942E4B}">
+                <a14:imgProps xmlns:a14="http://schemas.microsoft.com/office/drawing/2010/main">
+                  <a14:imgLayer r:embed="rId3">
+                    <a14:imgEffect>
+                      <a14:sharpenSoften amount="-100000"/>
+                    </a14:imgEffect>
+                    <a14:imgEffect>
+                      <a14:brightnessContrast bright="40000" contrast="20000"/>
+                    </a14:imgEffect>
+                  </a14:imgLayer>
+                </a14:imgProps>
+              </a:ext>
+            </a:extLst>
+          </a:blip>
+          <a:srcRect/>
+          <a:stretch>
+            <a:fillRect/>
+          </a:stretch>
+        </a:blipFill>
+        <a:effectLst/>
+      </p:bgPr>
+    </p:bg>
     <p:spTree>
       <p:nvGrpSpPr>
         <p:cNvPr id="1" name=""/>
@@ -6098,7 +6280,7 @@
                   <a:srgbClr val="48607D"/>
                 </a:solidFill>
               </a:rPr>
-              <a:t>DATA CLEANUP &amp; EXPLORATION</a:t>
+              <a:t>QUESTIONS &amp; DATA</a:t>
             </a:r>
           </a:p>
         </p:txBody>
@@ -6118,7 +6300,7 @@
         <p:spPr>
           <a:xfrm>
             <a:off x="524932" y="2114521"/>
-            <a:ext cx="10905067" cy="4216539"/>
+            <a:ext cx="10905067" cy="4462760"/>
           </a:xfrm>
           <a:prstGeom prst="rect">
             <a:avLst/>
@@ -6140,8 +6322,8 @@
               <a:buChar char="•"/>
             </a:pPr>
             <a:r>
-              <a:rPr lang="en-US" sz="2400" dirty="0"/>
-              <a:t>Exploration and cleanup process </a:t>
+              <a:rPr lang="en-US" sz="2800" dirty="0"/>
+              <a:t>Elaborate on the questions you asked, describing what kinds of data you needed to answer them, and where you found it</a:t>
             </a:r>
           </a:p>
           <a:p>
@@ -6150,54 +6332,14 @@
               <a:buChar char="•"/>
             </a:pPr>
             <a:r>
-              <a:rPr lang="en-US" sz="2000" dirty="0">
+              <a:rPr lang="en-US" sz="1800" b="1" i="0" u="none" strike="noStrike" dirty="0">
                 <a:solidFill>
-                  <a:schemeClr val="bg1"/>
+                  <a:srgbClr val="000000"/>
                 </a:solidFill>
+                <a:effectLst/>
+                <a:latin typeface="Roboto"/>
               </a:rPr>
-              <a:t>Countries selected representing the various public health responses ranging from:</a:t>
-            </a:r>
-          </a:p>
-          <a:p>
-            <a:pPr marL="914400" lvl="1" indent="-457200">
-              <a:buFont typeface="Arial" panose="020B0604020202020204" pitchFamily="34" charset="0"/>
-              <a:buChar char="•"/>
-            </a:pPr>
-            <a:r>
-              <a:rPr lang="en-US" sz="2000" dirty="0">
-                <a:solidFill>
-                  <a:schemeClr val="bg1"/>
-                </a:solidFill>
-              </a:rPr>
-              <a:t>Lockdowns: China, Italy, India, South Korea  </a:t>
-            </a:r>
-          </a:p>
-          <a:p>
-            <a:pPr marL="914400" lvl="1" indent="-457200">
-              <a:buFont typeface="Arial" panose="020B0604020202020204" pitchFamily="34" charset="0"/>
-              <a:buChar char="•"/>
-            </a:pPr>
-            <a:r>
-              <a:rPr lang="en-US" sz="2000" dirty="0">
-                <a:solidFill>
-                  <a:schemeClr val="bg1"/>
-                </a:solidFill>
-              </a:rPr>
-              <a:t>Recommending Social distancing/Decisions made regionally: US, Australia</a:t>
-            </a:r>
-          </a:p>
-          <a:p>
-            <a:pPr marL="914400" lvl="1" indent="-457200">
-              <a:buFont typeface="Arial" panose="020B0604020202020204" pitchFamily="34" charset="0"/>
-              <a:buChar char="•"/>
-            </a:pPr>
-            <a:r>
-              <a:rPr lang="en-US" sz="2000" dirty="0">
-                <a:solidFill>
-                  <a:schemeClr val="bg1"/>
-                </a:solidFill>
-              </a:rPr>
-              <a:t>Preserving open economy: Sweden</a:t>
+              <a:t>What is the correlation between air quality around the world and public health response to Novel Coronavirus?</a:t>
             </a:r>
           </a:p>
           <a:p>
@@ -6206,114 +6348,76 @@
               <a:buChar char="•"/>
             </a:pPr>
             <a:r>
-              <a:rPr lang="en-US" sz="2000" dirty="0">
+              <a:rPr lang="en-US" b="1" i="0" dirty="0">
                 <a:solidFill>
-                  <a:schemeClr val="bg1"/>
+                  <a:srgbClr val="1D1C1D"/>
                 </a:solidFill>
+                <a:effectLst/>
+                <a:latin typeface="Roboto"/>
               </a:rPr>
-              <a:t> Finding historical AQI rates in 16 cities over the same timespan as COVID-19</a:t>
-            </a:r>
-          </a:p>
-          <a:p>
-            <a:pPr marL="457200" indent="-457200">
-              <a:buFont typeface="Arial" panose="020B0604020202020204" pitchFamily="34" charset="0"/>
-              <a:buChar char="•"/>
-            </a:pPr>
-            <a:r>
-              <a:rPr lang="en-US" sz="2000" dirty="0">
+              <a:t>We were able to obtain successful data from </a:t>
+            </a:r>
+            <a:r>
+              <a:rPr lang="en-US" b="1" i="0" u="none" strike="noStrike" dirty="0">
+                <a:effectLst/>
+                <a:latin typeface="Roboto"/>
+                <a:hlinkClick r:id="rId4">
+                  <a:extLst>
+                    <a:ext uri="{A12FA001-AC4F-418D-AE19-62706E023703}">
+                      <ahyp:hlinkClr xmlns:ahyp="http://schemas.microsoft.com/office/drawing/2018/hyperlinkcolor" val="tx"/>
+                    </a:ext>
+                  </a:extLst>
+                </a:hlinkClick>
+              </a:rPr>
+              <a:t>https://waqi.info</a:t>
+            </a:r>
+            <a:r>
+              <a:rPr lang="en-US" b="1" i="0" u="none" strike="noStrike" dirty="0">
                 <a:solidFill>
-                  <a:schemeClr val="bg1"/>
+                  <a:srgbClr val="898453"/>
                 </a:solidFill>
+                <a:effectLst/>
+                <a:latin typeface="Roboto"/>
+                <a:hlinkClick r:id="rId4">
+                  <a:extLst>
+                    <a:ext uri="{A12FA001-AC4F-418D-AE19-62706E023703}">
+                      <ahyp:hlinkClr xmlns:ahyp="http://schemas.microsoft.com/office/drawing/2018/hyperlinkcolor" val="tx"/>
+                    </a:ext>
+                  </a:extLst>
+                </a:hlinkClick>
               </a:rPr>
-              <a:t>AQI data: aggregating mean AQI</a:t>
-            </a:r>
-          </a:p>
-          <a:p>
-            <a:pPr marL="457200" indent="-457200">
-              <a:buFont typeface="Arial" panose="020B0604020202020204" pitchFamily="34" charset="0"/>
-              <a:buChar char="•"/>
-            </a:pPr>
-            <a:r>
-              <a:rPr lang="en-US" sz="2000" dirty="0">
+              <a:t>/</a:t>
+            </a:r>
+            <a:r>
+              <a:rPr lang="en-US" b="1" i="0" dirty="0">
                 <a:solidFill>
-                  <a:schemeClr val="bg1"/>
+                  <a:srgbClr val="1D1C1D"/>
                 </a:solidFill>
+                <a:effectLst/>
+                <a:latin typeface="Roboto"/>
               </a:rPr>
-              <a:t>Selecting a measure to explore how AQI might correlate with COVID-19: number of deaths</a:t>
-            </a:r>
-          </a:p>
-          <a:p>
-            <a:pPr marL="457200" indent="-457200">
-              <a:buFont typeface="Arial" panose="020B0604020202020204" pitchFamily="34" charset="0"/>
-              <a:buChar char="•"/>
-            </a:pPr>
-            <a:r>
-              <a:rPr lang="en-US" sz="2400" dirty="0"/>
-              <a:t>Insights while exploring the data</a:t>
-            </a:r>
-          </a:p>
-          <a:p>
-            <a:pPr marL="457200" indent="-457200">
-              <a:buFont typeface="Arial" panose="020B0604020202020204" pitchFamily="34" charset="0"/>
-              <a:buChar char="•"/>
-            </a:pPr>
-            <a:r>
-              <a:rPr lang="en-US" sz="2000" dirty="0">
-                <a:solidFill>
-                  <a:schemeClr val="bg1"/>
-                </a:solidFill>
-              </a:rPr>
-              <a:t> Air pollution determined by several measures. We selected PM2.5 and converted to AQI</a:t>
-            </a:r>
-          </a:p>
-          <a:p>
-            <a:pPr marL="457200" indent="-457200">
-              <a:buFont typeface="Arial" panose="020B0604020202020204" pitchFamily="34" charset="0"/>
-              <a:buChar char="•"/>
-            </a:pPr>
-            <a:r>
-              <a:rPr lang="en-US" sz="2000" dirty="0">
-                <a:solidFill>
-                  <a:schemeClr val="bg1"/>
-                </a:solidFill>
-              </a:rPr>
-              <a:t>Not all cities had same amount observation points, lack of data for certain year or months</a:t>
-            </a:r>
-          </a:p>
-          <a:p>
-            <a:pPr marL="457200" indent="-457200">
-              <a:buFont typeface="Arial" panose="020B0604020202020204" pitchFamily="34" charset="0"/>
-              <a:buChar char="•"/>
-            </a:pPr>
-            <a:r>
-              <a:rPr lang="en-US" sz="2000" dirty="0">
-                <a:solidFill>
-                  <a:schemeClr val="bg1"/>
-                </a:solidFill>
-              </a:rPr>
-              <a:t>COVID-deaths were collected by cumulative deaths, not daily</a:t>
-            </a:r>
-          </a:p>
-          <a:p>
-            <a:pPr marL="457200" indent="-457200">
-              <a:buFont typeface="Arial" panose="020B0604020202020204" pitchFamily="34" charset="0"/>
-              <a:buChar char="•"/>
-            </a:pPr>
-            <a:r>
-              <a:rPr lang="en-US" sz="2000" dirty="0">
-                <a:solidFill>
-                  <a:schemeClr val="bg1"/>
-                </a:solidFill>
-              </a:rPr>
-              <a:t>Quantifying categorical data (COVID responses) to get a statistical analysis</a:t>
-            </a:r>
+              <a:t>. From here, we pulled daily pm25 data from 16 major cities around the world via csv files and were able to convert pm25 to AQI. PM2.5 or Fine Particular Matter is an air pollutant that is a concern for people’s health when levels are too high and is also a universal measure of pollution. AQI is what governments use to report to the public how polluted the air currently is. The lower the AQI, the cleaner the air. </a:t>
+            </a:r>
+            <a:endParaRPr lang="en-US" b="1" dirty="0">
+              <a:effectLst/>
+              <a:latin typeface="Roboto"/>
+            </a:endParaRPr>
+          </a:p>
+          <a:p>
+            <a:br>
+              <a:rPr lang="en-US" sz="2800" dirty="0"/>
+            </a:br>
+            <a:endParaRPr lang="en-US" sz="2800" dirty="0"/>
+          </a:p>
+          <a:p>
+            <a:endParaRPr lang="en-US" sz="2800" dirty="0"/>
           </a:p>
         </p:txBody>
       </p:sp>
     </p:spTree>
     <p:extLst>
       <p:ext uri="{BB962C8B-B14F-4D97-AF65-F5344CB8AC3E}">
-        <p14:creationId xmlns:p14="http://schemas.microsoft.com/office/powerpoint/2010/main" val="1906421391"/>
+        <p14:creationId xmlns:p14="http://schemas.microsoft.com/office/powerpoint/2010/main" val="2598303805"/>
       </p:ext>
     </p:extLst>
   </p:cSld>
@@ -6323,7 +6427,7 @@
 </p:sld>
 </file>
 
-<file path=ppt/slides/slide7.xml><?xml version="1.0" encoding="utf-8"?>
+<file path=ppt/slides/slide6.xml><?xml version="1.0" encoding="utf-8"?>
 <p:sld xmlns:a="http://schemas.openxmlformats.org/drawingml/2006/main" xmlns:r="http://schemas.openxmlformats.org/officeDocument/2006/relationships" xmlns:p="http://schemas.openxmlformats.org/presentationml/2006/main">
   <p:cSld>
     <p:spTree>
@@ -6543,7 +6647,7 @@
         <p:spPr>
           <a:xfrm>
             <a:off x="524932" y="2114521"/>
-            <a:ext cx="10905067" cy="2492990"/>
+            <a:ext cx="10905067" cy="3877985"/>
           </a:xfrm>
           <a:prstGeom prst="rect">
             <a:avLst/>
@@ -6566,7 +6670,7 @@
             </a:pPr>
             <a:r>
               <a:rPr lang="en-US" sz="2400" dirty="0"/>
-              <a:t>Discuss any problems that arose after exploring the data, and how you resolved them </a:t>
+              <a:t>Exploration and cleanup process </a:t>
             </a:r>
           </a:p>
           <a:p>
@@ -6575,25 +6679,190 @@
               <a:buChar char="•"/>
             </a:pPr>
             <a:r>
-              <a:rPr lang="en-US" b="0" i="0" dirty="0">
+              <a:rPr lang="en-US" b="1" dirty="0">
                 <a:solidFill>
-                  <a:srgbClr val="1D1C1D"/>
+                  <a:schemeClr val="bg1"/>
                 </a:solidFill>
-                <a:effectLst/>
                 <a:latin typeface="Roboto"/>
               </a:rPr>
-              <a:t>The main issue that arose was that there was not enough data for some cities. For example, Moscow and Johannesburg did not have enough daily data to compute our average monthly AQI calculations. Fortunately, there was enough data in 2020 for every city. The years prior to 2020 were used for comparison. Furthermore, we wanted to compare the years that COVID-19 was non-existent to the year that it was existent. Because of this, we had to use data from different years that did have enough data for us to work with.</a:t>
-            </a:r>
-            <a:endParaRPr lang="en-US" dirty="0">
-              <a:latin typeface="Roboto"/>
-            </a:endParaRPr>
+              <a:t>Countries selected representing the various public health responses ranging from:</a:t>
+            </a:r>
+          </a:p>
+          <a:p>
+            <a:pPr marL="914400" lvl="1" indent="-457200">
+              <a:buFont typeface="Arial" panose="020B0604020202020204" pitchFamily="34" charset="0"/>
+              <a:buChar char="•"/>
+            </a:pPr>
+            <a:r>
+              <a:rPr lang="en-US" b="1" dirty="0">
+                <a:solidFill>
+                  <a:schemeClr val="bg1"/>
+                </a:solidFill>
+                <a:latin typeface="Roboto"/>
+              </a:rPr>
+              <a:t>Lockdowns: China, Italy, India, South Korea  </a:t>
+            </a:r>
+          </a:p>
+          <a:p>
+            <a:pPr marL="914400" lvl="1" indent="-457200">
+              <a:buFont typeface="Arial" panose="020B0604020202020204" pitchFamily="34" charset="0"/>
+              <a:buChar char="•"/>
+            </a:pPr>
+            <a:r>
+              <a:rPr lang="en-US" b="1" dirty="0">
+                <a:solidFill>
+                  <a:schemeClr val="bg1"/>
+                </a:solidFill>
+                <a:latin typeface="Roboto"/>
+              </a:rPr>
+              <a:t>Recommending Social distancing/Decisions made regionally: US, Australia</a:t>
+            </a:r>
+          </a:p>
+          <a:p>
+            <a:pPr marL="914400" lvl="1" indent="-457200">
+              <a:buFont typeface="Arial" panose="020B0604020202020204" pitchFamily="34" charset="0"/>
+              <a:buChar char="•"/>
+            </a:pPr>
+            <a:r>
+              <a:rPr lang="en-US" b="1" dirty="0">
+                <a:solidFill>
+                  <a:schemeClr val="bg1"/>
+                </a:solidFill>
+                <a:latin typeface="Roboto"/>
+              </a:rPr>
+              <a:t>Preserving open economy: Sweden</a:t>
+            </a:r>
+          </a:p>
+          <a:p>
+            <a:pPr marL="457200" indent="-457200">
+              <a:buFont typeface="Arial" panose="020B0604020202020204" pitchFamily="34" charset="0"/>
+              <a:buChar char="•"/>
+            </a:pPr>
+            <a:r>
+              <a:rPr lang="en-US" b="1" dirty="0">
+                <a:solidFill>
+                  <a:schemeClr val="bg1"/>
+                </a:solidFill>
+                <a:latin typeface="Roboto"/>
+              </a:rPr>
+              <a:t> Finding historical AQI rates in 16 cities over the same timespan as COVID-19</a:t>
+            </a:r>
+          </a:p>
+          <a:p>
+            <a:pPr marL="457200" indent="-457200">
+              <a:buFont typeface="Arial" panose="020B0604020202020204" pitchFamily="34" charset="0"/>
+              <a:buChar char="•"/>
+            </a:pPr>
+            <a:r>
+              <a:rPr lang="en-US" b="1" dirty="0">
+                <a:solidFill>
+                  <a:schemeClr val="bg1"/>
+                </a:solidFill>
+                <a:latin typeface="Roboto"/>
+              </a:rPr>
+              <a:t>AQI data: aggregating mean AQI</a:t>
+            </a:r>
+          </a:p>
+          <a:p>
+            <a:pPr marL="457200" indent="-457200">
+              <a:buFont typeface="Arial" panose="020B0604020202020204" pitchFamily="34" charset="0"/>
+              <a:buChar char="•"/>
+            </a:pPr>
+            <a:r>
+              <a:rPr lang="en-US" b="1" dirty="0">
+                <a:solidFill>
+                  <a:schemeClr val="bg1"/>
+                </a:solidFill>
+                <a:latin typeface="Roboto"/>
+              </a:rPr>
+              <a:t>Selecting a measure to explore how AQI might correlate with COVID-19: number of deaths</a:t>
+            </a:r>
+          </a:p>
+          <a:p>
+            <a:pPr marL="457200" indent="-457200">
+              <a:buFont typeface="Arial" panose="020B0604020202020204" pitchFamily="34" charset="0"/>
+              <a:buChar char="•"/>
+            </a:pPr>
+            <a:r>
+              <a:rPr lang="en-US" sz="2400" dirty="0"/>
+              <a:t>Insights while exploring the data</a:t>
+            </a:r>
+          </a:p>
+          <a:p>
+            <a:pPr marL="457200" indent="-457200">
+              <a:buFont typeface="Arial" panose="020B0604020202020204" pitchFamily="34" charset="0"/>
+              <a:buChar char="•"/>
+            </a:pPr>
+            <a:r>
+              <a:rPr lang="en-US" dirty="0">
+                <a:solidFill>
+                  <a:schemeClr val="bg1"/>
+                </a:solidFill>
+                <a:latin typeface="Roboto"/>
+              </a:rPr>
+              <a:t> </a:t>
+            </a:r>
+            <a:r>
+              <a:rPr lang="en-US" b="1" dirty="0">
+                <a:solidFill>
+                  <a:schemeClr val="bg1"/>
+                </a:solidFill>
+                <a:latin typeface="Roboto"/>
+              </a:rPr>
+              <a:t>Air pollution determined by several measures. We selected PM2.5 and converted to AQI</a:t>
+            </a:r>
+          </a:p>
+          <a:p>
+            <a:pPr marL="457200" indent="-457200">
+              <a:buFont typeface="Arial" panose="020B0604020202020204" pitchFamily="34" charset="0"/>
+              <a:buChar char="•"/>
+            </a:pPr>
+            <a:r>
+              <a:rPr lang="en-US" b="1" dirty="0">
+                <a:solidFill>
+                  <a:schemeClr val="bg1"/>
+                </a:solidFill>
+                <a:latin typeface="Roboto"/>
+              </a:rPr>
+              <a:t>Not all cities had same amount observation points, lack of data for certain year or months</a:t>
+            </a:r>
+          </a:p>
+          <a:p>
+            <a:pPr marL="457200" indent="-457200">
+              <a:buFont typeface="Arial" panose="020B0604020202020204" pitchFamily="34" charset="0"/>
+              <a:buChar char="•"/>
+            </a:pPr>
+            <a:r>
+              <a:rPr lang="en-US" b="1" dirty="0">
+                <a:solidFill>
+                  <a:schemeClr val="bg1"/>
+                </a:solidFill>
+                <a:latin typeface="Roboto"/>
+              </a:rPr>
+              <a:t>COVID-deaths were collected by cumulative deaths, not daily</a:t>
+            </a:r>
+          </a:p>
+          <a:p>
+            <a:pPr marL="457200" indent="-457200">
+              <a:buFont typeface="Arial" panose="020B0604020202020204" pitchFamily="34" charset="0"/>
+              <a:buChar char="•"/>
+            </a:pPr>
+            <a:r>
+              <a:rPr lang="en-US" b="1" dirty="0">
+                <a:solidFill>
+                  <a:schemeClr val="bg1"/>
+                </a:solidFill>
+                <a:latin typeface="Roboto"/>
+              </a:rPr>
+              <a:t>Quantifying categorical data (COVID responses) to get a statistical analysis</a:t>
+            </a:r>
           </a:p>
         </p:txBody>
       </p:sp>
     </p:spTree>
     <p:extLst>
       <p:ext uri="{BB962C8B-B14F-4D97-AF65-F5344CB8AC3E}">
-        <p14:creationId xmlns:p14="http://schemas.microsoft.com/office/powerpoint/2010/main" val="2070413014"/>
+        <p14:creationId xmlns:p14="http://schemas.microsoft.com/office/powerpoint/2010/main" val="1906421391"/>
       </p:ext>
     </p:extLst>
   </p:cSld>
@@ -6603,7 +6872,7 @@
 </p:sld>
 </file>
 
-<file path=ppt/slides/slide8.xml><?xml version="1.0" encoding="utf-8"?>
+<file path=ppt/slides/slide7.xml><?xml version="1.0" encoding="utf-8"?>
 <p:sld xmlns:a="http://schemas.openxmlformats.org/drawingml/2006/main" xmlns:r="http://schemas.openxmlformats.org/officeDocument/2006/relationships" xmlns:p="http://schemas.openxmlformats.org/presentationml/2006/main">
   <p:cSld>
     <p:spTree>
@@ -6803,7 +7072,7 @@
                   <a:srgbClr val="48607D"/>
                 </a:solidFill>
               </a:rPr>
-              <a:t>DATA ANALYSIS</a:t>
+              <a:t>DATA CLEANUP &amp; EXPLORATION</a:t>
             </a:r>
           </a:p>
         </p:txBody>
@@ -6823,7 +7092,7 @@
         <p:spPr>
           <a:xfrm>
             <a:off x="524932" y="2114521"/>
-            <a:ext cx="10905067" cy="3508653"/>
+            <a:ext cx="10905067" cy="2492990"/>
           </a:xfrm>
           <a:prstGeom prst="rect">
             <a:avLst/>
@@ -6840,58 +7109,40 @@
           </a:bodyPr>
           <a:lstStyle/>
           <a:p>
-            <a:pPr marL="857250" indent="-857250">
+            <a:pPr marL="457200" indent="-457200">
               <a:buFont typeface="Arial" panose="020B0604020202020204" pitchFamily="34" charset="0"/>
               <a:buChar char="•"/>
             </a:pPr>
             <a:r>
               <a:rPr lang="en-US" sz="2400" dirty="0"/>
-              <a:t>Discuss the steps you took to analyze the data and answer each question you asked in your proposal</a:t>
-            </a:r>
-          </a:p>
-          <a:p>
-            <a:pPr marL="857250" indent="-857250">
+              <a:t>Discuss any problems that arose after exploring the data, and how you resolved them </a:t>
+            </a:r>
+          </a:p>
+          <a:p>
+            <a:pPr marL="457200" indent="-457200">
               <a:buFont typeface="Arial" panose="020B0604020202020204" pitchFamily="34" charset="0"/>
               <a:buChar char="•"/>
             </a:pPr>
             <a:r>
-              <a:rPr lang="en-US" b="0" i="0" dirty="0">
+              <a:rPr lang="en-US" b="1" i="0" dirty="0">
                 <a:solidFill>
                   <a:srgbClr val="1D1C1D"/>
                 </a:solidFill>
                 <a:effectLst/>
                 <a:latin typeface="Roboto"/>
               </a:rPr>
-              <a:t>The first step was to find and import the correct csv’s. It was important to find daily data for 2020 and daily data for a couple of years prior to 2020. The next big step was cleaning our data, setting it up into data frames, and figuring out our AQI numbers. We did this buy converting the daily PM2.5 numbers into monthly AQI numbers. After we had monthly AQI numbers for 2020 and the years leading up to it, it was easy to plot our info into line charts, showing historical AQI trends for each city. Also, we were able to create a heat map of the levels of AQI from each city over the years using an API.</a:t>
-            </a:r>
-            <a:endParaRPr lang="en-US" dirty="0">
+              <a:t>The main issue that arose was that there was not enough data for some cities. For example, Moscow and Johannesburg did not have enough daily data to compute our average monthly AQI calculations. Fortunately, there was enough data in 2020 for every city. The years prior to 2020 were used for comparison. Furthermore, we wanted to compare the years that COVID-19 was non-existent to the year that it was existent. Because of this, we had to use data from different years that did have enough data for us to work with.</a:t>
+            </a:r>
+            <a:endParaRPr lang="en-US" b="1" dirty="0">
               <a:latin typeface="Roboto"/>
             </a:endParaRPr>
-          </a:p>
-          <a:p>
-            <a:pPr marL="857250" indent="-857250">
-              <a:buFont typeface="Arial" panose="020B0604020202020204" pitchFamily="34" charset="0"/>
-              <a:buChar char="•"/>
-            </a:pPr>
-            <a:r>
-              <a:rPr lang="en-US" sz="2400" dirty="0"/>
-              <a:t>Present and discuss interesting figures developed during analysis, ideally with the help of </a:t>
-            </a:r>
-            <a:r>
-              <a:rPr lang="en-US" sz="2400" dirty="0" err="1"/>
-              <a:t>Jupyter</a:t>
-            </a:r>
-            <a:r>
-              <a:rPr lang="en-US" sz="2400" dirty="0"/>
-              <a:t> Notebook</a:t>
-            </a:r>
           </a:p>
         </p:txBody>
       </p:sp>
     </p:spTree>
     <p:extLst>
       <p:ext uri="{BB962C8B-B14F-4D97-AF65-F5344CB8AC3E}">
-        <p14:creationId xmlns:p14="http://schemas.microsoft.com/office/powerpoint/2010/main" val="371008687"/>
+        <p14:creationId xmlns:p14="http://schemas.microsoft.com/office/powerpoint/2010/main" val="2070413014"/>
       </p:ext>
     </p:extLst>
   </p:cSld>
@@ -6901,7 +7152,7 @@
 </p:sld>
 </file>
 
-<file path=ppt/slides/slide9.xml><?xml version="1.0" encoding="utf-8"?>
+<file path=ppt/slides/slide8.xml><?xml version="1.0" encoding="utf-8"?>
 <p:sld xmlns:a="http://schemas.openxmlformats.org/drawingml/2006/main" xmlns:r="http://schemas.openxmlformats.org/officeDocument/2006/relationships" xmlns:p="http://schemas.openxmlformats.org/presentationml/2006/main">
   <p:cSld>
     <p:spTree>
@@ -7101,6 +7352,358 @@
                   <a:srgbClr val="48607D"/>
                 </a:solidFill>
               </a:rPr>
+              <a:t>DATA ANALYSIS</a:t>
+            </a:r>
+          </a:p>
+        </p:txBody>
+      </p:sp>
+      <p:sp>
+        <p:nvSpPr>
+          <p:cNvPr id="7" name="Rectangle 6">
+            <a:extLst>
+              <a:ext uri="{FF2B5EF4-FFF2-40B4-BE49-F238E27FC236}">
+                <a16:creationId xmlns:a16="http://schemas.microsoft.com/office/drawing/2014/main" id="{8C88652C-06BF-8D4B-BF0F-7EDAEA97ABAF}"/>
+              </a:ext>
+            </a:extLst>
+          </p:cNvPr>
+          <p:cNvSpPr/>
+          <p:nvPr/>
+        </p:nvSpPr>
+        <p:spPr>
+          <a:xfrm>
+            <a:off x="524932" y="2114521"/>
+            <a:ext cx="10905067" cy="3877985"/>
+          </a:xfrm>
+          <a:prstGeom prst="rect">
+            <a:avLst/>
+          </a:prstGeom>
+          <a:solidFill>
+            <a:srgbClr val="575757">
+              <a:alpha val="50000"/>
+            </a:srgbClr>
+          </a:solidFill>
+        </p:spPr>
+        <p:txBody>
+          <a:bodyPr wrap="square">
+            <a:spAutoFit/>
+          </a:bodyPr>
+          <a:lstStyle/>
+          <a:p>
+            <a:pPr marL="857250" indent="-857250">
+              <a:buFont typeface="Arial" panose="020B0604020202020204" pitchFamily="34" charset="0"/>
+              <a:buChar char="•"/>
+            </a:pPr>
+            <a:r>
+              <a:rPr lang="en-US" sz="2400" dirty="0"/>
+              <a:t>Discuss the steps you took to analyze the data and answer each question you asked in your proposal</a:t>
+            </a:r>
+          </a:p>
+          <a:p>
+            <a:pPr marL="857250" indent="-857250">
+              <a:buFont typeface="Arial" panose="020B0604020202020204" pitchFamily="34" charset="0"/>
+              <a:buChar char="•"/>
+            </a:pPr>
+            <a:r>
+              <a:rPr lang="en-US" b="1" i="0" dirty="0">
+                <a:solidFill>
+                  <a:srgbClr val="1D1C1D"/>
+                </a:solidFill>
+                <a:effectLst/>
+                <a:latin typeface="Roboto"/>
+              </a:rPr>
+              <a:t>The first step was to find and import the correct csv’s. It was important to find daily data for 2020 and daily data for a couple of years prior to 2020. The next big step was cleaning our data, setting it up into data frames, and figuring out our AQI numbers. We did this buy converting the daily PM2.5 numbers into monthly AQI numbers. After we had monthly AQI numbers for 2020 and the years leading up to it, it was easy to plot our info into line charts, showing historical AQI trends for each city. Also, we were able to create a heat map of the levels of AQI from each city over the years using an API.</a:t>
+            </a:r>
+            <a:endParaRPr lang="en-US" b="1" dirty="0">
+              <a:latin typeface="Roboto"/>
+            </a:endParaRPr>
+          </a:p>
+          <a:p>
+            <a:pPr marL="857250" indent="-857250">
+              <a:buFont typeface="Arial" panose="020B0604020202020204" pitchFamily="34" charset="0"/>
+              <a:buChar char="•"/>
+            </a:pPr>
+            <a:r>
+              <a:rPr lang="en-US" sz="2400" dirty="0"/>
+              <a:t>Interesting figures developed during analysis from </a:t>
+            </a:r>
+            <a:r>
+              <a:rPr lang="en-US" sz="2400" dirty="0" err="1"/>
+              <a:t>Jupyter</a:t>
+            </a:r>
+            <a:r>
+              <a:rPr lang="en-US" sz="2400" dirty="0"/>
+              <a:t> Notebook</a:t>
+            </a:r>
+          </a:p>
+          <a:p>
+            <a:pPr marL="857250" indent="-857250">
+              <a:buFont typeface="Arial" panose="020B0604020202020204" pitchFamily="34" charset="0"/>
+              <a:buChar char="•"/>
+            </a:pPr>
+            <a:r>
+              <a:rPr lang="en-US" sz="2000" b="1" dirty="0">
+                <a:solidFill>
+                  <a:schemeClr val="bg1"/>
+                </a:solidFill>
+                <a:latin typeface="Roboto"/>
+              </a:rPr>
+              <a:t>Heat maps</a:t>
+            </a:r>
+          </a:p>
+          <a:p>
+            <a:pPr marL="857250" indent="-857250">
+              <a:buFont typeface="Arial" panose="020B0604020202020204" pitchFamily="34" charset="0"/>
+              <a:buChar char="•"/>
+            </a:pPr>
+            <a:r>
+              <a:rPr lang="en-US" sz="2000" b="1" dirty="0">
+                <a:solidFill>
+                  <a:schemeClr val="bg1"/>
+                </a:solidFill>
+                <a:latin typeface="Roboto"/>
+              </a:rPr>
+              <a:t>Line plots</a:t>
+            </a:r>
+          </a:p>
+        </p:txBody>
+      </p:sp>
+    </p:spTree>
+    <p:extLst>
+      <p:ext uri="{BB962C8B-B14F-4D97-AF65-F5344CB8AC3E}">
+        <p14:creationId xmlns:p14="http://schemas.microsoft.com/office/powerpoint/2010/main" val="371008687"/>
+      </p:ext>
+    </p:extLst>
+  </p:cSld>
+  <p:clrMapOvr>
+    <a:masterClrMapping/>
+  </p:clrMapOvr>
+</p:sld>
+</file>
+
+<file path=ppt/slides/slide9.xml><?xml version="1.0" encoding="utf-8"?>
+<p:sld xmlns:a="http://schemas.openxmlformats.org/drawingml/2006/main" xmlns:r="http://schemas.openxmlformats.org/officeDocument/2006/relationships" xmlns:p="http://schemas.openxmlformats.org/presentationml/2006/main">
+  <p:cSld>
+    <p:bg>
+      <p:bgPr>
+        <a:blipFill dpi="0" rotWithShape="1">
+          <a:blip r:embed="rId2">
+            <a:extLst>
+              <a:ext uri="{BEBA8EAE-BF5A-486C-A8C5-ECC9F3942E4B}">
+                <a14:imgProps xmlns:a14="http://schemas.microsoft.com/office/drawing/2010/main">
+                  <a14:imgLayer r:embed="rId3">
+                    <a14:imgEffect>
+                      <a14:artisticGlowDiffused/>
+                    </a14:imgEffect>
+                  </a14:imgLayer>
+                </a14:imgProps>
+              </a:ext>
+            </a:extLst>
+          </a:blip>
+          <a:srcRect/>
+          <a:stretch>
+            <a:fillRect/>
+          </a:stretch>
+        </a:blipFill>
+        <a:effectLst/>
+      </p:bgPr>
+    </p:bg>
+    <p:spTree>
+      <p:nvGrpSpPr>
+        <p:cNvPr id="1" name=""/>
+        <p:cNvGrpSpPr/>
+        <p:nvPr/>
+      </p:nvGrpSpPr>
+      <p:grpSpPr>
+        <a:xfrm>
+          <a:off x="0" y="0"/>
+          <a:ext cx="0" cy="0"/>
+          <a:chOff x="0" y="0"/>
+          <a:chExt cx="0" cy="0"/>
+        </a:xfrm>
+      </p:grpSpPr>
+      <p:sp useBgFill="1">
+        <p:nvSpPr>
+          <p:cNvPr id="13" name="Rectangle 8">
+            <a:extLst>
+              <a:ext uri="{FF2B5EF4-FFF2-40B4-BE49-F238E27FC236}">
+                <a16:creationId xmlns:a16="http://schemas.microsoft.com/office/drawing/2014/main" id="{9B37791B-B040-4694-BFDC-8DD132D86E8E}"/>
+              </a:ext>
+              <a:ext uri="{C183D7F6-B498-43B3-948B-1728B52AA6E4}">
+                <adec:decorative xmlns:adec="http://schemas.microsoft.com/office/drawing/2017/decorative" val="1"/>
+              </a:ext>
+            </a:extLst>
+          </p:cNvPr>
+          <p:cNvSpPr>
+            <a:spLocks noGrp="1" noRot="1" noChangeAspect="1" noMove="1" noResize="1" noEditPoints="1" noAdjustHandles="1" noChangeArrowheads="1" noChangeShapeType="1" noTextEdit="1"/>
+          </p:cNvSpPr>
+          <p:nvPr>
+            <p:extLst>
+              <p:ext uri="{386F3935-93C4-4BCD-93E2-E3B085C9AB24}">
+                <p16:designElem xmlns:p16="http://schemas.microsoft.com/office/powerpoint/2015/main" val="1"/>
+              </p:ext>
+            </p:extLst>
+          </p:nvPr>
+        </p:nvSpPr>
+        <p:spPr>
+          <a:xfrm>
+            <a:off x="0" y="0"/>
+            <a:ext cx="12192000" cy="6858000"/>
+          </a:xfrm>
+          <a:prstGeom prst="rect">
+            <a:avLst/>
+          </a:prstGeom>
+          <a:ln w="12700" cap="flat" cmpd="sng" algn="ctr">
+            <a:noFill/>
+            <a:prstDash val="solid"/>
+            <a:miter lim="800000"/>
+          </a:ln>
+          <a:effectLst/>
+        </p:spPr>
+        <p:style>
+          <a:lnRef idx="2">
+            <a:schemeClr val="accent1">
+              <a:shade val="50000"/>
+            </a:schemeClr>
+          </a:lnRef>
+          <a:fillRef idx="1">
+            <a:schemeClr val="accent1"/>
+          </a:fillRef>
+          <a:effectRef idx="0">
+            <a:schemeClr val="accent1"/>
+          </a:effectRef>
+          <a:fontRef idx="minor">
+            <a:schemeClr val="lt1"/>
+          </a:fontRef>
+        </p:style>
+        <p:txBody>
+          <a:bodyPr rtlCol="0" anchor="ctr"/>
+          <a:lstStyle/>
+          <a:p>
+            <a:pPr algn="ctr"/>
+            <a:endParaRPr lang="en-US"/>
+          </a:p>
+        </p:txBody>
+      </p:sp>
+      <p:sp>
+        <p:nvSpPr>
+          <p:cNvPr id="15" name="Rectangle 10">
+            <a:extLst>
+              <a:ext uri="{FF2B5EF4-FFF2-40B4-BE49-F238E27FC236}">
+                <a16:creationId xmlns:a16="http://schemas.microsoft.com/office/drawing/2014/main" id="{F0F395FD-89E0-4B7B-95B1-C6DC06DE9DB3}"/>
+              </a:ext>
+              <a:ext uri="{C183D7F6-B498-43B3-948B-1728B52AA6E4}">
+                <adec:decorative xmlns:adec="http://schemas.microsoft.com/office/drawing/2017/decorative" val="1"/>
+              </a:ext>
+            </a:extLst>
+          </p:cNvPr>
+          <p:cNvSpPr>
+            <a:spLocks noGrp="1" noRot="1" noChangeAspect="1" noMove="1" noResize="1" noEditPoints="1" noAdjustHandles="1" noChangeArrowheads="1" noChangeShapeType="1" noTextEdit="1"/>
+          </p:cNvSpPr>
+          <p:nvPr>
+            <p:extLst>
+              <p:ext uri="{386F3935-93C4-4BCD-93E2-E3B085C9AB24}">
+                <p16:designElem xmlns:p16="http://schemas.microsoft.com/office/powerpoint/2015/main" val="1"/>
+              </p:ext>
+            </p:extLst>
+          </p:nvPr>
+        </p:nvSpPr>
+        <p:spPr>
+          <a:xfrm>
+            <a:off x="0" y="1362074"/>
+            <a:ext cx="12192001" cy="4733924"/>
+          </a:xfrm>
+          <a:prstGeom prst="rect">
+            <a:avLst/>
+          </a:prstGeom>
+          <a:gradFill flip="none" rotWithShape="1">
+            <a:gsLst>
+              <a:gs pos="41000">
+                <a:srgbClr val="000000">
+                  <a:alpha val="30000"/>
+                </a:srgbClr>
+              </a:gs>
+              <a:gs pos="60000">
+                <a:srgbClr val="000000">
+                  <a:alpha val="30000"/>
+                </a:srgbClr>
+              </a:gs>
+              <a:gs pos="0">
+                <a:schemeClr val="bg1">
+                  <a:alpha val="0"/>
+                </a:schemeClr>
+              </a:gs>
+              <a:gs pos="100000">
+                <a:schemeClr val="bg1">
+                  <a:alpha val="0"/>
+                </a:schemeClr>
+              </a:gs>
+            </a:gsLst>
+            <a:lin ang="5400000" scaled="1"/>
+            <a:tileRect/>
+          </a:gradFill>
+          <a:ln>
+            <a:noFill/>
+          </a:ln>
+        </p:spPr>
+        <p:style>
+          <a:lnRef idx="2">
+            <a:schemeClr val="accent1">
+              <a:shade val="50000"/>
+            </a:schemeClr>
+          </a:lnRef>
+          <a:fillRef idx="1">
+            <a:schemeClr val="accent1"/>
+          </a:fillRef>
+          <a:effectRef idx="0">
+            <a:schemeClr val="accent1"/>
+          </a:effectRef>
+          <a:fontRef idx="minor">
+            <a:schemeClr val="lt1"/>
+          </a:fontRef>
+        </p:style>
+        <p:txBody>
+          <a:bodyPr rtlCol="0" anchor="ctr"/>
+          <a:lstStyle/>
+          <a:p>
+            <a:pPr algn="ctr"/>
+            <a:endParaRPr lang="en-US"/>
+          </a:p>
+        </p:txBody>
+      </p:sp>
+      <p:sp>
+        <p:nvSpPr>
+          <p:cNvPr id="10" name="TextBox 9">
+            <a:extLst>
+              <a:ext uri="{FF2B5EF4-FFF2-40B4-BE49-F238E27FC236}">
+                <a16:creationId xmlns:a16="http://schemas.microsoft.com/office/drawing/2014/main" id="{6FAF9FA8-F5E0-8344-BABF-6B028732143A}"/>
+              </a:ext>
+            </a:extLst>
+          </p:cNvPr>
+          <p:cNvSpPr txBox="1"/>
+          <p:nvPr/>
+        </p:nvSpPr>
+        <p:spPr>
+          <a:xfrm>
+            <a:off x="524933" y="854242"/>
+            <a:ext cx="11142133" cy="1015663"/>
+          </a:xfrm>
+          <a:prstGeom prst="rect">
+            <a:avLst/>
+          </a:prstGeom>
+          <a:noFill/>
+        </p:spPr>
+        <p:txBody>
+          <a:bodyPr wrap="square" rtlCol="0">
+            <a:spAutoFit/>
+          </a:bodyPr>
+          <a:lstStyle/>
+          <a:p>
+            <a:r>
+              <a:rPr lang="en-US" sz="6000" dirty="0">
+                <a:solidFill>
+                  <a:srgbClr val="48607D"/>
+                </a:solidFill>
+              </a:rPr>
               <a:t>DISCUSSION/FINDINGS</a:t>
             </a:r>
           </a:p>
@@ -7153,7 +7756,7 @@
               <a:buChar char="•"/>
             </a:pPr>
             <a:r>
-              <a:rPr lang="en-US" sz="2400" b="0" i="0" dirty="0">
+              <a:rPr lang="en-US" sz="2400" b="1" i="0" dirty="0">
                 <a:solidFill>
                   <a:srgbClr val="1D1C1D"/>
                 </a:solidFill>
@@ -7162,7 +7765,7 @@
               </a:rPr>
               <a:t>For the most part, our hypothesis was generally true: the Air Quality Index was lower on average for the most part of 2020 for most cities, and in the instances that this is not true, there most likely was another variable that kept AQI up that we weren’t able to dive into more in depth: ordnances relating to COVID19 and areas’ reaction to the pandemic, fluctuating weather patterns and geographical limitations, and policies during this time which may have “backfired” in preventing COVID and/or decreased the Air Quality as a side effect</a:t>
             </a:r>
-            <a:endParaRPr lang="en-US" sz="2400" dirty="0"/>
+            <a:endParaRPr lang="en-US" sz="2400" b="1" dirty="0"/>
           </a:p>
         </p:txBody>
       </p:sp>

--- a/Presentation_Slides.pptx
+++ b/Presentation_Slides.pptx
@@ -7519,37 +7519,8 @@
                   <a:schemeClr val="bg1"/>
                 </a:solidFill>
               </a:rPr>
-              <a:t>Wuhan in 2020 started at a lower AQI than past years, but the decrease over time </a:t>
-            </a:r>
-            <a:r>
-              <a:rPr lang="en-US" sz="2400">
-                <a:solidFill>
-                  <a:schemeClr val="bg1"/>
-                </a:solidFill>
-              </a:rPr>
-              <a:t>throughout the year </a:t>
-            </a:r>
-            <a:r>
-              <a:rPr lang="en-US" sz="2400" dirty="0">
-                <a:solidFill>
-                  <a:schemeClr val="bg1"/>
-                </a:solidFill>
-              </a:rPr>
-              <a:t>is not that much different </a:t>
-            </a:r>
-            <a:r>
-              <a:rPr lang="en-US" sz="2400">
-                <a:solidFill>
-                  <a:schemeClr val="bg1"/>
-                </a:solidFill>
-              </a:rPr>
-              <a:t>than previous years. </a:t>
-            </a:r>
-            <a:endParaRPr lang="en-US" sz="2400" dirty="0">
-              <a:solidFill>
-                <a:schemeClr val="bg1"/>
-              </a:solidFill>
-            </a:endParaRPr>
+              <a:t>Wuhan in 2020 started at a lower AQI than past years, but the decrease over time throughout the year is not that much different than previous years. </a:t>
+            </a:r>
           </a:p>
           <a:p>
             <a:pPr marL="342900" indent="-342900">

--- a/Presentation_Slides.pptx
+++ b/Presentation_Slides.pptx
@@ -208,7 +208,7 @@
           <a:p>
             <a:fld id="{277151B7-E865-BC45-B0E9-143E33B157DC}" type="datetimeFigureOut">
               <a:rPr lang="en-US" smtClean="0"/>
-              <a:t>7/30/20</a:t>
+              <a:t>7/30/2020</a:t>
             </a:fld>
             <a:endParaRPr lang="en-US"/>
           </a:p>
@@ -624,7 +624,7 @@
           <a:p>
             <a:fld id="{F4D57BDD-E64A-4D27-8978-82FFCA18A12C}" type="datetimeFigureOut">
               <a:rPr lang="en-US" smtClean="0"/>
-              <a:t>7/30/20</a:t>
+              <a:t>7/30/2020</a:t>
             </a:fld>
             <a:endParaRPr lang="en-US"/>
           </a:p>
@@ -833,7 +833,7 @@
           <a:p>
             <a:fld id="{F4D57BDD-E64A-4D27-8978-82FFCA18A12C}" type="datetimeFigureOut">
               <a:rPr lang="en-US" smtClean="0"/>
-              <a:t>7/30/20</a:t>
+              <a:t>7/30/2020</a:t>
             </a:fld>
             <a:endParaRPr lang="en-US"/>
           </a:p>
@@ -1041,7 +1041,7 @@
           <a:p>
             <a:fld id="{F4D57BDD-E64A-4D27-8978-82FFCA18A12C}" type="datetimeFigureOut">
               <a:rPr lang="en-US" smtClean="0"/>
-              <a:t>7/30/20</a:t>
+              <a:t>7/30/2020</a:t>
             </a:fld>
             <a:endParaRPr lang="en-US"/>
           </a:p>
@@ -1239,7 +1239,7 @@
           <a:p>
             <a:fld id="{F4D57BDD-E64A-4D27-8978-82FFCA18A12C}" type="datetimeFigureOut">
               <a:rPr lang="en-US" smtClean="0"/>
-              <a:t>7/30/20</a:t>
+              <a:t>7/30/2020</a:t>
             </a:fld>
             <a:endParaRPr lang="en-US"/>
           </a:p>
@@ -1515,7 +1515,7 @@
           <a:p>
             <a:fld id="{F4D57BDD-E64A-4D27-8978-82FFCA18A12C}" type="datetimeFigureOut">
               <a:rPr lang="en-US" smtClean="0"/>
-              <a:t>7/30/20</a:t>
+              <a:t>7/30/2020</a:t>
             </a:fld>
             <a:endParaRPr lang="en-US"/>
           </a:p>
@@ -1787,7 +1787,7 @@
           <a:p>
             <a:fld id="{F4D57BDD-E64A-4D27-8978-82FFCA18A12C}" type="datetimeFigureOut">
               <a:rPr lang="en-US" smtClean="0"/>
-              <a:t>7/30/20</a:t>
+              <a:t>7/30/2020</a:t>
             </a:fld>
             <a:endParaRPr lang="en-US"/>
           </a:p>
@@ -2201,7 +2201,7 @@
           <a:p>
             <a:fld id="{F4D57BDD-E64A-4D27-8978-82FFCA18A12C}" type="datetimeFigureOut">
               <a:rPr lang="en-US" smtClean="0"/>
-              <a:t>7/30/20</a:t>
+              <a:t>7/30/2020</a:t>
             </a:fld>
             <a:endParaRPr lang="en-US"/>
           </a:p>
@@ -2348,7 +2348,7 @@
           <a:p>
             <a:fld id="{F4D57BDD-E64A-4D27-8978-82FFCA18A12C}" type="datetimeFigureOut">
               <a:rPr lang="en-US" smtClean="0"/>
-              <a:t>7/30/20</a:t>
+              <a:t>7/30/2020</a:t>
             </a:fld>
             <a:endParaRPr lang="en-US"/>
           </a:p>
@@ -2461,7 +2461,7 @@
           <a:p>
             <a:fld id="{F4D57BDD-E64A-4D27-8978-82FFCA18A12C}" type="datetimeFigureOut">
               <a:rPr lang="en-US" smtClean="0"/>
-              <a:t>7/30/20</a:t>
+              <a:t>7/30/2020</a:t>
             </a:fld>
             <a:endParaRPr lang="en-US"/>
           </a:p>
@@ -2773,7 +2773,7 @@
           <a:p>
             <a:fld id="{F4D57BDD-E64A-4D27-8978-82FFCA18A12C}" type="datetimeFigureOut">
               <a:rPr lang="en-US" smtClean="0"/>
-              <a:t>7/30/20</a:t>
+              <a:t>7/30/2020</a:t>
             </a:fld>
             <a:endParaRPr lang="en-US"/>
           </a:p>
@@ -3064,7 +3064,7 @@
           <a:p>
             <a:fld id="{F4D57BDD-E64A-4D27-8978-82FFCA18A12C}" type="datetimeFigureOut">
               <a:rPr lang="en-US" smtClean="0"/>
-              <a:t>7/30/20</a:t>
+              <a:t>7/30/2020</a:t>
             </a:fld>
             <a:endParaRPr lang="en-US"/>
           </a:p>
@@ -3313,7 +3313,7 @@
             <a:fld id="{F4D57BDD-E64A-4D27-8978-82FFCA18A12C}" type="datetimeFigureOut">
               <a:rPr lang="en-US" smtClean="0"/>
               <a:pPr/>
-              <a:t>7/30/20</a:t>
+              <a:t>7/30/2020</a:t>
             </a:fld>
             <a:endParaRPr lang="en-US" dirty="0"/>
           </a:p>
@@ -5178,7 +5178,7 @@
           <a:p>
             <a:r>
               <a:rPr lang="en-US" sz="2000" b="1" dirty="0"/>
-              <a:t>Gage Thompson, Aaron Ecker</a:t>
+              <a:t>Gage Thompson, Aaron Eaker</a:t>
             </a:r>
           </a:p>
         </p:txBody>
